--- a/Game Theory and Networked Systems_495/Final_Project/game_theory.pptx
+++ b/Game Theory and Networked Systems_495/Final_Project/game_theory.pptx
@@ -294,7 +294,7 @@
       </p15:sldGuideLst>
     </p:ext>
     <p:ext uri="http://customooxmlschemas.google.com/">
-      <go:slidesCustomData xmlns:go="http://customooxmlschemas.google.com/" xmlns:ahyp="http://schemas.microsoft.com/office/drawing/2018/hyperlinkcolor" xmlns:p15="http://schemas.microsoft.com/office/powerpoint/2012/main" xmlns:p14="http://schemas.microsoft.com/office/powerpoint/2010/main" xmlns:com="http://schemas.openxmlformats.org/drawingml/2006/compatibility" xmlns:pvml="urn:schemas-microsoft-com:office:powerpoint" xmlns:v="urn:schemas-microsoft-com:vml" xmlns:o="urn:schemas-microsoft-com:office:office" xmlns:dgm="http://schemas.openxmlformats.org/drawingml/2006/diagram" xmlns:c="http://schemas.openxmlformats.org/drawingml/2006/chart" xmlns:mv="urn:schemas-microsoft-com:mac:vml" xmlns:mc="http://schemas.openxmlformats.org/markup-compatibility/2006" xmlns="" r:id="rId38" roundtripDataSignature="AMtx7mgvlcoAI2zsWC/KwKG8gDbVwJ2eqQ=="/>
+      <go:slidesCustomData xmlns="" xmlns:mc="http://schemas.openxmlformats.org/markup-compatibility/2006" xmlns:mv="urn:schemas-microsoft-com:mac:vml" xmlns:c="http://schemas.openxmlformats.org/drawingml/2006/chart" xmlns:dgm="http://schemas.openxmlformats.org/drawingml/2006/diagram" xmlns:o="urn:schemas-microsoft-com:office:office" xmlns:v="urn:schemas-microsoft-com:vml" xmlns:pvml="urn:schemas-microsoft-com:office:powerpoint" xmlns:com="http://schemas.openxmlformats.org/drawingml/2006/compatibility" xmlns:p14="http://schemas.microsoft.com/office/powerpoint/2010/main" xmlns:p15="http://schemas.microsoft.com/office/powerpoint/2012/main" xmlns:ahyp="http://schemas.microsoft.com/office/drawing/2018/hyperlinkcolor" xmlns:go="http://customooxmlschemas.google.com/" r:id="rId38" roundtripDataSignature="AMtx7mgvlcoAI2zsWC/KwKG8gDbVwJ2eqQ=="/>
     </p:ext>
   </p:extLst>
 </p:presentation>
@@ -1988,7 +1988,7 @@
               <a:buSzPts val="1400"/>
               <a:buNone/>
             </a:pPr>
-            <a:endParaRPr dirty="0"/>
+            <a:endParaRPr lang="en-US" dirty="0"/>
           </a:p>
         </p:txBody>
       </p:sp>
@@ -2044,11 +2044,6 @@
         </p:spPr>
       </p:sp>
     </p:spTree>
-    <p:extLst>
-      <p:ext uri="{BB962C8B-B14F-4D97-AF65-F5344CB8AC3E}">
-        <p14:creationId xmlns:p14="http://schemas.microsoft.com/office/powerpoint/2010/main" val="2633342625"/>
-      </p:ext>
-    </p:extLst>
   </p:cSld>
   <p:clrMapOvr>
     <a:masterClrMapping/>
@@ -2167,15 +2162,135 @@
                 <a:srgbClr val="000000"/>
               </a:buClr>
               <a:buSzPts val="1400"/>
-              <a:buFont typeface="Arial"/>
-              <a:buNone/>
-              <a:tabLst/>
+              <a:buFont typeface="Arial" panose="020B0604020202020204"/>
+              <a:buNone/>
+              <a:defRPr/>
+            </a:pPr>
+            <a:r>
+              <a:rPr lang="en-US" dirty="0">
+                <a:sym typeface="+mn-ea"/>
+              </a:rPr>
+              <a:t>After learning the strategies for Iterated Prisoner’s Dilemma, we applied them to the evolution of cooperation. More specificly, we simulated the moran process in a reproduction situation with the mentioned strategies and had some interesting findings.</a:t>
+            </a:r>
+            <a:endParaRPr lang="en-US" dirty="0"/>
+          </a:p>
+          <a:p>
+            <a:pPr marL="0" marR="0" lvl="0" indent="0" algn="l" defTabSz="914400" rtl="0" eaLnBrk="1" fontAlgn="auto" latinLnBrk="0" hangingPunct="1">
+              <a:lnSpc>
+                <a:spcPct val="100000"/>
+              </a:lnSpc>
+              <a:spcBef>
+                <a:spcPts val="0"/>
+              </a:spcBef>
+              <a:spcAft>
+                <a:spcPts val="0"/>
+              </a:spcAft>
+              <a:buClr>
+                <a:srgbClr val="000000"/>
+              </a:buClr>
+              <a:buSzPts val="1400"/>
+              <a:buFont typeface="Arial" panose="020B0604020202020204"/>
+              <a:buNone/>
+              <a:defRPr/>
+            </a:pPr>
+            <a:endParaRPr lang="en-US" altLang="zh-CN" dirty="0"/>
+          </a:p>
+          <a:p>
+            <a:pPr marL="0" marR="0" lvl="0" indent="0" algn="l" defTabSz="914400" rtl="0" eaLnBrk="1" fontAlgn="auto" latinLnBrk="0" hangingPunct="1">
+              <a:lnSpc>
+                <a:spcPct val="100000"/>
+              </a:lnSpc>
+              <a:spcBef>
+                <a:spcPts val="0"/>
+              </a:spcBef>
+              <a:spcAft>
+                <a:spcPts val="0"/>
+              </a:spcAft>
+              <a:buClr>
+                <a:srgbClr val="000000"/>
+              </a:buClr>
+              <a:buSzPts val="1400"/>
+              <a:buFont typeface="Arial" panose="020B0604020202020204"/>
+              <a:buNone/>
               <a:defRPr/>
             </a:pPr>
             <a:r>
               <a:rPr lang="en-US" altLang="zh-CN" dirty="0"/>
-              <a:t>Let’s say we are in a reproduction situation. These payoff of each strategies in the tournament represent resources that could be used for reproduction. For strategies with high payoff like TIT for TAT, it will reproduce more of them into the next generation. For strategies with lower pay off like Random, we will put fewer of them into the next generation. Let’s consider a population of 9 players, which consist 3 TIT for TATs, 3 Always Defectors, 3 Cooperators and 1 random</a:t>
+              <a:t>[ppt]</a:t>
             </a:r>
+          </a:p>
+          <a:p>
+            <a:pPr marL="0" marR="0" lvl="0" indent="0" algn="l" defTabSz="914400" rtl="0" eaLnBrk="1" fontAlgn="auto" latinLnBrk="0" hangingPunct="1">
+              <a:lnSpc>
+                <a:spcPct val="100000"/>
+              </a:lnSpc>
+              <a:spcBef>
+                <a:spcPts val="0"/>
+              </a:spcBef>
+              <a:spcAft>
+                <a:spcPts val="0"/>
+              </a:spcAft>
+              <a:buClr>
+                <a:srgbClr val="000000"/>
+              </a:buClr>
+              <a:buSzPts val="1400"/>
+              <a:buFont typeface="Arial" panose="020B0604020202020204"/>
+              <a:buNone/>
+              <a:defRPr/>
+            </a:pPr>
+            <a:endParaRPr lang="en-US" altLang="zh-CN" dirty="0"/>
+          </a:p>
+          <a:p>
+            <a:pPr marL="0" marR="0" lvl="0" indent="0" algn="l" defTabSz="914400" rtl="0" eaLnBrk="1" fontAlgn="auto" latinLnBrk="0" hangingPunct="1">
+              <a:lnSpc>
+                <a:spcPct val="100000"/>
+              </a:lnSpc>
+              <a:spcBef>
+                <a:spcPts val="0"/>
+              </a:spcBef>
+              <a:spcAft>
+                <a:spcPts val="0"/>
+              </a:spcAft>
+              <a:buClr>
+                <a:srgbClr val="000000"/>
+              </a:buClr>
+              <a:buSzPts val="1400"/>
+              <a:buFont typeface="Arial" panose="020B0604020202020204"/>
+              <a:buNone/>
+              <a:defRPr/>
+            </a:pPr>
+            <a:r>
+              <a:rPr lang="en-US" altLang="zh-CN" dirty="0"/>
+              <a:t>In our simulation, the score of a single match is the payoff of each strategy. It is positively correlated with the possibility to be chosen to reproduce. </a:t>
+            </a:r>
+            <a:r>
+              <a:rPr lang="en-US" altLang="zh-CN" dirty="0">
+                <a:sym typeface="+mn-ea"/>
+              </a:rPr>
+              <a:t> For strategies with higher payoff like TIT for TAT, it will reproduce more of them into the next generation. For strategies with lower payoff like Random, we will put fewer of them into the next generation. Let’s first consider a population of 9 players, which consist 3 TIT for TATs, 3 Always Defectors, 3 Cooperators and 1 random. </a:t>
+            </a:r>
+            <a:endParaRPr lang="en-US" altLang="zh-CN" dirty="0"/>
+          </a:p>
+          <a:p>
+            <a:pPr marL="0" marR="0" lvl="0" indent="0" algn="l" defTabSz="914400" rtl="0" eaLnBrk="1" fontAlgn="auto" latinLnBrk="0" hangingPunct="1">
+              <a:lnSpc>
+                <a:spcPct val="100000"/>
+              </a:lnSpc>
+              <a:spcBef>
+                <a:spcPts val="0"/>
+              </a:spcBef>
+              <a:spcAft>
+                <a:spcPts val="0"/>
+              </a:spcAft>
+              <a:buClr>
+                <a:srgbClr val="000000"/>
+              </a:buClr>
+              <a:buSzPts val="1400"/>
+              <a:buFont typeface="Arial" panose="020B0604020202020204"/>
+              <a:buNone/>
+              <a:defRPr/>
+            </a:pPr>
+            <a:endParaRPr lang="en-US" altLang="zh-CN" dirty="0"/>
           </a:p>
         </p:txBody>
       </p:sp>
@@ -2225,16 +2340,11 @@
               <a:rPr lang="en-US"/>
               <a:t>10</a:t>
             </a:fld>
-            <a:endParaRPr/>
+            <a:endParaRPr lang="en-US"/>
           </a:p>
         </p:txBody>
       </p:sp>
     </p:spTree>
-    <p:extLst>
-      <p:ext uri="{BB962C8B-B14F-4D97-AF65-F5344CB8AC3E}">
-        <p14:creationId xmlns:p14="http://schemas.microsoft.com/office/powerpoint/2010/main" val="3657668844"/>
-      </p:ext>
-    </p:extLst>
   </p:cSld>
   <p:clrMapOvr>
     <a:masterClrMapping/>
@@ -2353,9 +2463,8 @@
                 <a:srgbClr val="000000"/>
               </a:buClr>
               <a:buSzPts val="1400"/>
-              <a:buFont typeface="Arial"/>
-              <a:buNone/>
-              <a:tabLst/>
+              <a:buFont typeface="Arial" panose="020B0604020202020204"/>
+              <a:buNone/>
               <a:defRPr/>
             </a:pPr>
             <a:r>
@@ -2364,9 +2473,66 @@
                   <a:srgbClr val="333333"/>
                 </a:solidFill>
                 <a:effectLst/>
-                <a:latin typeface="tahoma" panose="020B0604030504040204" pitchFamily="34" charset="0"/>
+                <a:latin typeface="Tahoma" panose="020B0604030504040204" pitchFamily="34" charset="0"/>
               </a:rPr>
-              <a:t>Through the simulation of Moran process, we can see the change process of four populations from the figure on the right. The Defector, did well at the start, but as its victim, </a:t>
+              <a:t>Through the simulation of Moran process, we can see the changing process of four populations from the figure on the right.</a:t>
+            </a:r>
+          </a:p>
+          <a:p>
+            <a:pPr marL="0" marR="0" lvl="0" indent="0" algn="l" defTabSz="914400" rtl="0" eaLnBrk="1" fontAlgn="auto" latinLnBrk="0" hangingPunct="1">
+              <a:lnSpc>
+                <a:spcPct val="100000"/>
+              </a:lnSpc>
+              <a:spcBef>
+                <a:spcPts val="0"/>
+              </a:spcBef>
+              <a:spcAft>
+                <a:spcPts val="0"/>
+              </a:spcAft>
+              <a:buClr>
+                <a:srgbClr val="000000"/>
+              </a:buClr>
+              <a:buSzPts val="1400"/>
+              <a:buFont typeface="Arial" panose="020B0604020202020204"/>
+              <a:buNone/>
+              <a:defRPr/>
+            </a:pPr>
+            <a:endParaRPr lang="en-US" altLang="zh-CN" b="0" i="0" dirty="0">
+              <a:solidFill>
+                <a:srgbClr val="333333"/>
+              </a:solidFill>
+              <a:effectLst/>
+              <a:latin typeface="Tahoma" panose="020B0604030504040204" pitchFamily="34" charset="0"/>
+            </a:endParaRPr>
+          </a:p>
+          <a:p>
+            <a:pPr marL="0" marR="0" lvl="0" indent="0" algn="l" defTabSz="914400" rtl="0" eaLnBrk="1" fontAlgn="auto" latinLnBrk="0" hangingPunct="1">
+              <a:lnSpc>
+                <a:spcPct val="100000"/>
+              </a:lnSpc>
+              <a:spcBef>
+                <a:spcPts val="0"/>
+              </a:spcBef>
+              <a:spcAft>
+                <a:spcPts val="0"/>
+              </a:spcAft>
+              <a:buClr>
+                <a:srgbClr val="000000"/>
+              </a:buClr>
+              <a:buSzPts val="1400"/>
+              <a:buFont typeface="Arial" panose="020B0604020202020204"/>
+              <a:buNone/>
+              <a:defRPr/>
+            </a:pPr>
+            <a:r>
+              <a:rPr lang="en-US" altLang="zh-CN" b="0" i="0" dirty="0">
+                <a:solidFill>
+                  <a:srgbClr val="333333"/>
+                </a:solidFill>
+                <a:effectLst/>
+                <a:latin typeface="Tahoma" panose="020B0604030504040204" pitchFamily="34" charset="0"/>
+              </a:rPr>
+              <a:t>The Defector, did well at the start, but as its victim, </a:t>
             </a:r>
             <a:r>
               <a:rPr lang="en-US" altLang="zh-CN" b="1" i="0" dirty="0">
@@ -2374,7 +2540,7 @@
                   <a:srgbClr val="333333"/>
                 </a:solidFill>
                 <a:effectLst/>
-                <a:latin typeface="tahoma" panose="020B0604030504040204" pitchFamily="34" charset="0"/>
+                <a:latin typeface="Tahoma" panose="020B0604030504040204" pitchFamily="34" charset="0"/>
               </a:rPr>
               <a:t>Cooperator</a:t>
             </a:r>
@@ -2384,7 +2550,7 @@
                   <a:srgbClr val="333333"/>
                 </a:solidFill>
                 <a:effectLst/>
-                <a:latin typeface="tahoma" panose="020B0604030504040204" pitchFamily="34" charset="0"/>
+                <a:latin typeface="Tahoma" panose="020B0604030504040204" pitchFamily="34" charset="0"/>
               </a:rPr>
               <a:t> went extinct, its population declined as well. The real successful strategies were ones that could work well with other successful strategies, basically, they are those nice or otherwise cooperative strategies. They support one another and were able to continue to reproduce.</a:t>
             </a:r>
@@ -2438,16 +2604,11 @@
               <a:rPr lang="en-US"/>
               <a:t>11</a:t>
             </a:fld>
-            <a:endParaRPr/>
+            <a:endParaRPr lang="en-US"/>
           </a:p>
         </p:txBody>
       </p:sp>
     </p:spTree>
-    <p:extLst>
-      <p:ext uri="{BB962C8B-B14F-4D97-AF65-F5344CB8AC3E}">
-        <p14:creationId xmlns:p14="http://schemas.microsoft.com/office/powerpoint/2010/main" val="1249324514"/>
-      </p:ext>
-    </p:extLst>
   </p:cSld>
   <p:clrMapOvr>
     <a:masterClrMapping/>
@@ -2566,9 +2727,8 @@
                 <a:srgbClr val="000000"/>
               </a:buClr>
               <a:buSzPts val="1400"/>
-              <a:buFont typeface="Arial"/>
-              <a:buNone/>
-              <a:tabLst/>
+              <a:buFont typeface="Arial" panose="020B0604020202020204"/>
+              <a:buNone/>
               <a:defRPr/>
             </a:pPr>
             <a:r>
@@ -2577,9 +2737,9 @@
                   <a:srgbClr val="333333"/>
                 </a:solidFill>
                 <a:effectLst/>
-                <a:latin typeface="tahoma" panose="020B0604030504040204" pitchFamily="34" charset="0"/>
+                <a:latin typeface="Tahoma" panose="020B0604030504040204" pitchFamily="34" charset="0"/>
               </a:rPr>
-              <a:t>Let’s consider another situation, it is a world of always defectors, it is a cruel world with otherwise the rules. Can a nice mutation establish itself? Can something like TIT For TAT invade a group of always defectors? Unfortunately, the result is No, because a </a:t>
+              <a:t>Let’s consider another situation, it is a world of always defectors, it is a cruel world. Can a nice mutation establish itself? Can something like TIT For TAT invade a group of always defectors? Unfortunately, the result is No, because a </a:t>
             </a:r>
             <a:r>
               <a:rPr lang="en-US" altLang="zh-CN" sz="1200" b="0" i="0" dirty="0">
@@ -2587,7 +2747,7 @@
                   <a:srgbClr val="333333"/>
                 </a:solidFill>
                 <a:effectLst/>
-                <a:latin typeface="tahoma" panose="020B0604030504040204" pitchFamily="34" charset="0"/>
+                <a:latin typeface="Tahoma" panose="020B0604030504040204" pitchFamily="34" charset="0"/>
               </a:rPr>
               <a:t>single </a:t>
             </a:r>
@@ -2597,9 +2757,9 @@
                   <a:schemeClr val="accent1"/>
                 </a:solidFill>
                 <a:effectLst/>
-                <a:latin typeface="tahoma" panose="020B0604030504040204" pitchFamily="34" charset="0"/>
+                <a:latin typeface="Tahoma" panose="020B0604030504040204" pitchFamily="34" charset="0"/>
               </a:rPr>
-              <a:t>TIT For TAT can not find anybody in population to cooperate with, and always come away as the worst reproducer. However we can improve the situation by adding a extra TIT FOR TAT.</a:t>
+              <a:t>TIT For TAT can not find anybody in population to cooperate with, and always come away as the worst reproducer. However we can improve the situation by adding an extra TIT FOR TAT.</a:t>
             </a:r>
             <a:endParaRPr b="0" dirty="0"/>
           </a:p>
@@ -2651,16 +2811,11 @@
               <a:rPr lang="en-US"/>
               <a:t>12</a:t>
             </a:fld>
-            <a:endParaRPr/>
+            <a:endParaRPr lang="en-US"/>
           </a:p>
         </p:txBody>
       </p:sp>
     </p:spTree>
-    <p:extLst>
-      <p:ext uri="{BB962C8B-B14F-4D97-AF65-F5344CB8AC3E}">
-        <p14:creationId xmlns:p14="http://schemas.microsoft.com/office/powerpoint/2010/main" val="2056651834"/>
-      </p:ext>
-    </p:extLst>
   </p:cSld>
   <p:clrMapOvr>
     <a:masterClrMapping/>
@@ -2779,9 +2934,8 @@
                 <a:srgbClr val="000000"/>
               </a:buClr>
               <a:buSzPts val="1400"/>
-              <a:buFont typeface="Arial"/>
-              <a:buNone/>
-              <a:tabLst/>
+              <a:buFont typeface="Arial" panose="020B0604020202020204"/>
+              <a:buNone/>
               <a:defRPr/>
             </a:pPr>
             <a:r>
@@ -2789,7 +2943,7 @@
                 <a:solidFill>
                   <a:srgbClr val="333333"/>
                 </a:solidFill>
-                <a:latin typeface="tahoma" panose="020B0604030504040204" pitchFamily="34" charset="0"/>
+                <a:latin typeface="Tahoma" panose="020B0604030504040204" pitchFamily="34" charset="0"/>
               </a:rPr>
               <a:t>If there are a couple </a:t>
             </a:r>
@@ -2798,7 +2952,7 @@
                 <a:solidFill>
                   <a:schemeClr val="accent1"/>
                 </a:solidFill>
-                <a:latin typeface="tahoma" panose="020B0604030504040204" pitchFamily="34" charset="0"/>
+                <a:latin typeface="Tahoma" panose="020B0604030504040204" pitchFamily="34" charset="0"/>
               </a:rPr>
               <a:t>TIT FOR TATs</a:t>
             </a:r>
@@ -2807,7 +2961,7 @@
                 <a:solidFill>
                   <a:srgbClr val="333333"/>
                 </a:solidFill>
-                <a:latin typeface="tahoma" panose="020B0604030504040204" pitchFamily="34" charset="0"/>
+                <a:latin typeface="Tahoma" panose="020B0604030504040204" pitchFamily="34" charset="0"/>
               </a:rPr>
               <a:t>, then they could gain more from one another than they loss to the defector. So, everything become different. And eventually they would end up taking over and once established, it would be really hard for a non-nice strategy to invade TIT FOR TAT, because TIT FOR TAT has the properties of retaliating. Those non-nice strategy will get lower payoff when playing game with TIT FOR TAT, and become the worst reproducer. </a:t>
             </a:r>
@@ -2827,16 +2981,15 @@
                 <a:srgbClr val="000000"/>
               </a:buClr>
               <a:buSzPts val="1400"/>
-              <a:buFont typeface="Arial"/>
-              <a:buNone/>
-              <a:tabLst/>
+              <a:buFont typeface="Arial" panose="020B0604020202020204"/>
+              <a:buNone/>
               <a:defRPr/>
             </a:pPr>
             <a:endParaRPr lang="en-US" altLang="zh-CN" sz="1200" b="0" dirty="0">
               <a:solidFill>
                 <a:srgbClr val="333333"/>
               </a:solidFill>
-              <a:latin typeface="tahoma" panose="020B0604030504040204" pitchFamily="34" charset="0"/>
+              <a:latin typeface="Tahoma" panose="020B0604030504040204" pitchFamily="34" charset="0"/>
             </a:endParaRPr>
           </a:p>
           <a:p>
@@ -2854,9 +3007,8 @@
                 <a:srgbClr val="000000"/>
               </a:buClr>
               <a:buSzPts val="1400"/>
-              <a:buFont typeface="Arial"/>
-              <a:buNone/>
-              <a:tabLst/>
+              <a:buFont typeface="Arial" panose="020B0604020202020204"/>
+              <a:buNone/>
               <a:defRPr/>
             </a:pPr>
             <a:r>
@@ -2864,9 +3016,18 @@
                 <a:solidFill>
                   <a:srgbClr val="333333"/>
                 </a:solidFill>
-                <a:latin typeface="tahoma" panose="020B0604030504040204" pitchFamily="34" charset="0"/>
+                <a:latin typeface="Tahoma" panose="020B0604030504040204" pitchFamily="34" charset="0"/>
               </a:rPr>
-              <a:t>TIT for TAT does quite well in these model reproduction situations, it can invade other strategies, and it is difficult to be invaded. But in a larger reproduction game, it has no foresight and almost no memory. Instead, it just reacts to specific situations</a:t>
+              <a:t>TIT for TAT does quite well in these model reproduction situations, it can invade other strategies, and it is difficult to be invaded. But in a larger reproduction game, it has no foresight and almost no memory. Instead, it just reacts to </a:t>
+            </a:r>
+            <a:r>
+              <a:rPr lang="en-US" altLang="zh-CN" sz="1200" b="0">
+                <a:solidFill>
+                  <a:srgbClr val="333333"/>
+                </a:solidFill>
+                <a:latin typeface="Tahoma" panose="020B0604030504040204" pitchFamily="34" charset="0"/>
+              </a:rPr>
+              <a:t>specific situations. </a:t>
             </a:r>
             <a:endParaRPr b="0" dirty="0"/>
           </a:p>
@@ -2918,16 +3079,11 @@
               <a:rPr lang="en-US"/>
               <a:t>13</a:t>
             </a:fld>
-            <a:endParaRPr/>
+            <a:endParaRPr lang="en-US"/>
           </a:p>
         </p:txBody>
       </p:sp>
     </p:spTree>
-    <p:extLst>
-      <p:ext uri="{BB962C8B-B14F-4D97-AF65-F5344CB8AC3E}">
-        <p14:creationId xmlns:p14="http://schemas.microsoft.com/office/powerpoint/2010/main" val="1239283874"/>
-      </p:ext>
-    </p:extLst>
   </p:cSld>
   <p:clrMapOvr>
     <a:masterClrMapping/>
@@ -3352,7 +3508,7 @@
                 </a:solidFill>
                 <a:sym typeface="Comfortaa"/>
               </a:rPr>
-              <a:t>The prisoner's dilemma is a hypothetical game set up showing a situation where people won't want to work together even when it's beneficial to do so. It's just a long way of saying people don't like to be taken advantage of</a:t>
+              <a:t>The prisoner's dilemma is a hypothetical game set up showing a situation where people won't want to work together even when it's beneficial to do so. </a:t>
             </a:r>
           </a:p>
           <a:p>
@@ -3448,7 +3604,7 @@
                 <a:effectLst/>
                 <a:latin typeface="charter"/>
               </a:rPr>
-              <a:t>he reason this is tricky is that if you know what the other person is going to do, it’s always to your advantage to say the other person is guilty. BUT since you don’t know what the other person will do, your average reduction will be greater if you cooperate</a:t>
+              <a:t>he reason why this problem is tricky is that if you know what the other person is going to do, it’s always to your advantage to say the other person is guilty. BUT since you don’t know what the other person will do, your average reduction will be greater if you cooperate</a:t>
             </a:r>
           </a:p>
           <a:p>
@@ -3650,7 +3806,82 @@
                 </a:solidFill>
                 <a:sym typeface="Comfortaa"/>
               </a:rPr>
-              <a:t>The iterated prisoner's dilemma is just like the regular game except you play it multiple times with an opponent and accumulate the scores. In this game, all players have the same goal, which is also to maximize the utility (corresponding to minimizing years in prison) over a repetition of the game. Similar to one off prisoner dilemma game, in multiple games, if the opponent cooperates and defect at random, or follows a set of pattern, always defecting still gives the best payout. That is because, here, like in a one-off game, defecting has no consequences. This situation will change if the player make decision depending on what the other player did, </a:t>
+              <a:t>The iterated prisoner's dilemma is just like the regular game except you play it multiple times with an opponent and accumulate the scores. In this game, all players have the same goal, which is also to maximize the utility over a repetition of the game. </a:t>
+            </a:r>
+          </a:p>
+          <a:p>
+            <a:pPr marL="0" marR="0" lvl="0" indent="0" algn="l" defTabSz="914400" rtl="0" eaLnBrk="1" fontAlgn="auto" latinLnBrk="0" hangingPunct="1">
+              <a:lnSpc>
+                <a:spcPct val="100000"/>
+              </a:lnSpc>
+              <a:spcBef>
+                <a:spcPts val="0"/>
+              </a:spcBef>
+              <a:spcAft>
+                <a:spcPts val="0"/>
+              </a:spcAft>
+              <a:buClr>
+                <a:srgbClr val="000000"/>
+              </a:buClr>
+              <a:buSzPts val="1400"/>
+              <a:buFont typeface="Arial"/>
+              <a:buNone/>
+              <a:tabLst/>
+              <a:defRPr/>
+            </a:pPr>
+            <a:endParaRPr lang="en-US" altLang="zh-CN" dirty="0">
+              <a:solidFill>
+                <a:schemeClr val="dk1"/>
+              </a:solidFill>
+              <a:sym typeface="Comfortaa"/>
+            </a:endParaRPr>
+          </a:p>
+          <a:p>
+            <a:pPr marL="0" marR="0" lvl="0" indent="0" algn="l" defTabSz="914400" rtl="0" eaLnBrk="1" fontAlgn="auto" latinLnBrk="0" hangingPunct="1">
+              <a:lnSpc>
+                <a:spcPct val="100000"/>
+              </a:lnSpc>
+              <a:spcBef>
+                <a:spcPts val="0"/>
+              </a:spcBef>
+              <a:spcAft>
+                <a:spcPts val="0"/>
+              </a:spcAft>
+              <a:buClr>
+                <a:srgbClr val="000000"/>
+              </a:buClr>
+              <a:buSzPts val="1400"/>
+              <a:buFont typeface="Arial"/>
+              <a:buNone/>
+              <a:tabLst/>
+              <a:defRPr/>
+            </a:pPr>
+            <a:r>
+              <a:rPr lang="en-US" altLang="zh-CN" dirty="0">
+                <a:solidFill>
+                  <a:schemeClr val="dk1"/>
+                </a:solidFill>
+                <a:sym typeface="Comfortaa"/>
+              </a:rPr>
+              <a:t>And…Similar to one off prisoner dilemma game, in multiple games, if the opponent cooperates and defect at random, or follows a set of pattern, </a:t>
+            </a:r>
+            <a:r>
+              <a:rPr lang="en-US" altLang="zh-CN" b="1" dirty="0">
+                <a:solidFill>
+                  <a:schemeClr val="dk1"/>
+                </a:solidFill>
+                <a:sym typeface="Comfortaa"/>
+              </a:rPr>
+              <a:t>always defecting </a:t>
+            </a:r>
+            <a:r>
+              <a:rPr lang="en-US" altLang="zh-CN" dirty="0">
+                <a:solidFill>
+                  <a:schemeClr val="dk1"/>
+                </a:solidFill>
+                <a:sym typeface="Comfortaa"/>
+              </a:rPr>
+              <a:t>still gives the best payoff. This is because, here, like in a one-off game, defecting has no consequences. This situation will change if the player make decision depending on what the other player did, </a:t>
             </a:r>
             <a:endParaRPr dirty="0"/>
           </a:p>
@@ -3916,7 +4147,7 @@
                   <a:schemeClr val="dk1"/>
                 </a:solidFill>
               </a:rPr>
-              <a:t>TIT for TAT. Because many recent strategies are the variant of it.</a:t>
+              <a:t>TIT for TAT. Because many recent strategies are actually the variant of it.</a:t>
             </a:r>
           </a:p>
         </p:txBody>
@@ -4106,37 +4337,8 @@
                   <a:schemeClr val="dk1"/>
                 </a:solidFill>
               </a:rPr>
-              <a:t>TIT for TAT is a simple strategy, but one thing is, it reciprocate quickly against defectors. </a:t>
+              <a:t>TIT FOR TAT is a very simple but effective strategy, it cooperates in the first round and then just copies what the other player did in the previous round, so it can respond quickly to any defection. This means that any strategy against it will be punished immediately and get into a bad situation. For example, if an opponent defects at the second round (as shown in the figure below), he will get punished immediately, causing the payoff to drop in the next round. Even if he tries to go back to cooperating, he will gain less than keeping cooperate with TIT FOR TAT for whole rounds. So, TIT FOR TAT is a kind of retaliating strategy that punishes defecting and disincentive an opponent from defecting. </a:t>
             </a:r>
-            <a:r>
-              <a:rPr lang="en-US" altLang="zh-CN" sz="1200" dirty="0">
-                <a:solidFill>
-                  <a:schemeClr val="dk1"/>
-                </a:solidFill>
-              </a:rPr>
-              <a:t>Any strategy against it would get instantly </a:t>
-            </a:r>
-            <a:r>
-              <a:rPr lang="en-US" altLang="zh-CN" sz="1200" dirty="0">
-                <a:solidFill>
-                  <a:srgbClr val="FF0000"/>
-                </a:solidFill>
-              </a:rPr>
-              <a:t>punishment</a:t>
-            </a:r>
-            <a:r>
-              <a:rPr lang="en-US" altLang="zh-CN" sz="1200" dirty="0">
-                <a:solidFill>
-                  <a:schemeClr val="dk1"/>
-                </a:solidFill>
-              </a:rPr>
-              <a:t> and put into a bad situation. For example, if the opponent defects at the second rounds which is shown in the figure here, it will get some instant punishment. The payoff will drop to 1 and 0. Even if it tries to go back to cooperating, it will gain less than keeping cooperate with TIT for TAT for whole rounds. So, TIT for TAT is a kind of retaliating strategy that punishes defecting and disincentive an opponent from defecting. Here, we want to compared it with other strategies which called GRADUAL</a:t>
-            </a:r>
-            <a:endParaRPr lang="en-US" altLang="zh-CN" dirty="0">
-              <a:solidFill>
-                <a:schemeClr val="dk1"/>
-              </a:solidFill>
-            </a:endParaRPr>
           </a:p>
         </p:txBody>
       </p:sp>
@@ -4329,8 +4531,17 @@
             </a:r>
             <a:r>
               <a:rPr lang="en-US" altLang="zh-CN" dirty="0"/>
-              <a:t>, it can only tie or win if the opponent want to cooperate.  </a:t>
+              <a:t>, it can only tie or win if the opponent want to cooperate. </a:t>
             </a:r>
+            <a:r>
+              <a:rPr lang="en-US" altLang="zh-CN" sz="1200" dirty="0">
+                <a:solidFill>
+                  <a:schemeClr val="dk1"/>
+                </a:solidFill>
+              </a:rPr>
+              <a:t>Here, we want to compared it with other strategies which called GRADUAL</a:t>
+            </a:r>
+            <a:endParaRPr lang="en-US" altLang="zh-CN" dirty="0"/>
           </a:p>
           <a:p>
             <a:pPr marL="0" marR="0" lvl="0" indent="0" algn="l" defTabSz="914400" rtl="0" eaLnBrk="1" fontAlgn="auto" latinLnBrk="0" hangingPunct="1">
@@ -4553,29 +4764,8 @@
                   <a:schemeClr val="dk1"/>
                 </a:solidFill>
               </a:rPr>
-              <a:t>Compared with GRADUAL, TIT FOR TAT allows cooperation if the person wants to cooperate again, so that both TIT for TAT and his opponent can cooperate forwards. So, this is why tit for tat wins this tournament, it is retaliating, it is disincentives being taken advantage of, and it is forgiving.</a:t>
+              <a:t>Compared with GRADUAL, TIT FOR TAT allows cooperation if the person wants to cooperate again so that both TIT FOR TAT and his opponent can cooperate forwards. So, that's why TIT FOR TAT wins this tournament, it is nice, it is retaliatory, it prevents defections, and it is forgiving.</a:t>
             </a:r>
-          </a:p>
-          <a:p>
-            <a:pPr marL="0" marR="0" lvl="0" indent="0" algn="l" defTabSz="914400" rtl="0" eaLnBrk="1" fontAlgn="auto" latinLnBrk="0" hangingPunct="1">
-              <a:lnSpc>
-                <a:spcPct val="100000"/>
-              </a:lnSpc>
-              <a:spcBef>
-                <a:spcPts val="0"/>
-              </a:spcBef>
-              <a:spcAft>
-                <a:spcPts val="0"/>
-              </a:spcAft>
-              <a:buClr>
-                <a:srgbClr val="000000"/>
-              </a:buClr>
-              <a:buSzPts val="1400"/>
-              <a:buFont typeface="Arial"/>
-              <a:buNone/>
-              <a:tabLst/>
-              <a:defRPr/>
-            </a:pPr>
             <a:endParaRPr lang="en-US" altLang="zh-CN" dirty="0"/>
           </a:p>
           <a:p>
@@ -4885,6 +5075,36 @@
               <a:tabLst/>
               <a:defRPr/>
             </a:pPr>
+            <a:endParaRPr lang="en-US" altLang="zh-CN" dirty="0"/>
+          </a:p>
+          <a:p>
+            <a:pPr marL="0" marR="0" lvl="0" indent="0" algn="l" defTabSz="914400" rtl="0" eaLnBrk="1" fontAlgn="auto" latinLnBrk="0" hangingPunct="1">
+              <a:lnSpc>
+                <a:spcPct val="100000"/>
+              </a:lnSpc>
+              <a:spcBef>
+                <a:spcPts val="0"/>
+              </a:spcBef>
+              <a:spcAft>
+                <a:spcPts val="0"/>
+              </a:spcAft>
+              <a:buClr>
+                <a:srgbClr val="000000"/>
+              </a:buClr>
+              <a:buSzPts val="1400"/>
+              <a:buFont typeface="Arial"/>
+              <a:buNone/>
+              <a:tabLst/>
+              <a:defRPr/>
+            </a:pPr>
+            <a:r>
+              <a:rPr lang="en-US" altLang="zh-CN" dirty="0"/>
+              <a:t>In the next section we will reconsider this tournament from a more evolutionary perspective and place the Prisoner’s Dilemma problem into a more dynamic model. To see how cooperation can emerge in a world of </a:t>
+            </a:r>
+            <a:r>
+              <a:rPr lang="en-US" altLang="zh-CN"/>
+              <a:t>self-seeking egoists.</a:t>
+            </a:r>
             <a:endParaRPr lang="en-US" altLang="zh-CN" dirty="0"/>
           </a:p>
           <a:p>
@@ -19866,7 +20086,7 @@
                 <a:schemeClr val="lt1"/>
               </a:buClr>
               <a:buSzPts val="3200"/>
-              <a:buFont typeface="Arial"/>
+              <a:buFont typeface="Arial" panose="020B0604020202020204"/>
               <a:buNone/>
             </a:pPr>
             <a:r>
@@ -19916,27 +20136,22 @@
                 <a:schemeClr val="lt1"/>
               </a:buClr>
               <a:buSzPts val="1800"/>
-              <a:buFont typeface="Arial"/>
+              <a:buFont typeface="Arial" panose="020B0604020202020204"/>
               <a:buNone/>
             </a:pPr>
             <a:endParaRPr sz="1800" b="0" i="0" u="none" strike="noStrike" cap="none">
               <a:solidFill>
                 <a:schemeClr val="lt1"/>
               </a:solidFill>
-              <a:latin typeface="Arial"/>
-              <a:ea typeface="Arial"/>
-              <a:cs typeface="Arial"/>
-              <a:sym typeface="Arial"/>
+              <a:latin typeface="Arial" panose="020B0604020202020204"/>
+              <a:ea typeface="Arial" panose="020B0604020202020204"/>
+              <a:cs typeface="Arial" panose="020B0604020202020204"/>
+              <a:sym typeface="Arial" panose="020B0604020202020204"/>
             </a:endParaRPr>
           </a:p>
         </p:txBody>
       </p:sp>
     </p:spTree>
-    <p:extLst>
-      <p:ext uri="{BB962C8B-B14F-4D97-AF65-F5344CB8AC3E}">
-        <p14:creationId xmlns:p14="http://schemas.microsoft.com/office/powerpoint/2010/main" val="1638090885"/>
-      </p:ext>
-    </p:extLst>
   </p:cSld>
   <p:clrMapOvr>
     <a:masterClrMapping/>
@@ -20000,7 +20215,7 @@
                 <a:srgbClr val="502984"/>
               </a:buClr>
               <a:buSzPts val="3200"/>
-              <a:buFont typeface="Times New Roman"/>
+              <a:buFont typeface="Times New Roman" panose="02020603050405020304"/>
               <a:buNone/>
             </a:pPr>
             <a:r>
@@ -20097,19 +20312,13 @@
               <a:rPr lang="en-US"/>
               <a:t>10</a:t>
             </a:fld>
-            <a:endParaRPr/>
+            <a:endParaRPr lang="en-US"/>
           </a:p>
         </p:txBody>
       </p:sp>
       <p:sp>
         <p:nvSpPr>
-          <p:cNvPr id="22" name="文本框 21">
-            <a:extLst>
-              <a:ext uri="{FF2B5EF4-FFF2-40B4-BE49-F238E27FC236}">
-                <a16:creationId xmlns:a16="http://schemas.microsoft.com/office/drawing/2014/main" id="{F746357B-6368-FAFA-E8EF-4B4D1D2702A7}"/>
-              </a:ext>
-            </a:extLst>
-          </p:cNvPr>
+          <p:cNvPr id="22" name="文本框 21"/>
           <p:cNvSpPr txBox="1"/>
           <p:nvPr/>
         </p:nvSpPr>
@@ -20160,13 +20369,7 @@
       </p:sp>
       <p:sp>
         <p:nvSpPr>
-          <p:cNvPr id="6" name="Google Shape;119;g1293d969190_0_0">
-            <a:extLst>
-              <a:ext uri="{FF2B5EF4-FFF2-40B4-BE49-F238E27FC236}">
-                <a16:creationId xmlns:a16="http://schemas.microsoft.com/office/drawing/2014/main" id="{1D278A42-0903-B0E6-C8B9-560B358FE1AE}"/>
-              </a:ext>
-            </a:extLst>
-          </p:cNvPr>
+          <p:cNvPr id="6" name="Google Shape;119;g1293d969190_0_0"/>
           <p:cNvSpPr txBox="1"/>
           <p:nvPr/>
         </p:nvSpPr>
@@ -20288,13 +20491,7 @@
       </p:sp>
       <p:grpSp>
         <p:nvGrpSpPr>
-          <p:cNvPr id="9" name="组合 8">
-            <a:extLst>
-              <a:ext uri="{FF2B5EF4-FFF2-40B4-BE49-F238E27FC236}">
-                <a16:creationId xmlns:a16="http://schemas.microsoft.com/office/drawing/2014/main" id="{87411C55-0D39-3341-A428-846728DC0E50}"/>
-              </a:ext>
-            </a:extLst>
-          </p:cNvPr>
+          <p:cNvPr id="9" name="组合 8"/>
           <p:cNvGrpSpPr/>
           <p:nvPr/>
         </p:nvGrpSpPr>
@@ -20308,13 +20505,7 @@
         </p:grpSpPr>
         <p:sp>
           <p:nvSpPr>
-            <p:cNvPr id="4" name="椭圆 3">
-              <a:extLst>
-                <a:ext uri="{FF2B5EF4-FFF2-40B4-BE49-F238E27FC236}">
-                  <a16:creationId xmlns:a16="http://schemas.microsoft.com/office/drawing/2014/main" id="{9D9BF252-1C53-23DF-4027-15110C818E7C}"/>
-                </a:ext>
-              </a:extLst>
-            </p:cNvPr>
+            <p:cNvPr id="4" name="椭圆 3"/>
             <p:cNvSpPr/>
             <p:nvPr/>
           </p:nvSpPr>
@@ -20329,15 +20520,15 @@
           </p:spPr>
           <p:style>
             <a:lnRef idx="2">
-              <a:schemeClr val="accent1">
+              <a:schemeClr val="accent3">
                 <a:shade val="50000"/>
               </a:schemeClr>
             </a:lnRef>
             <a:fillRef idx="1">
-              <a:schemeClr val="accent1"/>
+              <a:schemeClr val="accent3"/>
             </a:fillRef>
             <a:effectRef idx="0">
-              <a:schemeClr val="accent1"/>
+              <a:schemeClr val="accent3"/>
             </a:effectRef>
             <a:fontRef idx="minor">
               <a:schemeClr val="lt1"/>
@@ -20358,13 +20549,7 @@
         </p:sp>
         <p:sp>
           <p:nvSpPr>
-            <p:cNvPr id="10" name="椭圆 9">
-              <a:extLst>
-                <a:ext uri="{FF2B5EF4-FFF2-40B4-BE49-F238E27FC236}">
-                  <a16:creationId xmlns:a16="http://schemas.microsoft.com/office/drawing/2014/main" id="{49CBEFC3-379E-6E76-86CA-952FBD250981}"/>
-                </a:ext>
-              </a:extLst>
-            </p:cNvPr>
+            <p:cNvPr id="10" name="椭圆 9"/>
             <p:cNvSpPr/>
             <p:nvPr/>
           </p:nvSpPr>
@@ -20379,15 +20564,15 @@
           </p:spPr>
           <p:style>
             <a:lnRef idx="2">
-              <a:schemeClr val="accent1">
+              <a:schemeClr val="accent3">
                 <a:shade val="50000"/>
               </a:schemeClr>
             </a:lnRef>
             <a:fillRef idx="1">
-              <a:schemeClr val="accent1"/>
+              <a:schemeClr val="accent3"/>
             </a:fillRef>
             <a:effectRef idx="0">
-              <a:schemeClr val="accent1"/>
+              <a:schemeClr val="accent3"/>
             </a:effectRef>
             <a:fontRef idx="minor">
               <a:schemeClr val="lt1"/>
@@ -20408,13 +20593,7 @@
         </p:sp>
         <p:sp>
           <p:nvSpPr>
-            <p:cNvPr id="11" name="椭圆 10">
-              <a:extLst>
-                <a:ext uri="{FF2B5EF4-FFF2-40B4-BE49-F238E27FC236}">
-                  <a16:creationId xmlns:a16="http://schemas.microsoft.com/office/drawing/2014/main" id="{C79668AE-93B9-D778-7DAD-0F7B1E003D21}"/>
-                </a:ext>
-              </a:extLst>
-            </p:cNvPr>
+            <p:cNvPr id="11" name="椭圆 10"/>
             <p:cNvSpPr/>
             <p:nvPr/>
           </p:nvSpPr>
@@ -20429,15 +20608,15 @@
           </p:spPr>
           <p:style>
             <a:lnRef idx="2">
-              <a:schemeClr val="accent1">
+              <a:schemeClr val="accent3">
                 <a:shade val="50000"/>
               </a:schemeClr>
             </a:lnRef>
             <a:fillRef idx="1">
-              <a:schemeClr val="accent1"/>
+              <a:schemeClr val="accent3"/>
             </a:fillRef>
             <a:effectRef idx="0">
-              <a:schemeClr val="accent1"/>
+              <a:schemeClr val="accent3"/>
             </a:effectRef>
             <a:fontRef idx="minor">
               <a:schemeClr val="lt1"/>
@@ -20458,13 +20637,7 @@
         </p:sp>
         <p:grpSp>
           <p:nvGrpSpPr>
-            <p:cNvPr id="8" name="组合 7">
-              <a:extLst>
-                <a:ext uri="{FF2B5EF4-FFF2-40B4-BE49-F238E27FC236}">
-                  <a16:creationId xmlns:a16="http://schemas.microsoft.com/office/drawing/2014/main" id="{8ABDB28E-BF34-E82C-DBF5-C2005C287DD0}"/>
-                </a:ext>
-              </a:extLst>
-            </p:cNvPr>
+            <p:cNvPr id="8" name="组合 7"/>
             <p:cNvGrpSpPr/>
             <p:nvPr/>
           </p:nvGrpSpPr>
@@ -20478,13 +20651,7 @@
           </p:grpSpPr>
           <p:sp>
             <p:nvSpPr>
-              <p:cNvPr id="15" name="椭圆 14">
-                <a:extLst>
-                  <a:ext uri="{FF2B5EF4-FFF2-40B4-BE49-F238E27FC236}">
-                    <a16:creationId xmlns:a16="http://schemas.microsoft.com/office/drawing/2014/main" id="{D2BCA54A-1627-F7DD-6DC8-0F6740F618CB}"/>
-                  </a:ext>
-                </a:extLst>
-              </p:cNvPr>
+              <p:cNvPr id="15" name="椭圆 14"/>
               <p:cNvSpPr/>
               <p:nvPr/>
             </p:nvSpPr>
@@ -20499,15 +20666,15 @@
             </p:spPr>
             <p:style>
               <a:lnRef idx="2">
-                <a:schemeClr val="accent3">
+                <a:schemeClr val="accent6">
                   <a:shade val="50000"/>
                 </a:schemeClr>
               </a:lnRef>
               <a:fillRef idx="1">
-                <a:schemeClr val="accent3"/>
+                <a:schemeClr val="accent6"/>
               </a:fillRef>
               <a:effectRef idx="0">
-                <a:schemeClr val="accent3"/>
+                <a:schemeClr val="accent6"/>
               </a:effectRef>
               <a:fontRef idx="minor">
                 <a:schemeClr val="lt1"/>
@@ -20524,13 +20691,7 @@
           </p:sp>
           <p:sp>
             <p:nvSpPr>
-              <p:cNvPr id="14" name="文本框 13">
-                <a:extLst>
-                  <a:ext uri="{FF2B5EF4-FFF2-40B4-BE49-F238E27FC236}">
-                    <a16:creationId xmlns:a16="http://schemas.microsoft.com/office/drawing/2014/main" id="{2CD5382F-FA82-724B-B62F-5135527EA44A}"/>
-                  </a:ext>
-                </a:extLst>
-              </p:cNvPr>
+              <p:cNvPr id="14" name="文本框 13"/>
               <p:cNvSpPr txBox="1"/>
               <p:nvPr/>
             </p:nvSpPr>
@@ -20570,39 +20731,27 @@
         </p:grpSp>
         <p:grpSp>
           <p:nvGrpSpPr>
-            <p:cNvPr id="17" name="组合 16">
-              <a:extLst>
-                <a:ext uri="{FF2B5EF4-FFF2-40B4-BE49-F238E27FC236}">
-                  <a16:creationId xmlns:a16="http://schemas.microsoft.com/office/drawing/2014/main" id="{9AB30380-05A0-2E15-3C52-D16EAB9020E6}"/>
-                </a:ext>
-              </a:extLst>
-            </p:cNvPr>
+            <p:cNvPr id="17" name="组合 16"/>
             <p:cNvGrpSpPr/>
             <p:nvPr/>
           </p:nvGrpSpPr>
           <p:grpSpPr>
             <a:xfrm>
-              <a:off x="3251904" y="2581597"/>
+              <a:off x="3251904" y="2581335"/>
               <a:ext cx="904925" cy="754053"/>
-              <a:chOff x="5234605" y="2627600"/>
+              <a:chOff x="5234605" y="2627338"/>
               <a:chExt cx="904925" cy="754053"/>
             </a:xfrm>
           </p:grpSpPr>
           <p:sp>
             <p:nvSpPr>
-              <p:cNvPr id="18" name="椭圆 17">
-                <a:extLst>
-                  <a:ext uri="{FF2B5EF4-FFF2-40B4-BE49-F238E27FC236}">
-                    <a16:creationId xmlns:a16="http://schemas.microsoft.com/office/drawing/2014/main" id="{A4AF0569-784A-95B0-BD2C-74F703D9A878}"/>
-                  </a:ext>
-                </a:extLst>
-              </p:cNvPr>
+              <p:cNvPr id="18" name="椭圆 17"/>
               <p:cNvSpPr/>
               <p:nvPr/>
             </p:nvSpPr>
             <p:spPr>
               <a:xfrm>
-                <a:off x="5261897" y="2627600"/>
+                <a:off x="5264151" y="2627338"/>
                 <a:ext cx="833717" cy="754053"/>
               </a:xfrm>
               <a:prstGeom prst="ellipse">
@@ -20611,15 +20760,15 @@
             </p:spPr>
             <p:style>
               <a:lnRef idx="2">
-                <a:schemeClr val="accent6">
+                <a:schemeClr val="accent1">
                   <a:shade val="50000"/>
                 </a:schemeClr>
               </a:lnRef>
               <a:fillRef idx="1">
-                <a:schemeClr val="accent6"/>
+                <a:schemeClr val="accent1"/>
               </a:fillRef>
               <a:effectRef idx="0">
-                <a:schemeClr val="accent6"/>
+                <a:schemeClr val="accent1"/>
               </a:effectRef>
               <a:fontRef idx="minor">
                 <a:schemeClr val="lt1"/>
@@ -20636,13 +20785,7 @@
           </p:sp>
           <p:sp>
             <p:nvSpPr>
-              <p:cNvPr id="19" name="文本框 18">
-                <a:extLst>
-                  <a:ext uri="{FF2B5EF4-FFF2-40B4-BE49-F238E27FC236}">
-                    <a16:creationId xmlns:a16="http://schemas.microsoft.com/office/drawing/2014/main" id="{6221EDFB-EC72-107F-7AF3-7840A7721F3D}"/>
-                  </a:ext>
-                </a:extLst>
-              </p:cNvPr>
+              <p:cNvPr id="19" name="文本框 18"/>
               <p:cNvSpPr txBox="1"/>
               <p:nvPr/>
             </p:nvSpPr>
@@ -20693,13 +20836,7 @@
         </p:grpSp>
         <p:grpSp>
           <p:nvGrpSpPr>
-            <p:cNvPr id="20" name="组合 19">
-              <a:extLst>
-                <a:ext uri="{FF2B5EF4-FFF2-40B4-BE49-F238E27FC236}">
-                  <a16:creationId xmlns:a16="http://schemas.microsoft.com/office/drawing/2014/main" id="{5B046B3C-60C7-92E1-61B2-6F841FEEC3F1}"/>
-                </a:ext>
-              </a:extLst>
-            </p:cNvPr>
+            <p:cNvPr id="20" name="组合 19"/>
             <p:cNvGrpSpPr/>
             <p:nvPr/>
           </p:nvGrpSpPr>
@@ -20713,13 +20850,7 @@
           </p:grpSpPr>
           <p:sp>
             <p:nvSpPr>
-              <p:cNvPr id="21" name="椭圆 20">
-                <a:extLst>
-                  <a:ext uri="{FF2B5EF4-FFF2-40B4-BE49-F238E27FC236}">
-                    <a16:creationId xmlns:a16="http://schemas.microsoft.com/office/drawing/2014/main" id="{D3C792A6-E4FB-5619-ABA7-F824EF60A1F5}"/>
-                  </a:ext>
-                </a:extLst>
-              </p:cNvPr>
+              <p:cNvPr id="21" name="椭圆 20"/>
               <p:cNvSpPr/>
               <p:nvPr/>
             </p:nvSpPr>
@@ -20734,15 +20865,15 @@
             </p:spPr>
             <p:style>
               <a:lnRef idx="2">
-                <a:schemeClr val="accent6">
+                <a:schemeClr val="accent1">
                   <a:shade val="50000"/>
                 </a:schemeClr>
               </a:lnRef>
               <a:fillRef idx="1">
-                <a:schemeClr val="accent6"/>
+                <a:schemeClr val="accent1"/>
               </a:fillRef>
               <a:effectRef idx="0">
-                <a:schemeClr val="accent6"/>
+                <a:schemeClr val="accent1"/>
               </a:effectRef>
               <a:fontRef idx="minor">
                 <a:schemeClr val="lt1"/>
@@ -20759,13 +20890,7 @@
           </p:sp>
           <p:sp>
             <p:nvSpPr>
-              <p:cNvPr id="23" name="文本框 22">
-                <a:extLst>
-                  <a:ext uri="{FF2B5EF4-FFF2-40B4-BE49-F238E27FC236}">
-                    <a16:creationId xmlns:a16="http://schemas.microsoft.com/office/drawing/2014/main" id="{420B065E-DFBA-74FF-D7E5-D78CCA17B5E6}"/>
-                  </a:ext>
-                </a:extLst>
-              </p:cNvPr>
+              <p:cNvPr id="23" name="文本框 22"/>
               <p:cNvSpPr txBox="1"/>
               <p:nvPr/>
             </p:nvSpPr>
@@ -20816,13 +20941,7 @@
         </p:grpSp>
         <p:grpSp>
           <p:nvGrpSpPr>
-            <p:cNvPr id="24" name="组合 23">
-              <a:extLst>
-                <a:ext uri="{FF2B5EF4-FFF2-40B4-BE49-F238E27FC236}">
-                  <a16:creationId xmlns:a16="http://schemas.microsoft.com/office/drawing/2014/main" id="{D23892D2-774E-33B5-FB24-2F5CFB5C16D0}"/>
-                </a:ext>
-              </a:extLst>
-            </p:cNvPr>
+            <p:cNvPr id="24" name="组合 23"/>
             <p:cNvGrpSpPr/>
             <p:nvPr/>
           </p:nvGrpSpPr>
@@ -20836,13 +20955,7 @@
           </p:grpSpPr>
           <p:sp>
             <p:nvSpPr>
-              <p:cNvPr id="25" name="椭圆 24">
-                <a:extLst>
-                  <a:ext uri="{FF2B5EF4-FFF2-40B4-BE49-F238E27FC236}">
-                    <a16:creationId xmlns:a16="http://schemas.microsoft.com/office/drawing/2014/main" id="{2BB6386B-F778-B5E9-9436-FCF4A8AAA45B}"/>
-                  </a:ext>
-                </a:extLst>
-              </p:cNvPr>
+              <p:cNvPr id="25" name="椭圆 24"/>
               <p:cNvSpPr/>
               <p:nvPr/>
             </p:nvSpPr>
@@ -20857,15 +20970,15 @@
             </p:spPr>
             <p:style>
               <a:lnRef idx="2">
-                <a:schemeClr val="accent4">
+                <a:schemeClr val="accent2">
                   <a:shade val="50000"/>
                 </a:schemeClr>
               </a:lnRef>
               <a:fillRef idx="1">
-                <a:schemeClr val="accent4"/>
+                <a:schemeClr val="accent2"/>
               </a:fillRef>
               <a:effectRef idx="0">
-                <a:schemeClr val="accent4"/>
+                <a:schemeClr val="accent2"/>
               </a:effectRef>
               <a:fontRef idx="minor">
                 <a:schemeClr val="lt1"/>
@@ -20882,13 +20995,7 @@
           </p:sp>
           <p:sp>
             <p:nvSpPr>
-              <p:cNvPr id="26" name="文本框 25">
-                <a:extLst>
-                  <a:ext uri="{FF2B5EF4-FFF2-40B4-BE49-F238E27FC236}">
-                    <a16:creationId xmlns:a16="http://schemas.microsoft.com/office/drawing/2014/main" id="{0344E4AA-2D8E-6473-617C-655AD651A41E}"/>
-                  </a:ext>
-                </a:extLst>
-              </p:cNvPr>
+              <p:cNvPr id="26" name="文本框 25"/>
               <p:cNvSpPr txBox="1"/>
               <p:nvPr/>
             </p:nvSpPr>
@@ -20928,13 +21035,7 @@
         </p:grpSp>
         <p:grpSp>
           <p:nvGrpSpPr>
-            <p:cNvPr id="30" name="组合 29">
-              <a:extLst>
-                <a:ext uri="{FF2B5EF4-FFF2-40B4-BE49-F238E27FC236}">
-                  <a16:creationId xmlns:a16="http://schemas.microsoft.com/office/drawing/2014/main" id="{B2E93353-0FAF-16A7-6549-DE8A1DCD0F60}"/>
-                </a:ext>
-              </a:extLst>
-            </p:cNvPr>
+            <p:cNvPr id="30" name="组合 29"/>
             <p:cNvGrpSpPr/>
             <p:nvPr/>
           </p:nvGrpSpPr>
@@ -20948,13 +21049,7 @@
           </p:grpSpPr>
           <p:sp>
             <p:nvSpPr>
-              <p:cNvPr id="31" name="椭圆 30">
-                <a:extLst>
-                  <a:ext uri="{FF2B5EF4-FFF2-40B4-BE49-F238E27FC236}">
-                    <a16:creationId xmlns:a16="http://schemas.microsoft.com/office/drawing/2014/main" id="{EB44388C-23BD-A509-4C82-F70CAF5FE3E3}"/>
-                  </a:ext>
-                </a:extLst>
-              </p:cNvPr>
+              <p:cNvPr id="31" name="椭圆 30"/>
               <p:cNvSpPr/>
               <p:nvPr/>
             </p:nvSpPr>
@@ -20969,15 +21064,15 @@
             </p:spPr>
             <p:style>
               <a:lnRef idx="2">
-                <a:schemeClr val="accent6">
+                <a:schemeClr val="accent1">
                   <a:shade val="50000"/>
                 </a:schemeClr>
               </a:lnRef>
               <a:fillRef idx="1">
-                <a:schemeClr val="accent6"/>
+                <a:schemeClr val="accent1"/>
               </a:fillRef>
               <a:effectRef idx="0">
-                <a:schemeClr val="accent6"/>
+                <a:schemeClr val="accent1"/>
               </a:effectRef>
               <a:fontRef idx="minor">
                 <a:schemeClr val="lt1"/>
@@ -20994,13 +21089,7 @@
           </p:sp>
           <p:sp>
             <p:nvSpPr>
-              <p:cNvPr id="32" name="文本框 31">
-                <a:extLst>
-                  <a:ext uri="{FF2B5EF4-FFF2-40B4-BE49-F238E27FC236}">
-                    <a16:creationId xmlns:a16="http://schemas.microsoft.com/office/drawing/2014/main" id="{B4C6BD04-BDB8-4693-31FD-E6217D11FE27}"/>
-                  </a:ext>
-                </a:extLst>
-              </p:cNvPr>
+              <p:cNvPr id="32" name="文本框 31"/>
               <p:cNvSpPr txBox="1"/>
               <p:nvPr/>
             </p:nvSpPr>
@@ -21051,13 +21140,7 @@
         </p:grpSp>
         <p:grpSp>
           <p:nvGrpSpPr>
-            <p:cNvPr id="33" name="组合 32">
-              <a:extLst>
-                <a:ext uri="{FF2B5EF4-FFF2-40B4-BE49-F238E27FC236}">
-                  <a16:creationId xmlns:a16="http://schemas.microsoft.com/office/drawing/2014/main" id="{271EE905-EA49-B96F-D28A-85F89076461E}"/>
-                </a:ext>
-              </a:extLst>
-            </p:cNvPr>
+            <p:cNvPr id="33" name="组合 32"/>
             <p:cNvGrpSpPr/>
             <p:nvPr/>
           </p:nvGrpSpPr>
@@ -21071,13 +21154,7 @@
           </p:grpSpPr>
           <p:sp>
             <p:nvSpPr>
-              <p:cNvPr id="34" name="椭圆 33">
-                <a:extLst>
-                  <a:ext uri="{FF2B5EF4-FFF2-40B4-BE49-F238E27FC236}">
-                    <a16:creationId xmlns:a16="http://schemas.microsoft.com/office/drawing/2014/main" id="{C9DA4E3E-A48E-ADEE-0020-128E0FB4BCB8}"/>
-                  </a:ext>
-                </a:extLst>
-              </p:cNvPr>
+              <p:cNvPr id="34" name="椭圆 33"/>
               <p:cNvSpPr/>
               <p:nvPr/>
             </p:nvSpPr>
@@ -21092,15 +21169,15 @@
             </p:spPr>
             <p:style>
               <a:lnRef idx="2">
-                <a:schemeClr val="accent3">
+                <a:schemeClr val="accent6">
                   <a:shade val="50000"/>
                 </a:schemeClr>
               </a:lnRef>
               <a:fillRef idx="1">
-                <a:schemeClr val="accent3"/>
+                <a:schemeClr val="accent6"/>
               </a:fillRef>
               <a:effectRef idx="0">
-                <a:schemeClr val="accent3"/>
+                <a:schemeClr val="accent6"/>
               </a:effectRef>
               <a:fontRef idx="minor">
                 <a:schemeClr val="lt1"/>
@@ -21117,13 +21194,7 @@
           </p:sp>
           <p:sp>
             <p:nvSpPr>
-              <p:cNvPr id="35" name="文本框 34">
-                <a:extLst>
-                  <a:ext uri="{FF2B5EF4-FFF2-40B4-BE49-F238E27FC236}">
-                    <a16:creationId xmlns:a16="http://schemas.microsoft.com/office/drawing/2014/main" id="{1BF28022-6E9B-969D-70D6-F23145F5C380}"/>
-                  </a:ext>
-                </a:extLst>
-              </p:cNvPr>
+              <p:cNvPr id="35" name="文本框 34"/>
               <p:cNvSpPr txBox="1"/>
               <p:nvPr/>
             </p:nvSpPr>
@@ -21163,13 +21234,7 @@
         </p:grpSp>
         <p:grpSp>
           <p:nvGrpSpPr>
-            <p:cNvPr id="36" name="组合 35">
-              <a:extLst>
-                <a:ext uri="{FF2B5EF4-FFF2-40B4-BE49-F238E27FC236}">
-                  <a16:creationId xmlns:a16="http://schemas.microsoft.com/office/drawing/2014/main" id="{B71D9594-2F58-088A-F4EE-19DB86D45416}"/>
-                </a:ext>
-              </a:extLst>
-            </p:cNvPr>
+            <p:cNvPr id="36" name="组合 35"/>
             <p:cNvGrpSpPr/>
             <p:nvPr/>
           </p:nvGrpSpPr>
@@ -21183,13 +21248,7 @@
           </p:grpSpPr>
           <p:sp>
             <p:nvSpPr>
-              <p:cNvPr id="37" name="椭圆 36">
-                <a:extLst>
-                  <a:ext uri="{FF2B5EF4-FFF2-40B4-BE49-F238E27FC236}">
-                    <a16:creationId xmlns:a16="http://schemas.microsoft.com/office/drawing/2014/main" id="{DE37C2D6-A605-DA6C-BA55-B5FEDFDDAF64}"/>
-                  </a:ext>
-                </a:extLst>
-              </p:cNvPr>
+              <p:cNvPr id="37" name="椭圆 36"/>
               <p:cNvSpPr/>
               <p:nvPr/>
             </p:nvSpPr>
@@ -21204,15 +21263,15 @@
             </p:spPr>
             <p:style>
               <a:lnRef idx="2">
-                <a:schemeClr val="accent3">
+                <a:schemeClr val="accent6">
                   <a:shade val="50000"/>
                 </a:schemeClr>
               </a:lnRef>
               <a:fillRef idx="1">
-                <a:schemeClr val="accent3"/>
+                <a:schemeClr val="accent6"/>
               </a:fillRef>
               <a:effectRef idx="0">
-                <a:schemeClr val="accent3"/>
+                <a:schemeClr val="accent6"/>
               </a:effectRef>
               <a:fontRef idx="minor">
                 <a:schemeClr val="lt1"/>
@@ -21229,13 +21288,7 @@
           </p:sp>
           <p:sp>
             <p:nvSpPr>
-              <p:cNvPr id="38" name="文本框 37">
-                <a:extLst>
-                  <a:ext uri="{FF2B5EF4-FFF2-40B4-BE49-F238E27FC236}">
-                    <a16:creationId xmlns:a16="http://schemas.microsoft.com/office/drawing/2014/main" id="{CDA906F4-818B-7264-FCA4-B5A415FF5D41}"/>
-                  </a:ext>
-                </a:extLst>
-              </p:cNvPr>
+              <p:cNvPr id="38" name="文本框 37"/>
               <p:cNvSpPr txBox="1"/>
               <p:nvPr/>
             </p:nvSpPr>
@@ -21275,11 +21328,6 @@
         </p:grpSp>
       </p:grpSp>
     </p:spTree>
-    <p:extLst>
-      <p:ext uri="{BB962C8B-B14F-4D97-AF65-F5344CB8AC3E}">
-        <p14:creationId xmlns:p14="http://schemas.microsoft.com/office/powerpoint/2010/main" val="3396688532"/>
-      </p:ext>
-    </p:extLst>
   </p:cSld>
   <p:clrMapOvr>
     <a:masterClrMapping/>
@@ -21350,19 +21398,13 @@
               <a:rPr lang="en-US"/>
               <a:t>11</a:t>
             </a:fld>
-            <a:endParaRPr/>
+            <a:endParaRPr lang="en-US"/>
           </a:p>
         </p:txBody>
       </p:sp>
       <p:sp>
         <p:nvSpPr>
-          <p:cNvPr id="40" name="Google Shape;118;g1293d969190_0_0">
-            <a:extLst>
-              <a:ext uri="{FF2B5EF4-FFF2-40B4-BE49-F238E27FC236}">
-                <a16:creationId xmlns:a16="http://schemas.microsoft.com/office/drawing/2014/main" id="{B626EDFC-384F-0FF4-55C4-7183E24ABDFE}"/>
-              </a:ext>
-            </a:extLst>
-          </p:cNvPr>
+          <p:cNvPr id="40" name="Google Shape;118;g1293d969190_0_0"/>
           <p:cNvSpPr txBox="1"/>
           <p:nvPr/>
         </p:nvSpPr>
@@ -21399,7 +21441,7 @@
                 <a:srgbClr val="502984"/>
               </a:buClr>
               <a:buSzPts val="3200"/>
-              <a:buFont typeface="Times New Roman"/>
+              <a:buFont typeface="Times New Roman" panose="02020603050405020304"/>
               <a:buNone/>
             </a:pPr>
             <a:r>
@@ -21412,7 +21454,7 @@
                 <a:cs typeface="Comfortaa"/>
                 <a:sym typeface="Comfortaa"/>
               </a:rPr>
-              <a:t>Example 1: A MIX POPULATION</a:t>
+              <a:t>Example 1: A MIXED POPULATION</a:t>
             </a:r>
             <a:endParaRPr lang="en-US" sz="500" b="0" i="0" u="none" strike="noStrike" cap="none" dirty="0">
               <a:solidFill>
@@ -21428,13 +21470,7 @@
       </p:sp>
       <p:sp>
         <p:nvSpPr>
-          <p:cNvPr id="42" name="椭圆 41">
-            <a:extLst>
-              <a:ext uri="{FF2B5EF4-FFF2-40B4-BE49-F238E27FC236}">
-                <a16:creationId xmlns:a16="http://schemas.microsoft.com/office/drawing/2014/main" id="{748C73FA-3209-86D9-BB94-4C8980CDC10B}"/>
-              </a:ext>
-            </a:extLst>
-          </p:cNvPr>
+          <p:cNvPr id="42" name="椭圆 41"/>
           <p:cNvSpPr/>
           <p:nvPr/>
         </p:nvSpPr>
@@ -21449,15 +21485,15 @@
         </p:spPr>
         <p:style>
           <a:lnRef idx="2">
-            <a:schemeClr val="accent1">
+            <a:schemeClr val="accent3">
               <a:shade val="50000"/>
             </a:schemeClr>
           </a:lnRef>
           <a:fillRef idx="1">
-            <a:schemeClr val="accent1"/>
+            <a:schemeClr val="accent3"/>
           </a:fillRef>
           <a:effectRef idx="0">
-            <a:schemeClr val="accent1"/>
+            <a:schemeClr val="accent3"/>
           </a:effectRef>
           <a:fontRef idx="minor">
             <a:schemeClr val="lt1"/>
@@ -21478,13 +21514,7 @@
       </p:sp>
       <p:sp>
         <p:nvSpPr>
-          <p:cNvPr id="43" name="椭圆 42">
-            <a:extLst>
-              <a:ext uri="{FF2B5EF4-FFF2-40B4-BE49-F238E27FC236}">
-                <a16:creationId xmlns:a16="http://schemas.microsoft.com/office/drawing/2014/main" id="{6062E34A-99D5-2F2A-9AE8-D95297570D72}"/>
-              </a:ext>
-            </a:extLst>
-          </p:cNvPr>
+          <p:cNvPr id="43" name="椭圆 42"/>
           <p:cNvSpPr/>
           <p:nvPr/>
         </p:nvSpPr>
@@ -21499,15 +21529,15 @@
         </p:spPr>
         <p:style>
           <a:lnRef idx="2">
-            <a:schemeClr val="accent1">
+            <a:schemeClr val="accent3">
               <a:shade val="50000"/>
             </a:schemeClr>
           </a:lnRef>
           <a:fillRef idx="1">
-            <a:schemeClr val="accent1"/>
+            <a:schemeClr val="accent3"/>
           </a:fillRef>
           <a:effectRef idx="0">
-            <a:schemeClr val="accent1"/>
+            <a:schemeClr val="accent3"/>
           </a:effectRef>
           <a:fontRef idx="minor">
             <a:schemeClr val="lt1"/>
@@ -21528,13 +21558,7 @@
       </p:sp>
       <p:sp>
         <p:nvSpPr>
-          <p:cNvPr id="44" name="椭圆 43">
-            <a:extLst>
-              <a:ext uri="{FF2B5EF4-FFF2-40B4-BE49-F238E27FC236}">
-                <a16:creationId xmlns:a16="http://schemas.microsoft.com/office/drawing/2014/main" id="{14DC748F-C407-8458-302D-F0D601598689}"/>
-              </a:ext>
-            </a:extLst>
-          </p:cNvPr>
+          <p:cNvPr id="44" name="椭圆 43"/>
           <p:cNvSpPr/>
           <p:nvPr/>
         </p:nvSpPr>
@@ -21549,15 +21573,15 @@
         </p:spPr>
         <p:style>
           <a:lnRef idx="2">
-            <a:schemeClr val="accent1">
+            <a:schemeClr val="accent3">
               <a:shade val="50000"/>
             </a:schemeClr>
           </a:lnRef>
           <a:fillRef idx="1">
-            <a:schemeClr val="accent1"/>
+            <a:schemeClr val="accent3"/>
           </a:fillRef>
           <a:effectRef idx="0">
-            <a:schemeClr val="accent1"/>
+            <a:schemeClr val="accent3"/>
           </a:effectRef>
           <a:fontRef idx="minor">
             <a:schemeClr val="lt1"/>
@@ -21578,13 +21602,7 @@
       </p:sp>
       <p:grpSp>
         <p:nvGrpSpPr>
-          <p:cNvPr id="45" name="组合 44">
-            <a:extLst>
-              <a:ext uri="{FF2B5EF4-FFF2-40B4-BE49-F238E27FC236}">
-                <a16:creationId xmlns:a16="http://schemas.microsoft.com/office/drawing/2014/main" id="{0F1215EC-544F-C2EC-346B-3F18A8ED2460}"/>
-              </a:ext>
-            </a:extLst>
-          </p:cNvPr>
+          <p:cNvPr id="45" name="组合 44"/>
           <p:cNvGrpSpPr/>
           <p:nvPr/>
         </p:nvGrpSpPr>
@@ -21598,13 +21616,7 @@
         </p:grpSpPr>
         <p:sp>
           <p:nvSpPr>
-            <p:cNvPr id="64" name="椭圆 63">
-              <a:extLst>
-                <a:ext uri="{FF2B5EF4-FFF2-40B4-BE49-F238E27FC236}">
-                  <a16:creationId xmlns:a16="http://schemas.microsoft.com/office/drawing/2014/main" id="{2ACDBD22-A89D-8BF2-0BBC-E0ECA88C7DC2}"/>
-                </a:ext>
-              </a:extLst>
-            </p:cNvPr>
+            <p:cNvPr id="64" name="椭圆 63"/>
             <p:cNvSpPr/>
             <p:nvPr/>
           </p:nvSpPr>
@@ -21619,15 +21631,15 @@
           </p:spPr>
           <p:style>
             <a:lnRef idx="2">
-              <a:schemeClr val="accent3">
+              <a:schemeClr val="accent6">
                 <a:shade val="50000"/>
               </a:schemeClr>
             </a:lnRef>
             <a:fillRef idx="1">
-              <a:schemeClr val="accent3"/>
+              <a:schemeClr val="accent6"/>
             </a:fillRef>
             <a:effectRef idx="0">
-              <a:schemeClr val="accent3"/>
+              <a:schemeClr val="accent6"/>
             </a:effectRef>
             <a:fontRef idx="minor">
               <a:schemeClr val="lt1"/>
@@ -21644,13 +21656,7 @@
         </p:sp>
         <p:sp>
           <p:nvSpPr>
-            <p:cNvPr id="65" name="文本框 64">
-              <a:extLst>
-                <a:ext uri="{FF2B5EF4-FFF2-40B4-BE49-F238E27FC236}">
-                  <a16:creationId xmlns:a16="http://schemas.microsoft.com/office/drawing/2014/main" id="{CC908A95-F46E-DED1-346C-B571D4A63474}"/>
-                </a:ext>
-              </a:extLst>
-            </p:cNvPr>
+            <p:cNvPr id="65" name="文本框 64"/>
             <p:cNvSpPr txBox="1"/>
             <p:nvPr/>
           </p:nvSpPr>
@@ -21690,13 +21696,7 @@
       </p:grpSp>
       <p:grpSp>
         <p:nvGrpSpPr>
-          <p:cNvPr id="46" name="组合 45">
-            <a:extLst>
-              <a:ext uri="{FF2B5EF4-FFF2-40B4-BE49-F238E27FC236}">
-                <a16:creationId xmlns:a16="http://schemas.microsoft.com/office/drawing/2014/main" id="{6A68AE15-2CEF-ADCE-EDDE-C4954C4C520E}"/>
-              </a:ext>
-            </a:extLst>
-          </p:cNvPr>
+          <p:cNvPr id="46" name="组合 45"/>
           <p:cNvGrpSpPr/>
           <p:nvPr/>
         </p:nvGrpSpPr>
@@ -21710,13 +21710,7 @@
         </p:grpSpPr>
         <p:sp>
           <p:nvSpPr>
-            <p:cNvPr id="62" name="椭圆 61">
-              <a:extLst>
-                <a:ext uri="{FF2B5EF4-FFF2-40B4-BE49-F238E27FC236}">
-                  <a16:creationId xmlns:a16="http://schemas.microsoft.com/office/drawing/2014/main" id="{8FAA0480-3CC6-8464-090A-0C29F2E16840}"/>
-                </a:ext>
-              </a:extLst>
-            </p:cNvPr>
+            <p:cNvPr id="62" name="椭圆 61"/>
             <p:cNvSpPr/>
             <p:nvPr/>
           </p:nvSpPr>
@@ -21731,15 +21725,15 @@
           </p:spPr>
           <p:style>
             <a:lnRef idx="2">
-              <a:schemeClr val="accent6">
+              <a:schemeClr val="accent1">
                 <a:shade val="50000"/>
               </a:schemeClr>
             </a:lnRef>
             <a:fillRef idx="1">
-              <a:schemeClr val="accent6"/>
+              <a:schemeClr val="accent1"/>
             </a:fillRef>
             <a:effectRef idx="0">
-              <a:schemeClr val="accent6"/>
+              <a:schemeClr val="accent1"/>
             </a:effectRef>
             <a:fontRef idx="minor">
               <a:schemeClr val="lt1"/>
@@ -21756,13 +21750,7 @@
         </p:sp>
         <p:sp>
           <p:nvSpPr>
-            <p:cNvPr id="63" name="文本框 62">
-              <a:extLst>
-                <a:ext uri="{FF2B5EF4-FFF2-40B4-BE49-F238E27FC236}">
-                  <a16:creationId xmlns:a16="http://schemas.microsoft.com/office/drawing/2014/main" id="{7B7FC8E7-A112-59FA-DAD3-A0107E63F278}"/>
-                </a:ext>
-              </a:extLst>
-            </p:cNvPr>
+            <p:cNvPr id="63" name="文本框 62"/>
             <p:cNvSpPr txBox="1"/>
             <p:nvPr/>
           </p:nvSpPr>
@@ -21813,13 +21801,7 @@
       </p:grpSp>
       <p:grpSp>
         <p:nvGrpSpPr>
-          <p:cNvPr id="47" name="组合 46">
-            <a:extLst>
-              <a:ext uri="{FF2B5EF4-FFF2-40B4-BE49-F238E27FC236}">
-                <a16:creationId xmlns:a16="http://schemas.microsoft.com/office/drawing/2014/main" id="{5E1F6304-D78C-E2F8-FC39-B67E66906F08}"/>
-              </a:ext>
-            </a:extLst>
-          </p:cNvPr>
+          <p:cNvPr id="47" name="组合 46"/>
           <p:cNvGrpSpPr/>
           <p:nvPr/>
         </p:nvGrpSpPr>
@@ -21833,13 +21815,7 @@
         </p:grpSpPr>
         <p:sp>
           <p:nvSpPr>
-            <p:cNvPr id="60" name="椭圆 59">
-              <a:extLst>
-                <a:ext uri="{FF2B5EF4-FFF2-40B4-BE49-F238E27FC236}">
-                  <a16:creationId xmlns:a16="http://schemas.microsoft.com/office/drawing/2014/main" id="{9E68EAE6-184A-B66C-8572-073ACFC1AC17}"/>
-                </a:ext>
-              </a:extLst>
-            </p:cNvPr>
+            <p:cNvPr id="60" name="椭圆 59"/>
             <p:cNvSpPr/>
             <p:nvPr/>
           </p:nvSpPr>
@@ -21854,15 +21830,15 @@
           </p:spPr>
           <p:style>
             <a:lnRef idx="2">
-              <a:schemeClr val="accent6">
+              <a:schemeClr val="accent1">
                 <a:shade val="50000"/>
               </a:schemeClr>
             </a:lnRef>
             <a:fillRef idx="1">
-              <a:schemeClr val="accent6"/>
+              <a:schemeClr val="accent1"/>
             </a:fillRef>
             <a:effectRef idx="0">
-              <a:schemeClr val="accent6"/>
+              <a:schemeClr val="accent1"/>
             </a:effectRef>
             <a:fontRef idx="minor">
               <a:schemeClr val="lt1"/>
@@ -21879,13 +21855,7 @@
         </p:sp>
         <p:sp>
           <p:nvSpPr>
-            <p:cNvPr id="61" name="文本框 60">
-              <a:extLst>
-                <a:ext uri="{FF2B5EF4-FFF2-40B4-BE49-F238E27FC236}">
-                  <a16:creationId xmlns:a16="http://schemas.microsoft.com/office/drawing/2014/main" id="{86DEBE68-3C96-5648-457C-7FF4ABE5F631}"/>
-                </a:ext>
-              </a:extLst>
-            </p:cNvPr>
+            <p:cNvPr id="61" name="文本框 60"/>
             <p:cNvSpPr txBox="1"/>
             <p:nvPr/>
           </p:nvSpPr>
@@ -21936,13 +21906,7 @@
       </p:grpSp>
       <p:grpSp>
         <p:nvGrpSpPr>
-          <p:cNvPr id="48" name="组合 47">
-            <a:extLst>
-              <a:ext uri="{FF2B5EF4-FFF2-40B4-BE49-F238E27FC236}">
-                <a16:creationId xmlns:a16="http://schemas.microsoft.com/office/drawing/2014/main" id="{9B87B4BF-F3BC-15F7-6DCD-DBB5E4A6392C}"/>
-              </a:ext>
-            </a:extLst>
-          </p:cNvPr>
+          <p:cNvPr id="48" name="组合 47"/>
           <p:cNvGrpSpPr/>
           <p:nvPr/>
         </p:nvGrpSpPr>
@@ -21956,13 +21920,7 @@
         </p:grpSpPr>
         <p:sp>
           <p:nvSpPr>
-            <p:cNvPr id="58" name="椭圆 57">
-              <a:extLst>
-                <a:ext uri="{FF2B5EF4-FFF2-40B4-BE49-F238E27FC236}">
-                  <a16:creationId xmlns:a16="http://schemas.microsoft.com/office/drawing/2014/main" id="{67F5B802-355E-88D3-67F1-D65C4B4CACB3}"/>
-                </a:ext>
-              </a:extLst>
-            </p:cNvPr>
+            <p:cNvPr id="58" name="椭圆 57"/>
             <p:cNvSpPr/>
             <p:nvPr/>
           </p:nvSpPr>
@@ -21977,15 +21935,15 @@
           </p:spPr>
           <p:style>
             <a:lnRef idx="2">
-              <a:schemeClr val="accent4">
+              <a:schemeClr val="accent2">
                 <a:shade val="50000"/>
               </a:schemeClr>
             </a:lnRef>
             <a:fillRef idx="1">
-              <a:schemeClr val="accent4"/>
+              <a:schemeClr val="accent2"/>
             </a:fillRef>
             <a:effectRef idx="0">
-              <a:schemeClr val="accent4"/>
+              <a:schemeClr val="accent2"/>
             </a:effectRef>
             <a:fontRef idx="minor">
               <a:schemeClr val="lt1"/>
@@ -22002,13 +21960,7 @@
         </p:sp>
         <p:sp>
           <p:nvSpPr>
-            <p:cNvPr id="59" name="文本框 58">
-              <a:extLst>
-                <a:ext uri="{FF2B5EF4-FFF2-40B4-BE49-F238E27FC236}">
-                  <a16:creationId xmlns:a16="http://schemas.microsoft.com/office/drawing/2014/main" id="{EB6BBA5C-1995-6797-EB28-F67CF5EC640C}"/>
-                </a:ext>
-              </a:extLst>
-            </p:cNvPr>
+            <p:cNvPr id="59" name="文本框 58"/>
             <p:cNvSpPr txBox="1"/>
             <p:nvPr/>
           </p:nvSpPr>
@@ -22048,13 +22000,7 @@
       </p:grpSp>
       <p:grpSp>
         <p:nvGrpSpPr>
-          <p:cNvPr id="49" name="组合 48">
-            <a:extLst>
-              <a:ext uri="{FF2B5EF4-FFF2-40B4-BE49-F238E27FC236}">
-                <a16:creationId xmlns:a16="http://schemas.microsoft.com/office/drawing/2014/main" id="{8E60C7DE-16DE-3ACE-FFAC-886247D313B7}"/>
-              </a:ext>
-            </a:extLst>
-          </p:cNvPr>
+          <p:cNvPr id="49" name="组合 48"/>
           <p:cNvGrpSpPr/>
           <p:nvPr/>
         </p:nvGrpSpPr>
@@ -22068,13 +22014,7 @@
         </p:grpSpPr>
         <p:sp>
           <p:nvSpPr>
-            <p:cNvPr id="56" name="椭圆 55">
-              <a:extLst>
-                <a:ext uri="{FF2B5EF4-FFF2-40B4-BE49-F238E27FC236}">
-                  <a16:creationId xmlns:a16="http://schemas.microsoft.com/office/drawing/2014/main" id="{1ECB1273-3BCA-ACCC-586B-09F2091AA6F3}"/>
-                </a:ext>
-              </a:extLst>
-            </p:cNvPr>
+            <p:cNvPr id="56" name="椭圆 55"/>
             <p:cNvSpPr/>
             <p:nvPr/>
           </p:nvSpPr>
@@ -22089,15 +22029,15 @@
           </p:spPr>
           <p:style>
             <a:lnRef idx="2">
-              <a:schemeClr val="accent6">
+              <a:schemeClr val="accent1">
                 <a:shade val="50000"/>
               </a:schemeClr>
             </a:lnRef>
             <a:fillRef idx="1">
-              <a:schemeClr val="accent6"/>
+              <a:schemeClr val="accent1"/>
             </a:fillRef>
             <a:effectRef idx="0">
-              <a:schemeClr val="accent6"/>
+              <a:schemeClr val="accent1"/>
             </a:effectRef>
             <a:fontRef idx="minor">
               <a:schemeClr val="lt1"/>
@@ -22114,13 +22054,7 @@
         </p:sp>
         <p:sp>
           <p:nvSpPr>
-            <p:cNvPr id="57" name="文本框 56">
-              <a:extLst>
-                <a:ext uri="{FF2B5EF4-FFF2-40B4-BE49-F238E27FC236}">
-                  <a16:creationId xmlns:a16="http://schemas.microsoft.com/office/drawing/2014/main" id="{DCE8E618-F364-54CD-84CE-77BB2FE26902}"/>
-                </a:ext>
-              </a:extLst>
-            </p:cNvPr>
+            <p:cNvPr id="57" name="文本框 56"/>
             <p:cNvSpPr txBox="1"/>
             <p:nvPr/>
           </p:nvSpPr>
@@ -22171,13 +22105,7 @@
       </p:grpSp>
       <p:grpSp>
         <p:nvGrpSpPr>
-          <p:cNvPr id="50" name="组合 49">
-            <a:extLst>
-              <a:ext uri="{FF2B5EF4-FFF2-40B4-BE49-F238E27FC236}">
-                <a16:creationId xmlns:a16="http://schemas.microsoft.com/office/drawing/2014/main" id="{FA05DA5B-7F1E-DF3A-A2D4-B7D76C2D2126}"/>
-              </a:ext>
-            </a:extLst>
-          </p:cNvPr>
+          <p:cNvPr id="50" name="组合 49"/>
           <p:cNvGrpSpPr/>
           <p:nvPr/>
         </p:nvGrpSpPr>
@@ -22191,13 +22119,7 @@
         </p:grpSpPr>
         <p:sp>
           <p:nvSpPr>
-            <p:cNvPr id="54" name="椭圆 53">
-              <a:extLst>
-                <a:ext uri="{FF2B5EF4-FFF2-40B4-BE49-F238E27FC236}">
-                  <a16:creationId xmlns:a16="http://schemas.microsoft.com/office/drawing/2014/main" id="{0F3503EE-5323-0946-0408-6B0AA8D912F8}"/>
-                </a:ext>
-              </a:extLst>
-            </p:cNvPr>
+            <p:cNvPr id="54" name="椭圆 53"/>
             <p:cNvSpPr/>
             <p:nvPr/>
           </p:nvSpPr>
@@ -22212,15 +22134,15 @@
           </p:spPr>
           <p:style>
             <a:lnRef idx="2">
-              <a:schemeClr val="accent3">
+              <a:schemeClr val="accent6">
                 <a:shade val="50000"/>
               </a:schemeClr>
             </a:lnRef>
             <a:fillRef idx="1">
-              <a:schemeClr val="accent3"/>
+              <a:schemeClr val="accent6"/>
             </a:fillRef>
             <a:effectRef idx="0">
-              <a:schemeClr val="accent3"/>
+              <a:schemeClr val="accent6"/>
             </a:effectRef>
             <a:fontRef idx="minor">
               <a:schemeClr val="lt1"/>
@@ -22237,13 +22159,7 @@
         </p:sp>
         <p:sp>
           <p:nvSpPr>
-            <p:cNvPr id="55" name="文本框 54">
-              <a:extLst>
-                <a:ext uri="{FF2B5EF4-FFF2-40B4-BE49-F238E27FC236}">
-                  <a16:creationId xmlns:a16="http://schemas.microsoft.com/office/drawing/2014/main" id="{26235ADA-D8AE-2179-A40C-6A6452A49EC2}"/>
-                </a:ext>
-              </a:extLst>
-            </p:cNvPr>
+            <p:cNvPr id="55" name="文本框 54"/>
             <p:cNvSpPr txBox="1"/>
             <p:nvPr/>
           </p:nvSpPr>
@@ -22283,13 +22199,7 @@
       </p:grpSp>
       <p:grpSp>
         <p:nvGrpSpPr>
-          <p:cNvPr id="51" name="组合 50">
-            <a:extLst>
-              <a:ext uri="{FF2B5EF4-FFF2-40B4-BE49-F238E27FC236}">
-                <a16:creationId xmlns:a16="http://schemas.microsoft.com/office/drawing/2014/main" id="{84CC45A0-F06F-8682-EB3C-C233D3959A17}"/>
-              </a:ext>
-            </a:extLst>
-          </p:cNvPr>
+          <p:cNvPr id="51" name="组合 50"/>
           <p:cNvGrpSpPr/>
           <p:nvPr/>
         </p:nvGrpSpPr>
@@ -22303,13 +22213,7 @@
         </p:grpSpPr>
         <p:sp>
           <p:nvSpPr>
-            <p:cNvPr id="52" name="椭圆 51">
-              <a:extLst>
-                <a:ext uri="{FF2B5EF4-FFF2-40B4-BE49-F238E27FC236}">
-                  <a16:creationId xmlns:a16="http://schemas.microsoft.com/office/drawing/2014/main" id="{D106247D-3098-31C7-4C22-DF3D6BA17C36}"/>
-                </a:ext>
-              </a:extLst>
-            </p:cNvPr>
+            <p:cNvPr id="52" name="椭圆 51"/>
             <p:cNvSpPr/>
             <p:nvPr/>
           </p:nvSpPr>
@@ -22324,15 +22228,15 @@
           </p:spPr>
           <p:style>
             <a:lnRef idx="2">
-              <a:schemeClr val="accent3">
+              <a:schemeClr val="accent6">
                 <a:shade val="50000"/>
               </a:schemeClr>
             </a:lnRef>
             <a:fillRef idx="1">
-              <a:schemeClr val="accent3"/>
+              <a:schemeClr val="accent6"/>
             </a:fillRef>
             <a:effectRef idx="0">
-              <a:schemeClr val="accent3"/>
+              <a:schemeClr val="accent6"/>
             </a:effectRef>
             <a:fontRef idx="minor">
               <a:schemeClr val="lt1"/>
@@ -22349,13 +22253,7 @@
         </p:sp>
         <p:sp>
           <p:nvSpPr>
-            <p:cNvPr id="53" name="文本框 52">
-              <a:extLst>
-                <a:ext uri="{FF2B5EF4-FFF2-40B4-BE49-F238E27FC236}">
-                  <a16:creationId xmlns:a16="http://schemas.microsoft.com/office/drawing/2014/main" id="{7580BB6B-1357-B1A5-2E7C-1940EB8D7CFC}"/>
-                </a:ext>
-              </a:extLst>
-            </p:cNvPr>
+            <p:cNvPr id="53" name="文本框 52"/>
             <p:cNvSpPr txBox="1"/>
             <p:nvPr/>
           </p:nvSpPr>
@@ -22395,13 +22293,7 @@
       </p:grpSp>
       <p:pic>
         <p:nvPicPr>
-          <p:cNvPr id="3" name="图片 2">
-            <a:extLst>
-              <a:ext uri="{FF2B5EF4-FFF2-40B4-BE49-F238E27FC236}">
-                <a16:creationId xmlns:a16="http://schemas.microsoft.com/office/drawing/2014/main" id="{0933F32C-CD24-C656-68EC-974A4122F479}"/>
-              </a:ext>
-            </a:extLst>
-          </p:cNvPr>
+          <p:cNvPr id="3" name="图片 2"/>
           <p:cNvPicPr>
             <a:picLocks noChangeAspect="1"/>
           </p:cNvPicPr>
@@ -22425,13 +22317,7 @@
       </p:pic>
       <p:sp>
         <p:nvSpPr>
-          <p:cNvPr id="66" name="文本框 65">
-            <a:extLst>
-              <a:ext uri="{FF2B5EF4-FFF2-40B4-BE49-F238E27FC236}">
-                <a16:creationId xmlns:a16="http://schemas.microsoft.com/office/drawing/2014/main" id="{C6D012E6-FE43-D6DA-14B0-86C89ED573B5}"/>
-              </a:ext>
-            </a:extLst>
-          </p:cNvPr>
+          <p:cNvPr id="66" name="文本框 65"/>
           <p:cNvSpPr txBox="1"/>
           <p:nvPr/>
         </p:nvSpPr>
@@ -22464,7 +22350,7 @@
             <a:r>
               <a:rPr lang="en-US" altLang="zh-CN" sz="1200" b="1" dirty="0">
                 <a:solidFill>
-                  <a:schemeClr val="accent6"/>
+                  <a:schemeClr val="accent1"/>
                 </a:solidFill>
               </a:rPr>
               <a:t>Defector</a:t>
@@ -22476,7 +22362,7 @@
             <a:r>
               <a:rPr lang="en-US" altLang="zh-CN" sz="1200" b="1" dirty="0">
                 <a:solidFill>
-                  <a:schemeClr val="accent1"/>
+                  <a:schemeClr val="accent3"/>
                 </a:solidFill>
               </a:rPr>
               <a:t>TIT For TAT </a:t>
@@ -22488,7 +22374,7 @@
             <a:r>
               <a:rPr lang="en-US" altLang="zh-CN" sz="1200" b="1" dirty="0">
                 <a:solidFill>
-                  <a:schemeClr val="accent4"/>
+                  <a:schemeClr val="accent2"/>
                 </a:solidFill>
               </a:rPr>
               <a:t>Random</a:t>
@@ -22504,9 +22390,7 @@
             <a:r>
               <a:rPr lang="en-US" altLang="zh-CN" sz="1200" b="1" dirty="0">
                 <a:solidFill>
-                  <a:schemeClr val="accent3">
-                    <a:lumMod val="75000"/>
-                  </a:schemeClr>
+                  <a:schemeClr val="accent6"/>
                 </a:solidFill>
               </a:rPr>
               <a:t>Cooperator</a:t>
@@ -22533,7 +22417,7 @@
             <a:r>
               <a:rPr lang="en-US" altLang="zh-CN" sz="1200" b="1" dirty="0">
                 <a:solidFill>
-                  <a:schemeClr val="accent4"/>
+                  <a:schemeClr val="accent2"/>
                 </a:solidFill>
               </a:rPr>
               <a:t>Random</a:t>
@@ -22555,7 +22439,7 @@
             <a:r>
               <a:rPr lang="en-US" altLang="zh-CN" sz="1200" b="1" dirty="0">
                 <a:solidFill>
-                  <a:schemeClr val="accent6"/>
+                  <a:schemeClr val="accent1"/>
                 </a:solidFill>
               </a:rPr>
               <a:t>Defector</a:t>
@@ -22567,7 +22451,7 @@
             <a:r>
               <a:rPr lang="en-US" altLang="zh-CN" sz="1200" b="1" dirty="0">
                 <a:solidFill>
-                  <a:schemeClr val="accent1"/>
+                  <a:schemeClr val="accent3"/>
                 </a:solidFill>
               </a:rPr>
               <a:t>TIT For TAT </a:t>
@@ -22579,9 +22463,7 @@
             <a:r>
               <a:rPr lang="en-US" altLang="zh-CN" sz="1200" b="1" dirty="0">
                 <a:solidFill>
-                  <a:schemeClr val="accent3">
-                    <a:lumMod val="75000"/>
-                  </a:schemeClr>
+                  <a:schemeClr val="accent6"/>
                 </a:solidFill>
               </a:rPr>
               <a:t>Cooperator</a:t>
@@ -22608,9 +22490,7 @@
             <a:r>
               <a:rPr lang="en-US" altLang="zh-CN" sz="1200" b="1" dirty="0">
                 <a:solidFill>
-                  <a:schemeClr val="accent3">
-                    <a:lumMod val="75000"/>
-                  </a:schemeClr>
+                  <a:schemeClr val="accent6"/>
                 </a:solidFill>
               </a:rPr>
               <a:t>Cooperators</a:t>
@@ -22632,7 +22512,7 @@
             <a:r>
               <a:rPr lang="en-US" altLang="zh-CN" sz="1200" b="1" dirty="0">
                 <a:solidFill>
-                  <a:schemeClr val="accent1"/>
+                  <a:srgbClr val="9BBB59"/>
                 </a:solidFill>
               </a:rPr>
               <a:t>TIT For TAT </a:t>
@@ -22651,7 +22531,15 @@
                   <a:schemeClr val="accent6"/>
                 </a:solidFill>
               </a:rPr>
-              <a:t> Defector</a:t>
+              <a:t> </a:t>
+            </a:r>
+            <a:r>
+              <a:rPr lang="en-US" altLang="zh-CN" sz="1200" b="1" dirty="0">
+                <a:solidFill>
+                  <a:srgbClr val="4F81BD"/>
+                </a:solidFill>
+              </a:rPr>
+              <a:t>Defector</a:t>
             </a:r>
             <a:r>
               <a:rPr lang="en-US" altLang="zh-CN" sz="1200" dirty="0"/>
@@ -22679,7 +22567,7 @@
             <a:r>
               <a:rPr lang="en-US" altLang="zh-CN" sz="1200" b="1" dirty="0">
                 <a:solidFill>
-                  <a:schemeClr val="accent1"/>
+                  <a:srgbClr val="9BBB59"/>
                 </a:solidFill>
               </a:rPr>
               <a:t>TIT For TAT </a:t>
@@ -22696,11 +22584,6 @@
         </p:txBody>
       </p:sp>
     </p:spTree>
-    <p:extLst>
-      <p:ext uri="{BB962C8B-B14F-4D97-AF65-F5344CB8AC3E}">
-        <p14:creationId xmlns:p14="http://schemas.microsoft.com/office/powerpoint/2010/main" val="772161166"/>
-      </p:ext>
-    </p:extLst>
   </p:cSld>
   <p:clrMapOvr>
     <a:masterClrMapping/>
@@ -22771,19 +22654,13 @@
               <a:rPr lang="en-US"/>
               <a:t>12</a:t>
             </a:fld>
-            <a:endParaRPr/>
+            <a:endParaRPr lang="en-US"/>
           </a:p>
         </p:txBody>
       </p:sp>
       <p:sp>
         <p:nvSpPr>
-          <p:cNvPr id="40" name="Google Shape;118;g1293d969190_0_0">
-            <a:extLst>
-              <a:ext uri="{FF2B5EF4-FFF2-40B4-BE49-F238E27FC236}">
-                <a16:creationId xmlns:a16="http://schemas.microsoft.com/office/drawing/2014/main" id="{B626EDFC-384F-0FF4-55C4-7183E24ABDFE}"/>
-              </a:ext>
-            </a:extLst>
-          </p:cNvPr>
+          <p:cNvPr id="40" name="Google Shape;118;g1293d969190_0_0"/>
           <p:cNvSpPr txBox="1"/>
           <p:nvPr/>
         </p:nvSpPr>
@@ -22820,7 +22697,7 @@
                 <a:srgbClr val="502984"/>
               </a:buClr>
               <a:buSzPts val="3200"/>
-              <a:buFont typeface="Times New Roman"/>
+              <a:buFont typeface="Times New Roman" panose="02020603050405020304"/>
               <a:buNone/>
             </a:pPr>
             <a:r>
@@ -22861,13 +22738,7 @@
       </p:sp>
       <p:sp>
         <p:nvSpPr>
-          <p:cNvPr id="42" name="椭圆 41">
-            <a:extLst>
-              <a:ext uri="{FF2B5EF4-FFF2-40B4-BE49-F238E27FC236}">
-                <a16:creationId xmlns:a16="http://schemas.microsoft.com/office/drawing/2014/main" id="{748C73FA-3209-86D9-BB94-4C8980CDC10B}"/>
-              </a:ext>
-            </a:extLst>
-          </p:cNvPr>
+          <p:cNvPr id="42" name="椭圆 41"/>
           <p:cNvSpPr/>
           <p:nvPr/>
         </p:nvSpPr>
@@ -22911,13 +22782,7 @@
       </p:sp>
       <p:sp>
         <p:nvSpPr>
-          <p:cNvPr id="66" name="文本框 65">
-            <a:extLst>
-              <a:ext uri="{FF2B5EF4-FFF2-40B4-BE49-F238E27FC236}">
-                <a16:creationId xmlns:a16="http://schemas.microsoft.com/office/drawing/2014/main" id="{C6D012E6-FE43-D6DA-14B0-86C89ED573B5}"/>
-              </a:ext>
-            </a:extLst>
-          </p:cNvPr>
+          <p:cNvPr id="66" name="文本框 65"/>
           <p:cNvSpPr txBox="1"/>
           <p:nvPr/>
         </p:nvSpPr>
@@ -22943,7 +22808,7 @@
                   <a:srgbClr val="333333"/>
                 </a:solidFill>
                 <a:effectLst/>
-                <a:latin typeface="tahoma" panose="020B0604030504040204" pitchFamily="34" charset="0"/>
+                <a:latin typeface="Tahoma" panose="020B0604030504040204" pitchFamily="34" charset="0"/>
               </a:rPr>
               <a:t>Can single </a:t>
             </a:r>
@@ -22953,7 +22818,7 @@
                   <a:schemeClr val="accent1"/>
                 </a:solidFill>
                 <a:effectLst/>
-                <a:latin typeface="tahoma" panose="020B0604030504040204" pitchFamily="34" charset="0"/>
+                <a:latin typeface="Tahoma" panose="020B0604030504040204" pitchFamily="34" charset="0"/>
               </a:rPr>
               <a:t>TIT For TAT </a:t>
             </a:r>
@@ -22963,7 +22828,7 @@
                   <a:srgbClr val="333333"/>
                 </a:solidFill>
                 <a:effectLst/>
-                <a:latin typeface="tahoma" panose="020B0604030504040204" pitchFamily="34" charset="0"/>
+                <a:latin typeface="Tahoma" panose="020B0604030504040204" pitchFamily="34" charset="0"/>
               </a:rPr>
               <a:t>invade a group of always defectors?</a:t>
             </a:r>
@@ -22977,13 +22842,7 @@
       </p:sp>
       <p:sp>
         <p:nvSpPr>
-          <p:cNvPr id="35" name="文本框 34">
-            <a:extLst>
-              <a:ext uri="{FF2B5EF4-FFF2-40B4-BE49-F238E27FC236}">
-                <a16:creationId xmlns:a16="http://schemas.microsoft.com/office/drawing/2014/main" id="{0D9D5A07-163D-E03E-8F12-C87BF3C3DEBD}"/>
-              </a:ext>
-            </a:extLst>
-          </p:cNvPr>
+          <p:cNvPr id="35" name="文本框 34"/>
           <p:cNvSpPr txBox="1"/>
           <p:nvPr/>
         </p:nvSpPr>
@@ -23033,13 +22892,7 @@
       </p:sp>
       <p:grpSp>
         <p:nvGrpSpPr>
-          <p:cNvPr id="74" name="组合 73">
-            <a:extLst>
-              <a:ext uri="{FF2B5EF4-FFF2-40B4-BE49-F238E27FC236}">
-                <a16:creationId xmlns:a16="http://schemas.microsoft.com/office/drawing/2014/main" id="{0F2C17EA-8424-65C1-CF91-DED52A2FF3E4}"/>
-              </a:ext>
-            </a:extLst>
-          </p:cNvPr>
+          <p:cNvPr id="74" name="组合 73"/>
           <p:cNvGrpSpPr/>
           <p:nvPr/>
         </p:nvGrpSpPr>
@@ -23053,13 +22906,7 @@
         </p:grpSpPr>
         <p:sp>
           <p:nvSpPr>
-            <p:cNvPr id="75" name="椭圆 74">
-              <a:extLst>
-                <a:ext uri="{FF2B5EF4-FFF2-40B4-BE49-F238E27FC236}">
-                  <a16:creationId xmlns:a16="http://schemas.microsoft.com/office/drawing/2014/main" id="{19AA252E-E4F7-C6AB-067C-1126F0951751}"/>
-                </a:ext>
-              </a:extLst>
-            </p:cNvPr>
+            <p:cNvPr id="75" name="椭圆 74"/>
             <p:cNvSpPr/>
             <p:nvPr/>
           </p:nvSpPr>
@@ -23099,13 +22946,7 @@
         </p:sp>
         <p:sp>
           <p:nvSpPr>
-            <p:cNvPr id="76" name="文本框 75">
-              <a:extLst>
-                <a:ext uri="{FF2B5EF4-FFF2-40B4-BE49-F238E27FC236}">
-                  <a16:creationId xmlns:a16="http://schemas.microsoft.com/office/drawing/2014/main" id="{8F5A8EAC-24C5-C897-9639-AC72D08173CC}"/>
-                </a:ext>
-              </a:extLst>
-            </p:cNvPr>
+            <p:cNvPr id="76" name="文本框 75"/>
             <p:cNvSpPr txBox="1"/>
             <p:nvPr/>
           </p:nvSpPr>
@@ -23156,13 +22997,7 @@
       </p:grpSp>
       <p:pic>
         <p:nvPicPr>
-          <p:cNvPr id="6" name="图片 5">
-            <a:extLst>
-              <a:ext uri="{FF2B5EF4-FFF2-40B4-BE49-F238E27FC236}">
-                <a16:creationId xmlns:a16="http://schemas.microsoft.com/office/drawing/2014/main" id="{356438B2-AB1D-5ABD-5E10-93DC8D96B2B9}"/>
-              </a:ext>
-            </a:extLst>
-          </p:cNvPr>
+          <p:cNvPr id="6" name="图片 5"/>
           <p:cNvPicPr>
             <a:picLocks noChangeAspect="1"/>
           </p:cNvPicPr>
@@ -23186,13 +23021,7 @@
       </p:pic>
       <p:grpSp>
         <p:nvGrpSpPr>
-          <p:cNvPr id="83" name="组合 82">
-            <a:extLst>
-              <a:ext uri="{FF2B5EF4-FFF2-40B4-BE49-F238E27FC236}">
-                <a16:creationId xmlns:a16="http://schemas.microsoft.com/office/drawing/2014/main" id="{EB249F7D-0055-980B-A779-DC979A00B5ED}"/>
-              </a:ext>
-            </a:extLst>
-          </p:cNvPr>
+          <p:cNvPr id="83" name="组合 82"/>
           <p:cNvGrpSpPr/>
           <p:nvPr/>
         </p:nvGrpSpPr>
@@ -23206,13 +23035,7 @@
         </p:grpSpPr>
         <p:sp>
           <p:nvSpPr>
-            <p:cNvPr id="84" name="椭圆 83">
-              <a:extLst>
-                <a:ext uri="{FF2B5EF4-FFF2-40B4-BE49-F238E27FC236}">
-                  <a16:creationId xmlns:a16="http://schemas.microsoft.com/office/drawing/2014/main" id="{6FF89351-9A4E-E275-4115-25C6E69F1C98}"/>
-                </a:ext>
-              </a:extLst>
-            </p:cNvPr>
+            <p:cNvPr id="84" name="椭圆 83"/>
             <p:cNvSpPr/>
             <p:nvPr/>
           </p:nvSpPr>
@@ -23252,13 +23075,7 @@
         </p:sp>
         <p:sp>
           <p:nvSpPr>
-            <p:cNvPr id="85" name="文本框 84">
-              <a:extLst>
-                <a:ext uri="{FF2B5EF4-FFF2-40B4-BE49-F238E27FC236}">
-                  <a16:creationId xmlns:a16="http://schemas.microsoft.com/office/drawing/2014/main" id="{3ED66C3F-1D7E-3E75-649A-C44C62626AD9}"/>
-                </a:ext>
-              </a:extLst>
-            </p:cNvPr>
+            <p:cNvPr id="85" name="文本框 84"/>
             <p:cNvSpPr txBox="1"/>
             <p:nvPr/>
           </p:nvSpPr>
@@ -23309,13 +23126,7 @@
       </p:grpSp>
       <p:grpSp>
         <p:nvGrpSpPr>
-          <p:cNvPr id="86" name="组合 85">
-            <a:extLst>
-              <a:ext uri="{FF2B5EF4-FFF2-40B4-BE49-F238E27FC236}">
-                <a16:creationId xmlns:a16="http://schemas.microsoft.com/office/drawing/2014/main" id="{F19518C0-ADED-6295-6D70-A539762D6C56}"/>
-              </a:ext>
-            </a:extLst>
-          </p:cNvPr>
+          <p:cNvPr id="86" name="组合 85"/>
           <p:cNvGrpSpPr/>
           <p:nvPr/>
         </p:nvGrpSpPr>
@@ -23329,13 +23140,7 @@
         </p:grpSpPr>
         <p:sp>
           <p:nvSpPr>
-            <p:cNvPr id="87" name="椭圆 86">
-              <a:extLst>
-                <a:ext uri="{FF2B5EF4-FFF2-40B4-BE49-F238E27FC236}">
-                  <a16:creationId xmlns:a16="http://schemas.microsoft.com/office/drawing/2014/main" id="{33594193-D925-9CAF-EDAB-9FA68B157B94}"/>
-                </a:ext>
-              </a:extLst>
-            </p:cNvPr>
+            <p:cNvPr id="87" name="椭圆 86"/>
             <p:cNvSpPr/>
             <p:nvPr/>
           </p:nvSpPr>
@@ -23375,13 +23180,7 @@
         </p:sp>
         <p:sp>
           <p:nvSpPr>
-            <p:cNvPr id="88" name="文本框 87">
-              <a:extLst>
-                <a:ext uri="{FF2B5EF4-FFF2-40B4-BE49-F238E27FC236}">
-                  <a16:creationId xmlns:a16="http://schemas.microsoft.com/office/drawing/2014/main" id="{9D1B4228-CE89-D32B-1959-6BE45C461215}"/>
-                </a:ext>
-              </a:extLst>
-            </p:cNvPr>
+            <p:cNvPr id="88" name="文本框 87"/>
             <p:cNvSpPr txBox="1"/>
             <p:nvPr/>
           </p:nvSpPr>
@@ -23432,13 +23231,7 @@
       </p:grpSp>
       <p:grpSp>
         <p:nvGrpSpPr>
-          <p:cNvPr id="89" name="组合 88">
-            <a:extLst>
-              <a:ext uri="{FF2B5EF4-FFF2-40B4-BE49-F238E27FC236}">
-                <a16:creationId xmlns:a16="http://schemas.microsoft.com/office/drawing/2014/main" id="{0C735566-9BD2-ED8E-ADD5-ED50020B3BAD}"/>
-              </a:ext>
-            </a:extLst>
-          </p:cNvPr>
+          <p:cNvPr id="89" name="组合 88"/>
           <p:cNvGrpSpPr/>
           <p:nvPr/>
         </p:nvGrpSpPr>
@@ -23452,13 +23245,7 @@
         </p:grpSpPr>
         <p:sp>
           <p:nvSpPr>
-            <p:cNvPr id="90" name="椭圆 89">
-              <a:extLst>
-                <a:ext uri="{FF2B5EF4-FFF2-40B4-BE49-F238E27FC236}">
-                  <a16:creationId xmlns:a16="http://schemas.microsoft.com/office/drawing/2014/main" id="{F03FF941-26B3-D983-46CC-2C0518A7DBE0}"/>
-                </a:ext>
-              </a:extLst>
-            </p:cNvPr>
+            <p:cNvPr id="90" name="椭圆 89"/>
             <p:cNvSpPr/>
             <p:nvPr/>
           </p:nvSpPr>
@@ -23498,13 +23285,7 @@
         </p:sp>
         <p:sp>
           <p:nvSpPr>
-            <p:cNvPr id="91" name="文本框 90">
-              <a:extLst>
-                <a:ext uri="{FF2B5EF4-FFF2-40B4-BE49-F238E27FC236}">
-                  <a16:creationId xmlns:a16="http://schemas.microsoft.com/office/drawing/2014/main" id="{0A211783-47B3-42C3-6A45-B17C91D9CD98}"/>
-                </a:ext>
-              </a:extLst>
-            </p:cNvPr>
+            <p:cNvPr id="91" name="文本框 90"/>
             <p:cNvSpPr txBox="1"/>
             <p:nvPr/>
           </p:nvSpPr>
@@ -23555,13 +23336,7 @@
       </p:grpSp>
       <p:grpSp>
         <p:nvGrpSpPr>
-          <p:cNvPr id="92" name="组合 91">
-            <a:extLst>
-              <a:ext uri="{FF2B5EF4-FFF2-40B4-BE49-F238E27FC236}">
-                <a16:creationId xmlns:a16="http://schemas.microsoft.com/office/drawing/2014/main" id="{BB119B1D-0748-623A-AB6E-B6DA00EE85B6}"/>
-              </a:ext>
-            </a:extLst>
-          </p:cNvPr>
+          <p:cNvPr id="92" name="组合 91"/>
           <p:cNvGrpSpPr/>
           <p:nvPr/>
         </p:nvGrpSpPr>
@@ -23575,13 +23350,7 @@
         </p:grpSpPr>
         <p:sp>
           <p:nvSpPr>
-            <p:cNvPr id="93" name="椭圆 92">
-              <a:extLst>
-                <a:ext uri="{FF2B5EF4-FFF2-40B4-BE49-F238E27FC236}">
-                  <a16:creationId xmlns:a16="http://schemas.microsoft.com/office/drawing/2014/main" id="{A90B3367-F398-9464-0C5F-5F32C037B498}"/>
-                </a:ext>
-              </a:extLst>
-            </p:cNvPr>
+            <p:cNvPr id="93" name="椭圆 92"/>
             <p:cNvSpPr/>
             <p:nvPr/>
           </p:nvSpPr>
@@ -23621,13 +23390,7 @@
         </p:sp>
         <p:sp>
           <p:nvSpPr>
-            <p:cNvPr id="94" name="文本框 93">
-              <a:extLst>
-                <a:ext uri="{FF2B5EF4-FFF2-40B4-BE49-F238E27FC236}">
-                  <a16:creationId xmlns:a16="http://schemas.microsoft.com/office/drawing/2014/main" id="{11C410B3-3DC4-D486-B8B6-6B099FA50201}"/>
-                </a:ext>
-              </a:extLst>
-            </p:cNvPr>
+            <p:cNvPr id="94" name="文本框 93"/>
             <p:cNvSpPr txBox="1"/>
             <p:nvPr/>
           </p:nvSpPr>
@@ -23678,13 +23441,7 @@
       </p:grpSp>
       <p:grpSp>
         <p:nvGrpSpPr>
-          <p:cNvPr id="95" name="组合 94">
-            <a:extLst>
-              <a:ext uri="{FF2B5EF4-FFF2-40B4-BE49-F238E27FC236}">
-                <a16:creationId xmlns:a16="http://schemas.microsoft.com/office/drawing/2014/main" id="{B2ACFBCD-7E3E-88BC-E905-8C5B0155619A}"/>
-              </a:ext>
-            </a:extLst>
-          </p:cNvPr>
+          <p:cNvPr id="95" name="组合 94"/>
           <p:cNvGrpSpPr/>
           <p:nvPr/>
         </p:nvGrpSpPr>
@@ -23698,13 +23455,7 @@
         </p:grpSpPr>
         <p:sp>
           <p:nvSpPr>
-            <p:cNvPr id="96" name="椭圆 95">
-              <a:extLst>
-                <a:ext uri="{FF2B5EF4-FFF2-40B4-BE49-F238E27FC236}">
-                  <a16:creationId xmlns:a16="http://schemas.microsoft.com/office/drawing/2014/main" id="{F9C23B10-234C-B3B0-5D40-8DA208871085}"/>
-                </a:ext>
-              </a:extLst>
-            </p:cNvPr>
+            <p:cNvPr id="96" name="椭圆 95"/>
             <p:cNvSpPr/>
             <p:nvPr/>
           </p:nvSpPr>
@@ -23744,13 +23495,7 @@
         </p:sp>
         <p:sp>
           <p:nvSpPr>
-            <p:cNvPr id="97" name="文本框 96">
-              <a:extLst>
-                <a:ext uri="{FF2B5EF4-FFF2-40B4-BE49-F238E27FC236}">
-                  <a16:creationId xmlns:a16="http://schemas.microsoft.com/office/drawing/2014/main" id="{79F82EAB-4A4C-23F9-A9D9-5B40FE969BA1}"/>
-                </a:ext>
-              </a:extLst>
-            </p:cNvPr>
+            <p:cNvPr id="97" name="文本框 96"/>
             <p:cNvSpPr txBox="1"/>
             <p:nvPr/>
           </p:nvSpPr>
@@ -23801,13 +23546,7 @@
       </p:grpSp>
       <p:grpSp>
         <p:nvGrpSpPr>
-          <p:cNvPr id="98" name="组合 97">
-            <a:extLst>
-              <a:ext uri="{FF2B5EF4-FFF2-40B4-BE49-F238E27FC236}">
-                <a16:creationId xmlns:a16="http://schemas.microsoft.com/office/drawing/2014/main" id="{35DB1870-96E4-F856-5650-ABB0DDBC9BC8}"/>
-              </a:ext>
-            </a:extLst>
-          </p:cNvPr>
+          <p:cNvPr id="98" name="组合 97"/>
           <p:cNvGrpSpPr/>
           <p:nvPr/>
         </p:nvGrpSpPr>
@@ -23821,13 +23560,7 @@
         </p:grpSpPr>
         <p:sp>
           <p:nvSpPr>
-            <p:cNvPr id="99" name="椭圆 98">
-              <a:extLst>
-                <a:ext uri="{FF2B5EF4-FFF2-40B4-BE49-F238E27FC236}">
-                  <a16:creationId xmlns:a16="http://schemas.microsoft.com/office/drawing/2014/main" id="{A730A858-6588-0C44-3F0F-E2D66BA8FD1A}"/>
-                </a:ext>
-              </a:extLst>
-            </p:cNvPr>
+            <p:cNvPr id="99" name="椭圆 98"/>
             <p:cNvSpPr/>
             <p:nvPr/>
           </p:nvSpPr>
@@ -23867,13 +23600,7 @@
         </p:sp>
         <p:sp>
           <p:nvSpPr>
-            <p:cNvPr id="100" name="文本框 99">
-              <a:extLst>
-                <a:ext uri="{FF2B5EF4-FFF2-40B4-BE49-F238E27FC236}">
-                  <a16:creationId xmlns:a16="http://schemas.microsoft.com/office/drawing/2014/main" id="{EEEDC3F5-507C-6621-3EB5-C5FC9964FE09}"/>
-                </a:ext>
-              </a:extLst>
-            </p:cNvPr>
+            <p:cNvPr id="100" name="文本框 99"/>
             <p:cNvSpPr txBox="1"/>
             <p:nvPr/>
           </p:nvSpPr>
@@ -23924,13 +23651,7 @@
       </p:grpSp>
       <p:grpSp>
         <p:nvGrpSpPr>
-          <p:cNvPr id="101" name="组合 100">
-            <a:extLst>
-              <a:ext uri="{FF2B5EF4-FFF2-40B4-BE49-F238E27FC236}">
-                <a16:creationId xmlns:a16="http://schemas.microsoft.com/office/drawing/2014/main" id="{DCB93A45-6826-D184-69EC-52D51DFF18C8}"/>
-              </a:ext>
-            </a:extLst>
-          </p:cNvPr>
+          <p:cNvPr id="101" name="组合 100"/>
           <p:cNvGrpSpPr/>
           <p:nvPr/>
         </p:nvGrpSpPr>
@@ -23944,13 +23665,7 @@
         </p:grpSpPr>
         <p:sp>
           <p:nvSpPr>
-            <p:cNvPr id="102" name="椭圆 101">
-              <a:extLst>
-                <a:ext uri="{FF2B5EF4-FFF2-40B4-BE49-F238E27FC236}">
-                  <a16:creationId xmlns:a16="http://schemas.microsoft.com/office/drawing/2014/main" id="{17388541-3824-2300-27EC-60B15BB02D38}"/>
-                </a:ext>
-              </a:extLst>
-            </p:cNvPr>
+            <p:cNvPr id="102" name="椭圆 101"/>
             <p:cNvSpPr/>
             <p:nvPr/>
           </p:nvSpPr>
@@ -23990,13 +23705,7 @@
         </p:sp>
         <p:sp>
           <p:nvSpPr>
-            <p:cNvPr id="103" name="文本框 102">
-              <a:extLst>
-                <a:ext uri="{FF2B5EF4-FFF2-40B4-BE49-F238E27FC236}">
-                  <a16:creationId xmlns:a16="http://schemas.microsoft.com/office/drawing/2014/main" id="{35CA30A4-E4F2-8109-A384-49BE6B77B28C}"/>
-                </a:ext>
-              </a:extLst>
-            </p:cNvPr>
+            <p:cNvPr id="103" name="文本框 102"/>
             <p:cNvSpPr txBox="1"/>
             <p:nvPr/>
           </p:nvSpPr>
@@ -24047,13 +23756,7 @@
       </p:grpSp>
       <p:grpSp>
         <p:nvGrpSpPr>
-          <p:cNvPr id="104" name="组合 103">
-            <a:extLst>
-              <a:ext uri="{FF2B5EF4-FFF2-40B4-BE49-F238E27FC236}">
-                <a16:creationId xmlns:a16="http://schemas.microsoft.com/office/drawing/2014/main" id="{3950D8F2-07D6-D362-DC6C-9DA8826DFDC5}"/>
-              </a:ext>
-            </a:extLst>
-          </p:cNvPr>
+          <p:cNvPr id="104" name="组合 103"/>
           <p:cNvGrpSpPr/>
           <p:nvPr/>
         </p:nvGrpSpPr>
@@ -24067,13 +23770,7 @@
         </p:grpSpPr>
         <p:sp>
           <p:nvSpPr>
-            <p:cNvPr id="105" name="椭圆 104">
-              <a:extLst>
-                <a:ext uri="{FF2B5EF4-FFF2-40B4-BE49-F238E27FC236}">
-                  <a16:creationId xmlns:a16="http://schemas.microsoft.com/office/drawing/2014/main" id="{7907FF21-01CF-A42E-7558-3BBF5C22153B}"/>
-                </a:ext>
-              </a:extLst>
-            </p:cNvPr>
+            <p:cNvPr id="105" name="椭圆 104"/>
             <p:cNvSpPr/>
             <p:nvPr/>
           </p:nvSpPr>
@@ -24113,13 +23810,7 @@
         </p:sp>
         <p:sp>
           <p:nvSpPr>
-            <p:cNvPr id="106" name="文本框 105">
-              <a:extLst>
-                <a:ext uri="{FF2B5EF4-FFF2-40B4-BE49-F238E27FC236}">
-                  <a16:creationId xmlns:a16="http://schemas.microsoft.com/office/drawing/2014/main" id="{B276A7A4-42E1-23A6-1E70-3B912DE0D200}"/>
-                </a:ext>
-              </a:extLst>
-            </p:cNvPr>
+            <p:cNvPr id="106" name="文本框 105"/>
             <p:cNvSpPr txBox="1"/>
             <p:nvPr/>
           </p:nvSpPr>
@@ -24170,13 +23861,7 @@
       </p:grpSp>
       <p:grpSp>
         <p:nvGrpSpPr>
-          <p:cNvPr id="107" name="组合 106">
-            <a:extLst>
-              <a:ext uri="{FF2B5EF4-FFF2-40B4-BE49-F238E27FC236}">
-                <a16:creationId xmlns:a16="http://schemas.microsoft.com/office/drawing/2014/main" id="{DF7C7E89-05D8-B36F-6B92-B1D36E2E19DA}"/>
-              </a:ext>
-            </a:extLst>
-          </p:cNvPr>
+          <p:cNvPr id="107" name="组合 106"/>
           <p:cNvGrpSpPr/>
           <p:nvPr/>
         </p:nvGrpSpPr>
@@ -24190,13 +23875,7 @@
         </p:grpSpPr>
         <p:sp>
           <p:nvSpPr>
-            <p:cNvPr id="108" name="椭圆 107">
-              <a:extLst>
-                <a:ext uri="{FF2B5EF4-FFF2-40B4-BE49-F238E27FC236}">
-                  <a16:creationId xmlns:a16="http://schemas.microsoft.com/office/drawing/2014/main" id="{44E2A2DE-42AC-29EA-5922-18D3ABDC6791}"/>
-                </a:ext>
-              </a:extLst>
-            </p:cNvPr>
+            <p:cNvPr id="108" name="椭圆 107"/>
             <p:cNvSpPr/>
             <p:nvPr/>
           </p:nvSpPr>
@@ -24236,13 +23915,7 @@
         </p:sp>
         <p:sp>
           <p:nvSpPr>
-            <p:cNvPr id="109" name="文本框 108">
-              <a:extLst>
-                <a:ext uri="{FF2B5EF4-FFF2-40B4-BE49-F238E27FC236}">
-                  <a16:creationId xmlns:a16="http://schemas.microsoft.com/office/drawing/2014/main" id="{A6CD08B3-219F-8750-C336-0AC694E4F038}"/>
-                </a:ext>
-              </a:extLst>
-            </p:cNvPr>
+            <p:cNvPr id="109" name="文本框 108"/>
             <p:cNvSpPr txBox="1"/>
             <p:nvPr/>
           </p:nvSpPr>
@@ -24293,13 +23966,7 @@
       </p:grpSp>
       <p:grpSp>
         <p:nvGrpSpPr>
-          <p:cNvPr id="110" name="组合 109">
-            <a:extLst>
-              <a:ext uri="{FF2B5EF4-FFF2-40B4-BE49-F238E27FC236}">
-                <a16:creationId xmlns:a16="http://schemas.microsoft.com/office/drawing/2014/main" id="{7CC5735F-5727-739E-B4B9-B9571F68B416}"/>
-              </a:ext>
-            </a:extLst>
-          </p:cNvPr>
+          <p:cNvPr id="110" name="组合 109"/>
           <p:cNvGrpSpPr/>
           <p:nvPr/>
         </p:nvGrpSpPr>
@@ -24313,13 +23980,7 @@
         </p:grpSpPr>
         <p:sp>
           <p:nvSpPr>
-            <p:cNvPr id="111" name="椭圆 110">
-              <a:extLst>
-                <a:ext uri="{FF2B5EF4-FFF2-40B4-BE49-F238E27FC236}">
-                  <a16:creationId xmlns:a16="http://schemas.microsoft.com/office/drawing/2014/main" id="{BB0E9942-3CDC-4DBD-2319-D7F1C358AE69}"/>
-                </a:ext>
-              </a:extLst>
-            </p:cNvPr>
+            <p:cNvPr id="111" name="椭圆 110"/>
             <p:cNvSpPr/>
             <p:nvPr/>
           </p:nvSpPr>
@@ -24359,13 +24020,7 @@
         </p:sp>
         <p:sp>
           <p:nvSpPr>
-            <p:cNvPr id="112" name="文本框 111">
-              <a:extLst>
-                <a:ext uri="{FF2B5EF4-FFF2-40B4-BE49-F238E27FC236}">
-                  <a16:creationId xmlns:a16="http://schemas.microsoft.com/office/drawing/2014/main" id="{53D1D9F3-5F54-9B4E-C558-D06B407EAB81}"/>
-                </a:ext>
-              </a:extLst>
-            </p:cNvPr>
+            <p:cNvPr id="112" name="文本框 111"/>
             <p:cNvSpPr txBox="1"/>
             <p:nvPr/>
           </p:nvSpPr>
@@ -24416,13 +24071,7 @@
       </p:grpSp>
       <p:grpSp>
         <p:nvGrpSpPr>
-          <p:cNvPr id="113" name="组合 112">
-            <a:extLst>
-              <a:ext uri="{FF2B5EF4-FFF2-40B4-BE49-F238E27FC236}">
-                <a16:creationId xmlns:a16="http://schemas.microsoft.com/office/drawing/2014/main" id="{297CCCF0-A115-59D3-423C-F66B98431A93}"/>
-              </a:ext>
-            </a:extLst>
-          </p:cNvPr>
+          <p:cNvPr id="113" name="组合 112"/>
           <p:cNvGrpSpPr/>
           <p:nvPr/>
         </p:nvGrpSpPr>
@@ -24436,13 +24085,7 @@
         </p:grpSpPr>
         <p:sp>
           <p:nvSpPr>
-            <p:cNvPr id="114" name="椭圆 113">
-              <a:extLst>
-                <a:ext uri="{FF2B5EF4-FFF2-40B4-BE49-F238E27FC236}">
-                  <a16:creationId xmlns:a16="http://schemas.microsoft.com/office/drawing/2014/main" id="{3735B77B-C35B-7781-F5E1-B6E7E0CE9C5F}"/>
-                </a:ext>
-              </a:extLst>
-            </p:cNvPr>
+            <p:cNvPr id="114" name="椭圆 113"/>
             <p:cNvSpPr/>
             <p:nvPr/>
           </p:nvSpPr>
@@ -24482,13 +24125,7 @@
         </p:sp>
         <p:sp>
           <p:nvSpPr>
-            <p:cNvPr id="115" name="文本框 114">
-              <a:extLst>
-                <a:ext uri="{FF2B5EF4-FFF2-40B4-BE49-F238E27FC236}">
-                  <a16:creationId xmlns:a16="http://schemas.microsoft.com/office/drawing/2014/main" id="{22E76C62-7B77-7394-3472-6BA5D681F72B}"/>
-                </a:ext>
-              </a:extLst>
-            </p:cNvPr>
+            <p:cNvPr id="115" name="文本框 114"/>
             <p:cNvSpPr txBox="1"/>
             <p:nvPr/>
           </p:nvSpPr>
@@ -24539,13 +24176,7 @@
       </p:grpSp>
       <p:grpSp>
         <p:nvGrpSpPr>
-          <p:cNvPr id="116" name="组合 115">
-            <a:extLst>
-              <a:ext uri="{FF2B5EF4-FFF2-40B4-BE49-F238E27FC236}">
-                <a16:creationId xmlns:a16="http://schemas.microsoft.com/office/drawing/2014/main" id="{87482397-8FBD-75EB-62E8-CE71E0973F8B}"/>
-              </a:ext>
-            </a:extLst>
-          </p:cNvPr>
+          <p:cNvPr id="116" name="组合 115"/>
           <p:cNvGrpSpPr/>
           <p:nvPr/>
         </p:nvGrpSpPr>
@@ -24559,13 +24190,7 @@
         </p:grpSpPr>
         <p:sp>
           <p:nvSpPr>
-            <p:cNvPr id="117" name="椭圆 116">
-              <a:extLst>
-                <a:ext uri="{FF2B5EF4-FFF2-40B4-BE49-F238E27FC236}">
-                  <a16:creationId xmlns:a16="http://schemas.microsoft.com/office/drawing/2014/main" id="{B828F2B4-51F9-A9AE-4D4E-1FF58500D3E1}"/>
-                </a:ext>
-              </a:extLst>
-            </p:cNvPr>
+            <p:cNvPr id="117" name="椭圆 116"/>
             <p:cNvSpPr/>
             <p:nvPr/>
           </p:nvSpPr>
@@ -24605,13 +24230,7 @@
         </p:sp>
         <p:sp>
           <p:nvSpPr>
-            <p:cNvPr id="118" name="文本框 117">
-              <a:extLst>
-                <a:ext uri="{FF2B5EF4-FFF2-40B4-BE49-F238E27FC236}">
-                  <a16:creationId xmlns:a16="http://schemas.microsoft.com/office/drawing/2014/main" id="{FBEABE1E-DE80-0E6F-A63E-A19A34918475}"/>
-                </a:ext>
-              </a:extLst>
-            </p:cNvPr>
+            <p:cNvPr id="118" name="文本框 117"/>
             <p:cNvSpPr txBox="1"/>
             <p:nvPr/>
           </p:nvSpPr>
@@ -24662,13 +24281,7 @@
       </p:grpSp>
       <p:grpSp>
         <p:nvGrpSpPr>
-          <p:cNvPr id="119" name="组合 118">
-            <a:extLst>
-              <a:ext uri="{FF2B5EF4-FFF2-40B4-BE49-F238E27FC236}">
-                <a16:creationId xmlns:a16="http://schemas.microsoft.com/office/drawing/2014/main" id="{A6DC54A4-E776-FC2A-C35E-D388804EFD54}"/>
-              </a:ext>
-            </a:extLst>
-          </p:cNvPr>
+          <p:cNvPr id="119" name="组合 118"/>
           <p:cNvGrpSpPr/>
           <p:nvPr/>
         </p:nvGrpSpPr>
@@ -24682,13 +24295,7 @@
         </p:grpSpPr>
         <p:sp>
           <p:nvSpPr>
-            <p:cNvPr id="121" name="椭圆 120">
-              <a:extLst>
-                <a:ext uri="{FF2B5EF4-FFF2-40B4-BE49-F238E27FC236}">
-                  <a16:creationId xmlns:a16="http://schemas.microsoft.com/office/drawing/2014/main" id="{683E4F57-2CCE-2CFC-16A4-13ABDB323480}"/>
-                </a:ext>
-              </a:extLst>
-            </p:cNvPr>
+            <p:cNvPr id="121" name="椭圆 120"/>
             <p:cNvSpPr/>
             <p:nvPr/>
           </p:nvSpPr>
@@ -24728,13 +24335,7 @@
         </p:sp>
         <p:sp>
           <p:nvSpPr>
-            <p:cNvPr id="122" name="文本框 121">
-              <a:extLst>
-                <a:ext uri="{FF2B5EF4-FFF2-40B4-BE49-F238E27FC236}">
-                  <a16:creationId xmlns:a16="http://schemas.microsoft.com/office/drawing/2014/main" id="{D29C28F1-1D28-E684-5864-EB0F16B5C618}"/>
-                </a:ext>
-              </a:extLst>
-            </p:cNvPr>
+            <p:cNvPr id="122" name="文本框 121"/>
             <p:cNvSpPr txBox="1"/>
             <p:nvPr/>
           </p:nvSpPr>
@@ -24785,13 +24386,7 @@
       </p:grpSp>
       <p:grpSp>
         <p:nvGrpSpPr>
-          <p:cNvPr id="123" name="组合 122">
-            <a:extLst>
-              <a:ext uri="{FF2B5EF4-FFF2-40B4-BE49-F238E27FC236}">
-                <a16:creationId xmlns:a16="http://schemas.microsoft.com/office/drawing/2014/main" id="{1C515CDC-53BA-4ABD-6B10-993E25B4FC86}"/>
-              </a:ext>
-            </a:extLst>
-          </p:cNvPr>
+          <p:cNvPr id="123" name="组合 122"/>
           <p:cNvGrpSpPr/>
           <p:nvPr/>
         </p:nvGrpSpPr>
@@ -24805,13 +24400,7 @@
         </p:grpSpPr>
         <p:sp>
           <p:nvSpPr>
-            <p:cNvPr id="124" name="椭圆 123">
-              <a:extLst>
-                <a:ext uri="{FF2B5EF4-FFF2-40B4-BE49-F238E27FC236}">
-                  <a16:creationId xmlns:a16="http://schemas.microsoft.com/office/drawing/2014/main" id="{0BF2C685-B5BE-831A-759C-962A8AD999AF}"/>
-                </a:ext>
-              </a:extLst>
-            </p:cNvPr>
+            <p:cNvPr id="124" name="椭圆 123"/>
             <p:cNvSpPr/>
             <p:nvPr/>
           </p:nvSpPr>
@@ -24851,13 +24440,7 @@
         </p:sp>
         <p:sp>
           <p:nvSpPr>
-            <p:cNvPr id="125" name="文本框 124">
-              <a:extLst>
-                <a:ext uri="{FF2B5EF4-FFF2-40B4-BE49-F238E27FC236}">
-                  <a16:creationId xmlns:a16="http://schemas.microsoft.com/office/drawing/2014/main" id="{2295FA37-CD68-A720-E4A6-A9848780DA8F}"/>
-                </a:ext>
-              </a:extLst>
-            </p:cNvPr>
+            <p:cNvPr id="125" name="文本框 124"/>
             <p:cNvSpPr txBox="1"/>
             <p:nvPr/>
           </p:nvSpPr>
@@ -24908,23 +24491,11 @@
       </p:grpSp>
       <p:graphicFrame>
         <p:nvGraphicFramePr>
-          <p:cNvPr id="126" name="表格 12">
-            <a:extLst>
-              <a:ext uri="{FF2B5EF4-FFF2-40B4-BE49-F238E27FC236}">
-                <a16:creationId xmlns:a16="http://schemas.microsoft.com/office/drawing/2014/main" id="{9D8CB727-F5EC-E157-F8FE-7ECAD67EAB17}"/>
-              </a:ext>
-            </a:extLst>
-          </p:cNvPr>
+          <p:cNvPr id="126" name="表格 12"/>
           <p:cNvGraphicFramePr>
             <a:graphicFrameLocks noGrp="1"/>
           </p:cNvGraphicFramePr>
-          <p:nvPr>
-            <p:extLst>
-              <p:ext uri="{D42A27DB-BD31-4B8C-83A1-F6EECF244321}">
-                <p14:modId xmlns:p14="http://schemas.microsoft.com/office/powerpoint/2010/main" val="736463097"/>
-              </p:ext>
-            </p:extLst>
-          </p:nvPr>
+          <p:nvPr/>
         </p:nvGraphicFramePr>
         <p:xfrm>
           <a:off x="1040491" y="3691493"/>
@@ -24940,42 +24511,42 @@
                 <a:gridCol w="530428">
                   <a:extLst>
                     <a:ext uri="{9D8B030D-6E8A-4147-A177-3AD203B41FA5}">
-                      <a16:colId xmlns:a16="http://schemas.microsoft.com/office/drawing/2014/main" val="2275868758"/>
+                      <a16:colId xmlns:a16="http://schemas.microsoft.com/office/drawing/2014/main" val="20000"/>
                     </a:ext>
                   </a:extLst>
                 </a:gridCol>
                 <a:gridCol w="530428">
                   <a:extLst>
                     <a:ext uri="{9D8B030D-6E8A-4147-A177-3AD203B41FA5}">
-                      <a16:colId xmlns:a16="http://schemas.microsoft.com/office/drawing/2014/main" val="2998771351"/>
+                      <a16:colId xmlns:a16="http://schemas.microsoft.com/office/drawing/2014/main" val="20001"/>
                     </a:ext>
                   </a:extLst>
                 </a:gridCol>
                 <a:gridCol w="529982">
                   <a:extLst>
                     <a:ext uri="{9D8B030D-6E8A-4147-A177-3AD203B41FA5}">
-                      <a16:colId xmlns:a16="http://schemas.microsoft.com/office/drawing/2014/main" val="3941015403"/>
+                      <a16:colId xmlns:a16="http://schemas.microsoft.com/office/drawing/2014/main" val="20002"/>
                     </a:ext>
                   </a:extLst>
                 </a:gridCol>
                 <a:gridCol w="530873">
                   <a:extLst>
                     <a:ext uri="{9D8B030D-6E8A-4147-A177-3AD203B41FA5}">
-                      <a16:colId xmlns:a16="http://schemas.microsoft.com/office/drawing/2014/main" val="216140276"/>
+                      <a16:colId xmlns:a16="http://schemas.microsoft.com/office/drawing/2014/main" val="20003"/>
                     </a:ext>
                   </a:extLst>
                 </a:gridCol>
                 <a:gridCol w="530428">
                   <a:extLst>
                     <a:ext uri="{9D8B030D-6E8A-4147-A177-3AD203B41FA5}">
-                      <a16:colId xmlns:a16="http://schemas.microsoft.com/office/drawing/2014/main" val="3886624520"/>
+                      <a16:colId xmlns:a16="http://schemas.microsoft.com/office/drawing/2014/main" val="20004"/>
                     </a:ext>
                   </a:extLst>
                 </a:gridCol>
                 <a:gridCol w="530428">
                   <a:extLst>
                     <a:ext uri="{9D8B030D-6E8A-4147-A177-3AD203B41FA5}">
-                      <a16:colId xmlns:a16="http://schemas.microsoft.com/office/drawing/2014/main" val="3773550806"/>
+                      <a16:colId xmlns:a16="http://schemas.microsoft.com/office/drawing/2014/main" val="20005"/>
                     </a:ext>
                   </a:extLst>
                 </a:gridCol>
@@ -25361,7 +24932,7 @@
                 </a:tc>
                 <a:extLst>
                   <a:ext uri="{0D108BD9-81ED-4DB2-BD59-A6C34878D82A}">
-                    <a16:rowId xmlns:a16="http://schemas.microsoft.com/office/drawing/2014/main" val="2508326307"/>
+                    <a16:rowId xmlns:a16="http://schemas.microsoft.com/office/drawing/2014/main" val="10000"/>
                   </a:ext>
                 </a:extLst>
               </a:tr>
@@ -25700,7 +25271,7 @@
                 </a:tc>
                 <a:extLst>
                   <a:ext uri="{0D108BD9-81ED-4DB2-BD59-A6C34878D82A}">
-                    <a16:rowId xmlns:a16="http://schemas.microsoft.com/office/drawing/2014/main" val="1017044772"/>
+                    <a16:rowId xmlns:a16="http://schemas.microsoft.com/office/drawing/2014/main" val="10001"/>
                   </a:ext>
                 </a:extLst>
               </a:tr>
@@ -26039,7 +25610,7 @@
                 </a:tc>
                 <a:extLst>
                   <a:ext uri="{0D108BD9-81ED-4DB2-BD59-A6C34878D82A}">
-                    <a16:rowId xmlns:a16="http://schemas.microsoft.com/office/drawing/2014/main" val="1929026840"/>
+                    <a16:rowId xmlns:a16="http://schemas.microsoft.com/office/drawing/2014/main" val="10002"/>
                   </a:ext>
                 </a:extLst>
               </a:tr>
@@ -26400,7 +25971,7 @@
                 </a:tc>
                 <a:extLst>
                   <a:ext uri="{0D108BD9-81ED-4DB2-BD59-A6C34878D82A}">
-                    <a16:rowId xmlns:a16="http://schemas.microsoft.com/office/drawing/2014/main" val="3833893501"/>
+                    <a16:rowId xmlns:a16="http://schemas.microsoft.com/office/drawing/2014/main" val="10003"/>
                   </a:ext>
                 </a:extLst>
               </a:tr>
@@ -26410,13 +25981,7 @@
       </p:graphicFrame>
       <p:sp>
         <p:nvSpPr>
-          <p:cNvPr id="127" name="文本框 126">
-            <a:extLst>
-              <a:ext uri="{FF2B5EF4-FFF2-40B4-BE49-F238E27FC236}">
-                <a16:creationId xmlns:a16="http://schemas.microsoft.com/office/drawing/2014/main" id="{C5235A56-5CF5-B8DD-1CD7-67594F603539}"/>
-              </a:ext>
-            </a:extLst>
-          </p:cNvPr>
+          <p:cNvPr id="127" name="文本框 126"/>
           <p:cNvSpPr txBox="1"/>
           <p:nvPr/>
         </p:nvSpPr>
@@ -26447,13 +26012,7 @@
       </p:sp>
       <p:sp>
         <p:nvSpPr>
-          <p:cNvPr id="128" name="文本框 127">
-            <a:extLst>
-              <a:ext uri="{FF2B5EF4-FFF2-40B4-BE49-F238E27FC236}">
-                <a16:creationId xmlns:a16="http://schemas.microsoft.com/office/drawing/2014/main" id="{B86BDF2A-4EA5-BBC5-4052-52532470AC79}"/>
-              </a:ext>
-            </a:extLst>
-          </p:cNvPr>
+          <p:cNvPr id="128" name="文本框 127"/>
           <p:cNvSpPr txBox="1"/>
           <p:nvPr/>
         </p:nvSpPr>
@@ -26491,13 +26050,7 @@
       </p:sp>
       <p:sp>
         <p:nvSpPr>
-          <p:cNvPr id="8" name="文本框 7">
-            <a:extLst>
-              <a:ext uri="{FF2B5EF4-FFF2-40B4-BE49-F238E27FC236}">
-                <a16:creationId xmlns:a16="http://schemas.microsoft.com/office/drawing/2014/main" id="{E8438DB8-15B9-332F-4488-26BCB71B3FC0}"/>
-              </a:ext>
-            </a:extLst>
-          </p:cNvPr>
+          <p:cNvPr id="8" name="文本框 7"/>
           <p:cNvSpPr txBox="1"/>
           <p:nvPr/>
         </p:nvSpPr>
@@ -26534,11 +26087,6 @@
         </p:txBody>
       </p:sp>
     </p:spTree>
-    <p:extLst>
-      <p:ext uri="{BB962C8B-B14F-4D97-AF65-F5344CB8AC3E}">
-        <p14:creationId xmlns:p14="http://schemas.microsoft.com/office/powerpoint/2010/main" val="535216727"/>
-      </p:ext>
-    </p:extLst>
   </p:cSld>
   <p:clrMapOvr>
     <a:masterClrMapping/>
@@ -26609,19 +26157,13 @@
               <a:rPr lang="en-US"/>
               <a:t>13</a:t>
             </a:fld>
-            <a:endParaRPr/>
+            <a:endParaRPr lang="en-US"/>
           </a:p>
         </p:txBody>
       </p:sp>
       <p:sp>
         <p:nvSpPr>
-          <p:cNvPr id="40" name="Google Shape;118;g1293d969190_0_0">
-            <a:extLst>
-              <a:ext uri="{FF2B5EF4-FFF2-40B4-BE49-F238E27FC236}">
-                <a16:creationId xmlns:a16="http://schemas.microsoft.com/office/drawing/2014/main" id="{B626EDFC-384F-0FF4-55C4-7183E24ABDFE}"/>
-              </a:ext>
-            </a:extLst>
-          </p:cNvPr>
+          <p:cNvPr id="40" name="Google Shape;118;g1293d969190_0_0"/>
           <p:cNvSpPr txBox="1"/>
           <p:nvPr/>
         </p:nvSpPr>
@@ -26658,7 +26200,7 @@
                 <a:srgbClr val="502984"/>
               </a:buClr>
               <a:buSzPts val="3200"/>
-              <a:buFont typeface="Times New Roman"/>
+              <a:buFont typeface="Times New Roman" panose="02020603050405020304"/>
               <a:buNone/>
             </a:pPr>
             <a:r>
@@ -26699,13 +26241,7 @@
       </p:sp>
       <p:sp>
         <p:nvSpPr>
-          <p:cNvPr id="42" name="椭圆 41">
-            <a:extLst>
-              <a:ext uri="{FF2B5EF4-FFF2-40B4-BE49-F238E27FC236}">
-                <a16:creationId xmlns:a16="http://schemas.microsoft.com/office/drawing/2014/main" id="{748C73FA-3209-86D9-BB94-4C8980CDC10B}"/>
-              </a:ext>
-            </a:extLst>
-          </p:cNvPr>
+          <p:cNvPr id="42" name="椭圆 41"/>
           <p:cNvSpPr/>
           <p:nvPr/>
         </p:nvSpPr>
@@ -26749,13 +26285,7 @@
       </p:sp>
       <p:sp>
         <p:nvSpPr>
-          <p:cNvPr id="66" name="文本框 65">
-            <a:extLst>
-              <a:ext uri="{FF2B5EF4-FFF2-40B4-BE49-F238E27FC236}">
-                <a16:creationId xmlns:a16="http://schemas.microsoft.com/office/drawing/2014/main" id="{C6D012E6-FE43-D6DA-14B0-86C89ED573B5}"/>
-              </a:ext>
-            </a:extLst>
-          </p:cNvPr>
+          <p:cNvPr id="66" name="文本框 65"/>
           <p:cNvSpPr txBox="1"/>
           <p:nvPr/>
         </p:nvSpPr>
@@ -26780,7 +26310,7 @@
                 <a:solidFill>
                   <a:srgbClr val="333333"/>
                 </a:solidFill>
-                <a:latin typeface="tahoma" panose="020B0604030504040204" pitchFamily="34" charset="0"/>
+                <a:latin typeface="Tahoma" panose="020B0604030504040204" pitchFamily="34" charset="0"/>
               </a:rPr>
               <a:t>If there are a </a:t>
             </a:r>
@@ -26789,7 +26319,7 @@
                 <a:solidFill>
                   <a:srgbClr val="FF0000"/>
                 </a:solidFill>
-                <a:latin typeface="tahoma" panose="020B0604030504040204" pitchFamily="34" charset="0"/>
+                <a:latin typeface="Tahoma" panose="020B0604030504040204" pitchFamily="34" charset="0"/>
               </a:rPr>
               <a:t>couple</a:t>
             </a:r>
@@ -26798,7 +26328,7 @@
                 <a:solidFill>
                   <a:srgbClr val="333333"/>
                 </a:solidFill>
-                <a:latin typeface="tahoma" panose="020B0604030504040204" pitchFamily="34" charset="0"/>
+                <a:latin typeface="Tahoma" panose="020B0604030504040204" pitchFamily="34" charset="0"/>
               </a:rPr>
               <a:t> </a:t>
             </a:r>
@@ -26807,7 +26337,7 @@
                 <a:solidFill>
                   <a:schemeClr val="accent1"/>
                 </a:solidFill>
-                <a:latin typeface="tahoma" panose="020B0604030504040204" pitchFamily="34" charset="0"/>
+                <a:latin typeface="Tahoma" panose="020B0604030504040204" pitchFamily="34" charset="0"/>
               </a:rPr>
               <a:t>TIT FOR TATs</a:t>
             </a:r>
@@ -26816,7 +26346,7 @@
                 <a:solidFill>
                   <a:srgbClr val="333333"/>
                 </a:solidFill>
-                <a:latin typeface="tahoma" panose="020B0604030504040204" pitchFamily="34" charset="0"/>
+                <a:latin typeface="Tahoma" panose="020B0604030504040204" pitchFamily="34" charset="0"/>
               </a:rPr>
               <a:t>, then they could gain more from one another than they loss to the defector in the tournaments.</a:t>
             </a:r>
@@ -26830,13 +26360,7 @@
       </p:sp>
       <p:sp>
         <p:nvSpPr>
-          <p:cNvPr id="35" name="文本框 34">
-            <a:extLst>
-              <a:ext uri="{FF2B5EF4-FFF2-40B4-BE49-F238E27FC236}">
-                <a16:creationId xmlns:a16="http://schemas.microsoft.com/office/drawing/2014/main" id="{0D9D5A07-163D-E03E-8F12-C87BF3C3DEBD}"/>
-              </a:ext>
-            </a:extLst>
-          </p:cNvPr>
+          <p:cNvPr id="35" name="文本框 34"/>
           <p:cNvSpPr txBox="1"/>
           <p:nvPr/>
         </p:nvSpPr>
@@ -26886,13 +26410,7 @@
       </p:sp>
       <p:grpSp>
         <p:nvGrpSpPr>
-          <p:cNvPr id="74" name="组合 73">
-            <a:extLst>
-              <a:ext uri="{FF2B5EF4-FFF2-40B4-BE49-F238E27FC236}">
-                <a16:creationId xmlns:a16="http://schemas.microsoft.com/office/drawing/2014/main" id="{0F2C17EA-8424-65C1-CF91-DED52A2FF3E4}"/>
-              </a:ext>
-            </a:extLst>
-          </p:cNvPr>
+          <p:cNvPr id="74" name="组合 73"/>
           <p:cNvGrpSpPr/>
           <p:nvPr/>
         </p:nvGrpSpPr>
@@ -26906,13 +26424,7 @@
         </p:grpSpPr>
         <p:sp>
           <p:nvSpPr>
-            <p:cNvPr id="75" name="椭圆 74">
-              <a:extLst>
-                <a:ext uri="{FF2B5EF4-FFF2-40B4-BE49-F238E27FC236}">
-                  <a16:creationId xmlns:a16="http://schemas.microsoft.com/office/drawing/2014/main" id="{19AA252E-E4F7-C6AB-067C-1126F0951751}"/>
-                </a:ext>
-              </a:extLst>
-            </p:cNvPr>
+            <p:cNvPr id="75" name="椭圆 74"/>
             <p:cNvSpPr/>
             <p:nvPr/>
           </p:nvSpPr>
@@ -26952,13 +26464,7 @@
         </p:sp>
         <p:sp>
           <p:nvSpPr>
-            <p:cNvPr id="76" name="文本框 75">
-              <a:extLst>
-                <a:ext uri="{FF2B5EF4-FFF2-40B4-BE49-F238E27FC236}">
-                  <a16:creationId xmlns:a16="http://schemas.microsoft.com/office/drawing/2014/main" id="{8F5A8EAC-24C5-C897-9639-AC72D08173CC}"/>
-                </a:ext>
-              </a:extLst>
-            </p:cNvPr>
+            <p:cNvPr id="76" name="文本框 75"/>
             <p:cNvSpPr txBox="1"/>
             <p:nvPr/>
           </p:nvSpPr>
@@ -27009,13 +26515,7 @@
       </p:grpSp>
       <p:grpSp>
         <p:nvGrpSpPr>
-          <p:cNvPr id="83" name="组合 82">
-            <a:extLst>
-              <a:ext uri="{FF2B5EF4-FFF2-40B4-BE49-F238E27FC236}">
-                <a16:creationId xmlns:a16="http://schemas.microsoft.com/office/drawing/2014/main" id="{EB249F7D-0055-980B-A779-DC979A00B5ED}"/>
-              </a:ext>
-            </a:extLst>
-          </p:cNvPr>
+          <p:cNvPr id="83" name="组合 82"/>
           <p:cNvGrpSpPr/>
           <p:nvPr/>
         </p:nvGrpSpPr>
@@ -27029,13 +26529,7 @@
         </p:grpSpPr>
         <p:sp>
           <p:nvSpPr>
-            <p:cNvPr id="84" name="椭圆 83">
-              <a:extLst>
-                <a:ext uri="{FF2B5EF4-FFF2-40B4-BE49-F238E27FC236}">
-                  <a16:creationId xmlns:a16="http://schemas.microsoft.com/office/drawing/2014/main" id="{6FF89351-9A4E-E275-4115-25C6E69F1C98}"/>
-                </a:ext>
-              </a:extLst>
-            </p:cNvPr>
+            <p:cNvPr id="84" name="椭圆 83"/>
             <p:cNvSpPr/>
             <p:nvPr/>
           </p:nvSpPr>
@@ -27075,13 +26569,7 @@
         </p:sp>
         <p:sp>
           <p:nvSpPr>
-            <p:cNvPr id="85" name="文本框 84">
-              <a:extLst>
-                <a:ext uri="{FF2B5EF4-FFF2-40B4-BE49-F238E27FC236}">
-                  <a16:creationId xmlns:a16="http://schemas.microsoft.com/office/drawing/2014/main" id="{3ED66C3F-1D7E-3E75-649A-C44C62626AD9}"/>
-                </a:ext>
-              </a:extLst>
-            </p:cNvPr>
+            <p:cNvPr id="85" name="文本框 84"/>
             <p:cNvSpPr txBox="1"/>
             <p:nvPr/>
           </p:nvSpPr>
@@ -27132,13 +26620,7 @@
       </p:grpSp>
       <p:grpSp>
         <p:nvGrpSpPr>
-          <p:cNvPr id="86" name="组合 85">
-            <a:extLst>
-              <a:ext uri="{FF2B5EF4-FFF2-40B4-BE49-F238E27FC236}">
-                <a16:creationId xmlns:a16="http://schemas.microsoft.com/office/drawing/2014/main" id="{F19518C0-ADED-6295-6D70-A539762D6C56}"/>
-              </a:ext>
-            </a:extLst>
-          </p:cNvPr>
+          <p:cNvPr id="86" name="组合 85"/>
           <p:cNvGrpSpPr/>
           <p:nvPr/>
         </p:nvGrpSpPr>
@@ -27152,13 +26634,7 @@
         </p:grpSpPr>
         <p:sp>
           <p:nvSpPr>
-            <p:cNvPr id="87" name="椭圆 86">
-              <a:extLst>
-                <a:ext uri="{FF2B5EF4-FFF2-40B4-BE49-F238E27FC236}">
-                  <a16:creationId xmlns:a16="http://schemas.microsoft.com/office/drawing/2014/main" id="{33594193-D925-9CAF-EDAB-9FA68B157B94}"/>
-                </a:ext>
-              </a:extLst>
-            </p:cNvPr>
+            <p:cNvPr id="87" name="椭圆 86"/>
             <p:cNvSpPr/>
             <p:nvPr/>
           </p:nvSpPr>
@@ -27198,13 +26674,7 @@
         </p:sp>
         <p:sp>
           <p:nvSpPr>
-            <p:cNvPr id="88" name="文本框 87">
-              <a:extLst>
-                <a:ext uri="{FF2B5EF4-FFF2-40B4-BE49-F238E27FC236}">
-                  <a16:creationId xmlns:a16="http://schemas.microsoft.com/office/drawing/2014/main" id="{9D1B4228-CE89-D32B-1959-6BE45C461215}"/>
-                </a:ext>
-              </a:extLst>
-            </p:cNvPr>
+            <p:cNvPr id="88" name="文本框 87"/>
             <p:cNvSpPr txBox="1"/>
             <p:nvPr/>
           </p:nvSpPr>
@@ -27255,13 +26725,7 @@
       </p:grpSp>
       <p:grpSp>
         <p:nvGrpSpPr>
-          <p:cNvPr id="89" name="组合 88">
-            <a:extLst>
-              <a:ext uri="{FF2B5EF4-FFF2-40B4-BE49-F238E27FC236}">
-                <a16:creationId xmlns:a16="http://schemas.microsoft.com/office/drawing/2014/main" id="{0C735566-9BD2-ED8E-ADD5-ED50020B3BAD}"/>
-              </a:ext>
-            </a:extLst>
-          </p:cNvPr>
+          <p:cNvPr id="89" name="组合 88"/>
           <p:cNvGrpSpPr/>
           <p:nvPr/>
         </p:nvGrpSpPr>
@@ -27275,13 +26739,7 @@
         </p:grpSpPr>
         <p:sp>
           <p:nvSpPr>
-            <p:cNvPr id="90" name="椭圆 89">
-              <a:extLst>
-                <a:ext uri="{FF2B5EF4-FFF2-40B4-BE49-F238E27FC236}">
-                  <a16:creationId xmlns:a16="http://schemas.microsoft.com/office/drawing/2014/main" id="{F03FF941-26B3-D983-46CC-2C0518A7DBE0}"/>
-                </a:ext>
-              </a:extLst>
-            </p:cNvPr>
+            <p:cNvPr id="90" name="椭圆 89"/>
             <p:cNvSpPr/>
             <p:nvPr/>
           </p:nvSpPr>
@@ -27321,13 +26779,7 @@
         </p:sp>
         <p:sp>
           <p:nvSpPr>
-            <p:cNvPr id="91" name="文本框 90">
-              <a:extLst>
-                <a:ext uri="{FF2B5EF4-FFF2-40B4-BE49-F238E27FC236}">
-                  <a16:creationId xmlns:a16="http://schemas.microsoft.com/office/drawing/2014/main" id="{0A211783-47B3-42C3-6A45-B17C91D9CD98}"/>
-                </a:ext>
-              </a:extLst>
-            </p:cNvPr>
+            <p:cNvPr id="91" name="文本框 90"/>
             <p:cNvSpPr txBox="1"/>
             <p:nvPr/>
           </p:nvSpPr>
@@ -27378,13 +26830,7 @@
       </p:grpSp>
       <p:grpSp>
         <p:nvGrpSpPr>
-          <p:cNvPr id="95" name="组合 94">
-            <a:extLst>
-              <a:ext uri="{FF2B5EF4-FFF2-40B4-BE49-F238E27FC236}">
-                <a16:creationId xmlns:a16="http://schemas.microsoft.com/office/drawing/2014/main" id="{B2ACFBCD-7E3E-88BC-E905-8C5B0155619A}"/>
-              </a:ext>
-            </a:extLst>
-          </p:cNvPr>
+          <p:cNvPr id="95" name="组合 94"/>
           <p:cNvGrpSpPr/>
           <p:nvPr/>
         </p:nvGrpSpPr>
@@ -27398,13 +26844,7 @@
         </p:grpSpPr>
         <p:sp>
           <p:nvSpPr>
-            <p:cNvPr id="96" name="椭圆 95">
-              <a:extLst>
-                <a:ext uri="{FF2B5EF4-FFF2-40B4-BE49-F238E27FC236}">
-                  <a16:creationId xmlns:a16="http://schemas.microsoft.com/office/drawing/2014/main" id="{F9C23B10-234C-B3B0-5D40-8DA208871085}"/>
-                </a:ext>
-              </a:extLst>
-            </p:cNvPr>
+            <p:cNvPr id="96" name="椭圆 95"/>
             <p:cNvSpPr/>
             <p:nvPr/>
           </p:nvSpPr>
@@ -27444,13 +26884,7 @@
         </p:sp>
         <p:sp>
           <p:nvSpPr>
-            <p:cNvPr id="97" name="文本框 96">
-              <a:extLst>
-                <a:ext uri="{FF2B5EF4-FFF2-40B4-BE49-F238E27FC236}">
-                  <a16:creationId xmlns:a16="http://schemas.microsoft.com/office/drawing/2014/main" id="{79F82EAB-4A4C-23F9-A9D9-5B40FE969BA1}"/>
-                </a:ext>
-              </a:extLst>
-            </p:cNvPr>
+            <p:cNvPr id="97" name="文本框 96"/>
             <p:cNvSpPr txBox="1"/>
             <p:nvPr/>
           </p:nvSpPr>
@@ -27501,13 +26935,7 @@
       </p:grpSp>
       <p:grpSp>
         <p:nvGrpSpPr>
-          <p:cNvPr id="98" name="组合 97">
-            <a:extLst>
-              <a:ext uri="{FF2B5EF4-FFF2-40B4-BE49-F238E27FC236}">
-                <a16:creationId xmlns:a16="http://schemas.microsoft.com/office/drawing/2014/main" id="{35DB1870-96E4-F856-5650-ABB0DDBC9BC8}"/>
-              </a:ext>
-            </a:extLst>
-          </p:cNvPr>
+          <p:cNvPr id="98" name="组合 97"/>
           <p:cNvGrpSpPr/>
           <p:nvPr/>
         </p:nvGrpSpPr>
@@ -27521,13 +26949,7 @@
         </p:grpSpPr>
         <p:sp>
           <p:nvSpPr>
-            <p:cNvPr id="99" name="椭圆 98">
-              <a:extLst>
-                <a:ext uri="{FF2B5EF4-FFF2-40B4-BE49-F238E27FC236}">
-                  <a16:creationId xmlns:a16="http://schemas.microsoft.com/office/drawing/2014/main" id="{A730A858-6588-0C44-3F0F-E2D66BA8FD1A}"/>
-                </a:ext>
-              </a:extLst>
-            </p:cNvPr>
+            <p:cNvPr id="99" name="椭圆 98"/>
             <p:cNvSpPr/>
             <p:nvPr/>
           </p:nvSpPr>
@@ -27567,13 +26989,7 @@
         </p:sp>
         <p:sp>
           <p:nvSpPr>
-            <p:cNvPr id="100" name="文本框 99">
-              <a:extLst>
-                <a:ext uri="{FF2B5EF4-FFF2-40B4-BE49-F238E27FC236}">
-                  <a16:creationId xmlns:a16="http://schemas.microsoft.com/office/drawing/2014/main" id="{EEEDC3F5-507C-6621-3EB5-C5FC9964FE09}"/>
-                </a:ext>
-              </a:extLst>
-            </p:cNvPr>
+            <p:cNvPr id="100" name="文本框 99"/>
             <p:cNvSpPr txBox="1"/>
             <p:nvPr/>
           </p:nvSpPr>
@@ -27624,13 +27040,7 @@
       </p:grpSp>
       <p:grpSp>
         <p:nvGrpSpPr>
-          <p:cNvPr id="101" name="组合 100">
-            <a:extLst>
-              <a:ext uri="{FF2B5EF4-FFF2-40B4-BE49-F238E27FC236}">
-                <a16:creationId xmlns:a16="http://schemas.microsoft.com/office/drawing/2014/main" id="{DCB93A45-6826-D184-69EC-52D51DFF18C8}"/>
-              </a:ext>
-            </a:extLst>
-          </p:cNvPr>
+          <p:cNvPr id="101" name="组合 100"/>
           <p:cNvGrpSpPr/>
           <p:nvPr/>
         </p:nvGrpSpPr>
@@ -27644,13 +27054,7 @@
         </p:grpSpPr>
         <p:sp>
           <p:nvSpPr>
-            <p:cNvPr id="102" name="椭圆 101">
-              <a:extLst>
-                <a:ext uri="{FF2B5EF4-FFF2-40B4-BE49-F238E27FC236}">
-                  <a16:creationId xmlns:a16="http://schemas.microsoft.com/office/drawing/2014/main" id="{17388541-3824-2300-27EC-60B15BB02D38}"/>
-                </a:ext>
-              </a:extLst>
-            </p:cNvPr>
+            <p:cNvPr id="102" name="椭圆 101"/>
             <p:cNvSpPr/>
             <p:nvPr/>
           </p:nvSpPr>
@@ -27690,13 +27094,7 @@
         </p:sp>
         <p:sp>
           <p:nvSpPr>
-            <p:cNvPr id="103" name="文本框 102">
-              <a:extLst>
-                <a:ext uri="{FF2B5EF4-FFF2-40B4-BE49-F238E27FC236}">
-                  <a16:creationId xmlns:a16="http://schemas.microsoft.com/office/drawing/2014/main" id="{35CA30A4-E4F2-8109-A384-49BE6B77B28C}"/>
-                </a:ext>
-              </a:extLst>
-            </p:cNvPr>
+            <p:cNvPr id="103" name="文本框 102"/>
             <p:cNvSpPr txBox="1"/>
             <p:nvPr/>
           </p:nvSpPr>
@@ -27747,13 +27145,7 @@
       </p:grpSp>
       <p:grpSp>
         <p:nvGrpSpPr>
-          <p:cNvPr id="104" name="组合 103">
-            <a:extLst>
-              <a:ext uri="{FF2B5EF4-FFF2-40B4-BE49-F238E27FC236}">
-                <a16:creationId xmlns:a16="http://schemas.microsoft.com/office/drawing/2014/main" id="{3950D8F2-07D6-D362-DC6C-9DA8826DFDC5}"/>
-              </a:ext>
-            </a:extLst>
-          </p:cNvPr>
+          <p:cNvPr id="104" name="组合 103"/>
           <p:cNvGrpSpPr/>
           <p:nvPr/>
         </p:nvGrpSpPr>
@@ -27767,13 +27159,7 @@
         </p:grpSpPr>
         <p:sp>
           <p:nvSpPr>
-            <p:cNvPr id="105" name="椭圆 104">
-              <a:extLst>
-                <a:ext uri="{FF2B5EF4-FFF2-40B4-BE49-F238E27FC236}">
-                  <a16:creationId xmlns:a16="http://schemas.microsoft.com/office/drawing/2014/main" id="{7907FF21-01CF-A42E-7558-3BBF5C22153B}"/>
-                </a:ext>
-              </a:extLst>
-            </p:cNvPr>
+            <p:cNvPr id="105" name="椭圆 104"/>
             <p:cNvSpPr/>
             <p:nvPr/>
           </p:nvSpPr>
@@ -27813,13 +27199,7 @@
         </p:sp>
         <p:sp>
           <p:nvSpPr>
-            <p:cNvPr id="106" name="文本框 105">
-              <a:extLst>
-                <a:ext uri="{FF2B5EF4-FFF2-40B4-BE49-F238E27FC236}">
-                  <a16:creationId xmlns:a16="http://schemas.microsoft.com/office/drawing/2014/main" id="{B276A7A4-42E1-23A6-1E70-3B912DE0D200}"/>
-                </a:ext>
-              </a:extLst>
-            </p:cNvPr>
+            <p:cNvPr id="106" name="文本框 105"/>
             <p:cNvSpPr txBox="1"/>
             <p:nvPr/>
           </p:nvSpPr>
@@ -27870,13 +27250,7 @@
       </p:grpSp>
       <p:grpSp>
         <p:nvGrpSpPr>
-          <p:cNvPr id="107" name="组合 106">
-            <a:extLst>
-              <a:ext uri="{FF2B5EF4-FFF2-40B4-BE49-F238E27FC236}">
-                <a16:creationId xmlns:a16="http://schemas.microsoft.com/office/drawing/2014/main" id="{DF7C7E89-05D8-B36F-6B92-B1D36E2E19DA}"/>
-              </a:ext>
-            </a:extLst>
-          </p:cNvPr>
+          <p:cNvPr id="107" name="组合 106"/>
           <p:cNvGrpSpPr/>
           <p:nvPr/>
         </p:nvGrpSpPr>
@@ -27890,13 +27264,7 @@
         </p:grpSpPr>
         <p:sp>
           <p:nvSpPr>
-            <p:cNvPr id="108" name="椭圆 107">
-              <a:extLst>
-                <a:ext uri="{FF2B5EF4-FFF2-40B4-BE49-F238E27FC236}">
-                  <a16:creationId xmlns:a16="http://schemas.microsoft.com/office/drawing/2014/main" id="{44E2A2DE-42AC-29EA-5922-18D3ABDC6791}"/>
-                </a:ext>
-              </a:extLst>
-            </p:cNvPr>
+            <p:cNvPr id="108" name="椭圆 107"/>
             <p:cNvSpPr/>
             <p:nvPr/>
           </p:nvSpPr>
@@ -27936,13 +27304,7 @@
         </p:sp>
         <p:sp>
           <p:nvSpPr>
-            <p:cNvPr id="109" name="文本框 108">
-              <a:extLst>
-                <a:ext uri="{FF2B5EF4-FFF2-40B4-BE49-F238E27FC236}">
-                  <a16:creationId xmlns:a16="http://schemas.microsoft.com/office/drawing/2014/main" id="{A6CD08B3-219F-8750-C336-0AC694E4F038}"/>
-                </a:ext>
-              </a:extLst>
-            </p:cNvPr>
+            <p:cNvPr id="109" name="文本框 108"/>
             <p:cNvSpPr txBox="1"/>
             <p:nvPr/>
           </p:nvSpPr>
@@ -27993,13 +27355,7 @@
       </p:grpSp>
       <p:grpSp>
         <p:nvGrpSpPr>
-          <p:cNvPr id="110" name="组合 109">
-            <a:extLst>
-              <a:ext uri="{FF2B5EF4-FFF2-40B4-BE49-F238E27FC236}">
-                <a16:creationId xmlns:a16="http://schemas.microsoft.com/office/drawing/2014/main" id="{7CC5735F-5727-739E-B4B9-B9571F68B416}"/>
-              </a:ext>
-            </a:extLst>
-          </p:cNvPr>
+          <p:cNvPr id="110" name="组合 109"/>
           <p:cNvGrpSpPr/>
           <p:nvPr/>
         </p:nvGrpSpPr>
@@ -28013,13 +27369,7 @@
         </p:grpSpPr>
         <p:sp>
           <p:nvSpPr>
-            <p:cNvPr id="111" name="椭圆 110">
-              <a:extLst>
-                <a:ext uri="{FF2B5EF4-FFF2-40B4-BE49-F238E27FC236}">
-                  <a16:creationId xmlns:a16="http://schemas.microsoft.com/office/drawing/2014/main" id="{BB0E9942-3CDC-4DBD-2319-D7F1C358AE69}"/>
-                </a:ext>
-              </a:extLst>
-            </p:cNvPr>
+            <p:cNvPr id="111" name="椭圆 110"/>
             <p:cNvSpPr/>
             <p:nvPr/>
           </p:nvSpPr>
@@ -28059,13 +27409,7 @@
         </p:sp>
         <p:sp>
           <p:nvSpPr>
-            <p:cNvPr id="112" name="文本框 111">
-              <a:extLst>
-                <a:ext uri="{FF2B5EF4-FFF2-40B4-BE49-F238E27FC236}">
-                  <a16:creationId xmlns:a16="http://schemas.microsoft.com/office/drawing/2014/main" id="{53D1D9F3-5F54-9B4E-C558-D06B407EAB81}"/>
-                </a:ext>
-              </a:extLst>
-            </p:cNvPr>
+            <p:cNvPr id="112" name="文本框 111"/>
             <p:cNvSpPr txBox="1"/>
             <p:nvPr/>
           </p:nvSpPr>
@@ -28116,13 +27460,7 @@
       </p:grpSp>
       <p:grpSp>
         <p:nvGrpSpPr>
-          <p:cNvPr id="113" name="组合 112">
-            <a:extLst>
-              <a:ext uri="{FF2B5EF4-FFF2-40B4-BE49-F238E27FC236}">
-                <a16:creationId xmlns:a16="http://schemas.microsoft.com/office/drawing/2014/main" id="{297CCCF0-A115-59D3-423C-F66B98431A93}"/>
-              </a:ext>
-            </a:extLst>
-          </p:cNvPr>
+          <p:cNvPr id="113" name="组合 112"/>
           <p:cNvGrpSpPr/>
           <p:nvPr/>
         </p:nvGrpSpPr>
@@ -28136,13 +27474,7 @@
         </p:grpSpPr>
         <p:sp>
           <p:nvSpPr>
-            <p:cNvPr id="114" name="椭圆 113">
-              <a:extLst>
-                <a:ext uri="{FF2B5EF4-FFF2-40B4-BE49-F238E27FC236}">
-                  <a16:creationId xmlns:a16="http://schemas.microsoft.com/office/drawing/2014/main" id="{3735B77B-C35B-7781-F5E1-B6E7E0CE9C5F}"/>
-                </a:ext>
-              </a:extLst>
-            </p:cNvPr>
+            <p:cNvPr id="114" name="椭圆 113"/>
             <p:cNvSpPr/>
             <p:nvPr/>
           </p:nvSpPr>
@@ -28182,13 +27514,7 @@
         </p:sp>
         <p:sp>
           <p:nvSpPr>
-            <p:cNvPr id="115" name="文本框 114">
-              <a:extLst>
-                <a:ext uri="{FF2B5EF4-FFF2-40B4-BE49-F238E27FC236}">
-                  <a16:creationId xmlns:a16="http://schemas.microsoft.com/office/drawing/2014/main" id="{22E76C62-7B77-7394-3472-6BA5D681F72B}"/>
-                </a:ext>
-              </a:extLst>
-            </p:cNvPr>
+            <p:cNvPr id="115" name="文本框 114"/>
             <p:cNvSpPr txBox="1"/>
             <p:nvPr/>
           </p:nvSpPr>
@@ -28239,13 +27565,7 @@
       </p:grpSp>
       <p:grpSp>
         <p:nvGrpSpPr>
-          <p:cNvPr id="116" name="组合 115">
-            <a:extLst>
-              <a:ext uri="{FF2B5EF4-FFF2-40B4-BE49-F238E27FC236}">
-                <a16:creationId xmlns:a16="http://schemas.microsoft.com/office/drawing/2014/main" id="{87482397-8FBD-75EB-62E8-CE71E0973F8B}"/>
-              </a:ext>
-            </a:extLst>
-          </p:cNvPr>
+          <p:cNvPr id="116" name="组合 115"/>
           <p:cNvGrpSpPr/>
           <p:nvPr/>
         </p:nvGrpSpPr>
@@ -28259,13 +27579,7 @@
         </p:grpSpPr>
         <p:sp>
           <p:nvSpPr>
-            <p:cNvPr id="117" name="椭圆 116">
-              <a:extLst>
-                <a:ext uri="{FF2B5EF4-FFF2-40B4-BE49-F238E27FC236}">
-                  <a16:creationId xmlns:a16="http://schemas.microsoft.com/office/drawing/2014/main" id="{B828F2B4-51F9-A9AE-4D4E-1FF58500D3E1}"/>
-                </a:ext>
-              </a:extLst>
-            </p:cNvPr>
+            <p:cNvPr id="117" name="椭圆 116"/>
             <p:cNvSpPr/>
             <p:nvPr/>
           </p:nvSpPr>
@@ -28305,13 +27619,7 @@
         </p:sp>
         <p:sp>
           <p:nvSpPr>
-            <p:cNvPr id="118" name="文本框 117">
-              <a:extLst>
-                <a:ext uri="{FF2B5EF4-FFF2-40B4-BE49-F238E27FC236}">
-                  <a16:creationId xmlns:a16="http://schemas.microsoft.com/office/drawing/2014/main" id="{FBEABE1E-DE80-0E6F-A63E-A19A34918475}"/>
-                </a:ext>
-              </a:extLst>
-            </p:cNvPr>
+            <p:cNvPr id="118" name="文本框 117"/>
             <p:cNvSpPr txBox="1"/>
             <p:nvPr/>
           </p:nvSpPr>
@@ -28362,13 +27670,7 @@
       </p:grpSp>
       <p:grpSp>
         <p:nvGrpSpPr>
-          <p:cNvPr id="119" name="组合 118">
-            <a:extLst>
-              <a:ext uri="{FF2B5EF4-FFF2-40B4-BE49-F238E27FC236}">
-                <a16:creationId xmlns:a16="http://schemas.microsoft.com/office/drawing/2014/main" id="{A6DC54A4-E776-FC2A-C35E-D388804EFD54}"/>
-              </a:ext>
-            </a:extLst>
-          </p:cNvPr>
+          <p:cNvPr id="119" name="组合 118"/>
           <p:cNvGrpSpPr/>
           <p:nvPr/>
         </p:nvGrpSpPr>
@@ -28382,13 +27684,7 @@
         </p:grpSpPr>
         <p:sp>
           <p:nvSpPr>
-            <p:cNvPr id="121" name="椭圆 120">
-              <a:extLst>
-                <a:ext uri="{FF2B5EF4-FFF2-40B4-BE49-F238E27FC236}">
-                  <a16:creationId xmlns:a16="http://schemas.microsoft.com/office/drawing/2014/main" id="{683E4F57-2CCE-2CFC-16A4-13ABDB323480}"/>
-                </a:ext>
-              </a:extLst>
-            </p:cNvPr>
+            <p:cNvPr id="121" name="椭圆 120"/>
             <p:cNvSpPr/>
             <p:nvPr/>
           </p:nvSpPr>
@@ -28428,13 +27724,7 @@
         </p:sp>
         <p:sp>
           <p:nvSpPr>
-            <p:cNvPr id="122" name="文本框 121">
-              <a:extLst>
-                <a:ext uri="{FF2B5EF4-FFF2-40B4-BE49-F238E27FC236}">
-                  <a16:creationId xmlns:a16="http://schemas.microsoft.com/office/drawing/2014/main" id="{D29C28F1-1D28-E684-5864-EB0F16B5C618}"/>
-                </a:ext>
-              </a:extLst>
-            </p:cNvPr>
+            <p:cNvPr id="122" name="文本框 121"/>
             <p:cNvSpPr txBox="1"/>
             <p:nvPr/>
           </p:nvSpPr>
@@ -28485,13 +27775,7 @@
       </p:grpSp>
       <p:grpSp>
         <p:nvGrpSpPr>
-          <p:cNvPr id="123" name="组合 122">
-            <a:extLst>
-              <a:ext uri="{FF2B5EF4-FFF2-40B4-BE49-F238E27FC236}">
-                <a16:creationId xmlns:a16="http://schemas.microsoft.com/office/drawing/2014/main" id="{1C515CDC-53BA-4ABD-6B10-993E25B4FC86}"/>
-              </a:ext>
-            </a:extLst>
-          </p:cNvPr>
+          <p:cNvPr id="123" name="组合 122"/>
           <p:cNvGrpSpPr/>
           <p:nvPr/>
         </p:nvGrpSpPr>
@@ -28505,13 +27789,7 @@
         </p:grpSpPr>
         <p:sp>
           <p:nvSpPr>
-            <p:cNvPr id="124" name="椭圆 123">
-              <a:extLst>
-                <a:ext uri="{FF2B5EF4-FFF2-40B4-BE49-F238E27FC236}">
-                  <a16:creationId xmlns:a16="http://schemas.microsoft.com/office/drawing/2014/main" id="{0BF2C685-B5BE-831A-759C-962A8AD999AF}"/>
-                </a:ext>
-              </a:extLst>
-            </p:cNvPr>
+            <p:cNvPr id="124" name="椭圆 123"/>
             <p:cNvSpPr/>
             <p:nvPr/>
           </p:nvSpPr>
@@ -28551,13 +27829,7 @@
         </p:sp>
         <p:sp>
           <p:nvSpPr>
-            <p:cNvPr id="125" name="文本框 124">
-              <a:extLst>
-                <a:ext uri="{FF2B5EF4-FFF2-40B4-BE49-F238E27FC236}">
-                  <a16:creationId xmlns:a16="http://schemas.microsoft.com/office/drawing/2014/main" id="{2295FA37-CD68-A720-E4A6-A9848780DA8F}"/>
-                </a:ext>
-              </a:extLst>
-            </p:cNvPr>
+            <p:cNvPr id="125" name="文本框 124"/>
             <p:cNvSpPr txBox="1"/>
             <p:nvPr/>
           </p:nvSpPr>
@@ -28608,23 +27880,11 @@
       </p:grpSp>
       <p:graphicFrame>
         <p:nvGraphicFramePr>
-          <p:cNvPr id="126" name="表格 12">
-            <a:extLst>
-              <a:ext uri="{FF2B5EF4-FFF2-40B4-BE49-F238E27FC236}">
-                <a16:creationId xmlns:a16="http://schemas.microsoft.com/office/drawing/2014/main" id="{9D8CB727-F5EC-E157-F8FE-7ECAD67EAB17}"/>
-              </a:ext>
-            </a:extLst>
-          </p:cNvPr>
+          <p:cNvPr id="126" name="表格 12"/>
           <p:cNvGraphicFramePr>
             <a:graphicFrameLocks noGrp="1"/>
           </p:cNvGraphicFramePr>
-          <p:nvPr>
-            <p:extLst>
-              <p:ext uri="{D42A27DB-BD31-4B8C-83A1-F6EECF244321}">
-                <p14:modId xmlns:p14="http://schemas.microsoft.com/office/powerpoint/2010/main" val="3927377855"/>
-              </p:ext>
-            </p:extLst>
-          </p:nvPr>
+          <p:nvPr/>
         </p:nvGraphicFramePr>
         <p:xfrm>
           <a:off x="903166" y="3656674"/>
@@ -28640,42 +27900,42 @@
                 <a:gridCol w="530428">
                   <a:extLst>
                     <a:ext uri="{9D8B030D-6E8A-4147-A177-3AD203B41FA5}">
-                      <a16:colId xmlns:a16="http://schemas.microsoft.com/office/drawing/2014/main" val="2275868758"/>
+                      <a16:colId xmlns:a16="http://schemas.microsoft.com/office/drawing/2014/main" val="20000"/>
                     </a:ext>
                   </a:extLst>
                 </a:gridCol>
                 <a:gridCol w="530428">
                   <a:extLst>
                     <a:ext uri="{9D8B030D-6E8A-4147-A177-3AD203B41FA5}">
-                      <a16:colId xmlns:a16="http://schemas.microsoft.com/office/drawing/2014/main" val="2998771351"/>
+                      <a16:colId xmlns:a16="http://schemas.microsoft.com/office/drawing/2014/main" val="20001"/>
                     </a:ext>
                   </a:extLst>
                 </a:gridCol>
                 <a:gridCol w="529982">
                   <a:extLst>
                     <a:ext uri="{9D8B030D-6E8A-4147-A177-3AD203B41FA5}">
-                      <a16:colId xmlns:a16="http://schemas.microsoft.com/office/drawing/2014/main" val="3941015403"/>
+                      <a16:colId xmlns:a16="http://schemas.microsoft.com/office/drawing/2014/main" val="20002"/>
                     </a:ext>
                   </a:extLst>
                 </a:gridCol>
                 <a:gridCol w="530873">
                   <a:extLst>
                     <a:ext uri="{9D8B030D-6E8A-4147-A177-3AD203B41FA5}">
-                      <a16:colId xmlns:a16="http://schemas.microsoft.com/office/drawing/2014/main" val="216140276"/>
+                      <a16:colId xmlns:a16="http://schemas.microsoft.com/office/drawing/2014/main" val="20003"/>
                     </a:ext>
                   </a:extLst>
                 </a:gridCol>
                 <a:gridCol w="530428">
                   <a:extLst>
                     <a:ext uri="{9D8B030D-6E8A-4147-A177-3AD203B41FA5}">
-                      <a16:colId xmlns:a16="http://schemas.microsoft.com/office/drawing/2014/main" val="3886624520"/>
+                      <a16:colId xmlns:a16="http://schemas.microsoft.com/office/drawing/2014/main" val="20004"/>
                     </a:ext>
                   </a:extLst>
                 </a:gridCol>
                 <a:gridCol w="530428">
                   <a:extLst>
                     <a:ext uri="{9D8B030D-6E8A-4147-A177-3AD203B41FA5}">
-                      <a16:colId xmlns:a16="http://schemas.microsoft.com/office/drawing/2014/main" val="3773550806"/>
+                      <a16:colId xmlns:a16="http://schemas.microsoft.com/office/drawing/2014/main" val="20005"/>
                     </a:ext>
                   </a:extLst>
                 </a:gridCol>
@@ -29061,7 +28321,7 @@
                 </a:tc>
                 <a:extLst>
                   <a:ext uri="{0D108BD9-81ED-4DB2-BD59-A6C34878D82A}">
-                    <a16:rowId xmlns:a16="http://schemas.microsoft.com/office/drawing/2014/main" val="2508326307"/>
+                    <a16:rowId xmlns:a16="http://schemas.microsoft.com/office/drawing/2014/main" val="10000"/>
                   </a:ext>
                 </a:extLst>
               </a:tr>
@@ -29400,7 +28660,7 @@
                 </a:tc>
                 <a:extLst>
                   <a:ext uri="{0D108BD9-81ED-4DB2-BD59-A6C34878D82A}">
-                    <a16:rowId xmlns:a16="http://schemas.microsoft.com/office/drawing/2014/main" val="1017044772"/>
+                    <a16:rowId xmlns:a16="http://schemas.microsoft.com/office/drawing/2014/main" val="10001"/>
                   </a:ext>
                 </a:extLst>
               </a:tr>
@@ -29739,7 +28999,7 @@
                 </a:tc>
                 <a:extLst>
                   <a:ext uri="{0D108BD9-81ED-4DB2-BD59-A6C34878D82A}">
-                    <a16:rowId xmlns:a16="http://schemas.microsoft.com/office/drawing/2014/main" val="1929026840"/>
+                    <a16:rowId xmlns:a16="http://schemas.microsoft.com/office/drawing/2014/main" val="10002"/>
                   </a:ext>
                 </a:extLst>
               </a:tr>
@@ -30124,7 +29384,7 @@
                 </a:tc>
                 <a:extLst>
                   <a:ext uri="{0D108BD9-81ED-4DB2-BD59-A6C34878D82A}">
-                    <a16:rowId xmlns:a16="http://schemas.microsoft.com/office/drawing/2014/main" val="3833893501"/>
+                    <a16:rowId xmlns:a16="http://schemas.microsoft.com/office/drawing/2014/main" val="10003"/>
                   </a:ext>
                 </a:extLst>
               </a:tr>
@@ -30134,13 +29394,7 @@
       </p:graphicFrame>
       <p:sp>
         <p:nvSpPr>
-          <p:cNvPr id="127" name="文本框 126">
-            <a:extLst>
-              <a:ext uri="{FF2B5EF4-FFF2-40B4-BE49-F238E27FC236}">
-                <a16:creationId xmlns:a16="http://schemas.microsoft.com/office/drawing/2014/main" id="{C5235A56-5CF5-B8DD-1CD7-67594F603539}"/>
-              </a:ext>
-            </a:extLst>
-          </p:cNvPr>
+          <p:cNvPr id="127" name="文本框 126"/>
           <p:cNvSpPr txBox="1"/>
           <p:nvPr/>
         </p:nvSpPr>
@@ -30171,13 +29425,7 @@
       </p:sp>
       <p:sp>
         <p:nvSpPr>
-          <p:cNvPr id="57" name="椭圆 56">
-            <a:extLst>
-              <a:ext uri="{FF2B5EF4-FFF2-40B4-BE49-F238E27FC236}">
-                <a16:creationId xmlns:a16="http://schemas.microsoft.com/office/drawing/2014/main" id="{D56126C5-98C4-57CC-0D22-835820287E7F}"/>
-              </a:ext>
-            </a:extLst>
-          </p:cNvPr>
+          <p:cNvPr id="57" name="椭圆 56"/>
           <p:cNvSpPr/>
           <p:nvPr/>
         </p:nvSpPr>
@@ -30221,13 +29469,7 @@
       </p:sp>
       <p:sp>
         <p:nvSpPr>
-          <p:cNvPr id="59" name="文本框 58">
-            <a:extLst>
-              <a:ext uri="{FF2B5EF4-FFF2-40B4-BE49-F238E27FC236}">
-                <a16:creationId xmlns:a16="http://schemas.microsoft.com/office/drawing/2014/main" id="{0E69E42E-892E-6FE6-D37A-A5888E5A31A8}"/>
-              </a:ext>
-            </a:extLst>
-          </p:cNvPr>
+          <p:cNvPr id="59" name="文本框 58"/>
           <p:cNvSpPr txBox="1"/>
           <p:nvPr/>
         </p:nvSpPr>
@@ -30258,23 +29500,11 @@
       </p:sp>
       <p:graphicFrame>
         <p:nvGraphicFramePr>
-          <p:cNvPr id="60" name="表格 12">
-            <a:extLst>
-              <a:ext uri="{FF2B5EF4-FFF2-40B4-BE49-F238E27FC236}">
-                <a16:creationId xmlns:a16="http://schemas.microsoft.com/office/drawing/2014/main" id="{9DC3D22F-FB4C-DA6B-1397-5789A23D7852}"/>
-              </a:ext>
-            </a:extLst>
-          </p:cNvPr>
+          <p:cNvPr id="60" name="表格 12"/>
           <p:cNvGraphicFramePr>
             <a:graphicFrameLocks noGrp="1"/>
           </p:cNvGraphicFramePr>
-          <p:nvPr>
-            <p:extLst>
-              <p:ext uri="{D42A27DB-BD31-4B8C-83A1-F6EECF244321}">
-                <p14:modId xmlns:p14="http://schemas.microsoft.com/office/powerpoint/2010/main" val="2293761450"/>
-              </p:ext>
-            </p:extLst>
-          </p:nvPr>
+          <p:nvPr/>
         </p:nvGraphicFramePr>
         <p:xfrm>
           <a:off x="5487445" y="3691493"/>
@@ -30290,42 +29520,42 @@
                 <a:gridCol w="530428">
                   <a:extLst>
                     <a:ext uri="{9D8B030D-6E8A-4147-A177-3AD203B41FA5}">
-                      <a16:colId xmlns:a16="http://schemas.microsoft.com/office/drawing/2014/main" val="2275868758"/>
+                      <a16:colId xmlns:a16="http://schemas.microsoft.com/office/drawing/2014/main" val="20000"/>
                     </a:ext>
                   </a:extLst>
                 </a:gridCol>
                 <a:gridCol w="530428">
                   <a:extLst>
                     <a:ext uri="{9D8B030D-6E8A-4147-A177-3AD203B41FA5}">
-                      <a16:colId xmlns:a16="http://schemas.microsoft.com/office/drawing/2014/main" val="2998771351"/>
+                      <a16:colId xmlns:a16="http://schemas.microsoft.com/office/drawing/2014/main" val="20001"/>
                     </a:ext>
                   </a:extLst>
                 </a:gridCol>
                 <a:gridCol w="529982">
                   <a:extLst>
                     <a:ext uri="{9D8B030D-6E8A-4147-A177-3AD203B41FA5}">
-                      <a16:colId xmlns:a16="http://schemas.microsoft.com/office/drawing/2014/main" val="3941015403"/>
+                      <a16:colId xmlns:a16="http://schemas.microsoft.com/office/drawing/2014/main" val="20002"/>
                     </a:ext>
                   </a:extLst>
                 </a:gridCol>
                 <a:gridCol w="530873">
                   <a:extLst>
                     <a:ext uri="{9D8B030D-6E8A-4147-A177-3AD203B41FA5}">
-                      <a16:colId xmlns:a16="http://schemas.microsoft.com/office/drawing/2014/main" val="216140276"/>
+                      <a16:colId xmlns:a16="http://schemas.microsoft.com/office/drawing/2014/main" val="20003"/>
                     </a:ext>
                   </a:extLst>
                 </a:gridCol>
                 <a:gridCol w="530428">
                   <a:extLst>
                     <a:ext uri="{9D8B030D-6E8A-4147-A177-3AD203B41FA5}">
-                      <a16:colId xmlns:a16="http://schemas.microsoft.com/office/drawing/2014/main" val="3886624520"/>
+                      <a16:colId xmlns:a16="http://schemas.microsoft.com/office/drawing/2014/main" val="20004"/>
                     </a:ext>
                   </a:extLst>
                 </a:gridCol>
                 <a:gridCol w="530428">
                   <a:extLst>
                     <a:ext uri="{9D8B030D-6E8A-4147-A177-3AD203B41FA5}">
-                      <a16:colId xmlns:a16="http://schemas.microsoft.com/office/drawing/2014/main" val="3773550806"/>
+                      <a16:colId xmlns:a16="http://schemas.microsoft.com/office/drawing/2014/main" val="20005"/>
                     </a:ext>
                   </a:extLst>
                 </a:gridCol>
@@ -30711,7 +29941,7 @@
                 </a:tc>
                 <a:extLst>
                   <a:ext uri="{0D108BD9-81ED-4DB2-BD59-A6C34878D82A}">
-                    <a16:rowId xmlns:a16="http://schemas.microsoft.com/office/drawing/2014/main" val="2508326307"/>
+                    <a16:rowId xmlns:a16="http://schemas.microsoft.com/office/drawing/2014/main" val="10000"/>
                   </a:ext>
                 </a:extLst>
               </a:tr>
@@ -31050,7 +30280,7 @@
                 </a:tc>
                 <a:extLst>
                   <a:ext uri="{0D108BD9-81ED-4DB2-BD59-A6C34878D82A}">
-                    <a16:rowId xmlns:a16="http://schemas.microsoft.com/office/drawing/2014/main" val="1017044772"/>
+                    <a16:rowId xmlns:a16="http://schemas.microsoft.com/office/drawing/2014/main" val="10001"/>
                   </a:ext>
                 </a:extLst>
               </a:tr>
@@ -31389,7 +30619,7 @@
                 </a:tc>
                 <a:extLst>
                   <a:ext uri="{0D108BD9-81ED-4DB2-BD59-A6C34878D82A}">
-                    <a16:rowId xmlns:a16="http://schemas.microsoft.com/office/drawing/2014/main" val="1929026840"/>
+                    <a16:rowId xmlns:a16="http://schemas.microsoft.com/office/drawing/2014/main" val="10002"/>
                   </a:ext>
                 </a:extLst>
               </a:tr>
@@ -31774,7 +31004,7 @@
                 </a:tc>
                 <a:extLst>
                   <a:ext uri="{0D108BD9-81ED-4DB2-BD59-A6C34878D82A}">
-                    <a16:rowId xmlns:a16="http://schemas.microsoft.com/office/drawing/2014/main" val="3833893501"/>
+                    <a16:rowId xmlns:a16="http://schemas.microsoft.com/office/drawing/2014/main" val="10003"/>
                   </a:ext>
                 </a:extLst>
               </a:tr>
@@ -31784,13 +31014,7 @@
       </p:graphicFrame>
       <p:sp>
         <p:nvSpPr>
-          <p:cNvPr id="62" name="文本框 61">
-            <a:extLst>
-              <a:ext uri="{FF2B5EF4-FFF2-40B4-BE49-F238E27FC236}">
-                <a16:creationId xmlns:a16="http://schemas.microsoft.com/office/drawing/2014/main" id="{7584F570-FF00-82B5-FD9C-3AF9B1D9B25F}"/>
-              </a:ext>
-            </a:extLst>
-          </p:cNvPr>
+          <p:cNvPr id="62" name="文本框 61"/>
           <p:cNvSpPr txBox="1"/>
           <p:nvPr/>
         </p:nvSpPr>
@@ -31828,13 +31052,7 @@
       </p:sp>
       <p:sp>
         <p:nvSpPr>
-          <p:cNvPr id="63" name="文本框 62">
-            <a:extLst>
-              <a:ext uri="{FF2B5EF4-FFF2-40B4-BE49-F238E27FC236}">
-                <a16:creationId xmlns:a16="http://schemas.microsoft.com/office/drawing/2014/main" id="{7F1A71FB-9C39-0C36-246F-AEE480AE62D9}"/>
-              </a:ext>
-            </a:extLst>
-          </p:cNvPr>
+          <p:cNvPr id="63" name="文本框 62"/>
           <p:cNvSpPr txBox="1"/>
           <p:nvPr/>
         </p:nvSpPr>
@@ -31872,13 +31090,7 @@
       </p:sp>
       <p:sp>
         <p:nvSpPr>
-          <p:cNvPr id="2" name="文本框 1">
-            <a:extLst>
-              <a:ext uri="{FF2B5EF4-FFF2-40B4-BE49-F238E27FC236}">
-                <a16:creationId xmlns:a16="http://schemas.microsoft.com/office/drawing/2014/main" id="{9FF5472B-B013-D191-F819-DBE007F97BE7}"/>
-              </a:ext>
-            </a:extLst>
-          </p:cNvPr>
+          <p:cNvPr id="2" name="文本框 1"/>
           <p:cNvSpPr txBox="1"/>
           <p:nvPr/>
         </p:nvSpPr>
@@ -31908,13 +31120,7 @@
       </p:sp>
       <p:pic>
         <p:nvPicPr>
-          <p:cNvPr id="4" name="图片 3">
-            <a:extLst>
-              <a:ext uri="{FF2B5EF4-FFF2-40B4-BE49-F238E27FC236}">
-                <a16:creationId xmlns:a16="http://schemas.microsoft.com/office/drawing/2014/main" id="{BF33AA39-C7B3-7848-F8A3-5678D0C0F7A8}"/>
-              </a:ext>
-            </a:extLst>
-          </p:cNvPr>
+          <p:cNvPr id="4" name="图片 3"/>
           <p:cNvPicPr>
             <a:picLocks noChangeAspect="1"/>
           </p:cNvPicPr>
@@ -31937,11 +31143,6 @@
         </p:spPr>
       </p:pic>
     </p:spTree>
-    <p:extLst>
-      <p:ext uri="{BB962C8B-B14F-4D97-AF65-F5344CB8AC3E}">
-        <p14:creationId xmlns:p14="http://schemas.microsoft.com/office/powerpoint/2010/main" val="3630761461"/>
-      </p:ext>
-    </p:extLst>
   </p:cSld>
   <p:clrMapOvr>
     <a:masterClrMapping/>
@@ -32545,7 +31746,7 @@
                 <a:cs typeface="Comfortaa"/>
                 <a:sym typeface="Comfortaa"/>
               </a:rPr>
-              <a:t>Strategy analysis (TIT FOR TAT, GRAFUAL …)</a:t>
+              <a:t>Strategy analysis (TIT FOR TAT, GRADUAL …)</a:t>
             </a:r>
             <a:endParaRPr lang="en-US" sz="2000" b="0" i="0" u="none" strike="noStrike" cap="none" dirty="0">
               <a:solidFill>
@@ -32929,8 +32130,8 @@
         </p:nvSpPr>
         <p:spPr>
           <a:xfrm>
-            <a:off x="729205" y="3737767"/>
-            <a:ext cx="7865495" cy="461624"/>
+            <a:off x="729205" y="3543130"/>
+            <a:ext cx="7865495" cy="830956"/>
           </a:xfrm>
           <a:prstGeom prst="rect">
             <a:avLst/>
@@ -32975,9 +32176,17 @@
                   <a:schemeClr val="dk1"/>
                 </a:solidFill>
               </a:rPr>
-              <a:t> Nash equilibrium</a:t>
+              <a:t> Nash equilibrium </a:t>
             </a:r>
-            <a:endParaRPr lang="en-US" sz="1600" b="1" dirty="0">
+            <a:r>
+              <a:rPr lang="en-US" altLang="zh-CN" sz="1600" dirty="0">
+                <a:solidFill>
+                  <a:schemeClr val="dk1"/>
+                </a:solidFill>
+              </a:rPr>
+              <a:t>is  (1,1)</a:t>
+            </a:r>
+            <a:endParaRPr lang="en-US" sz="1600" dirty="0">
               <a:solidFill>
                 <a:schemeClr val="dk1"/>
               </a:solidFill>
@@ -33252,7 +32461,7 @@
         </p:nvSpPr>
         <p:spPr>
           <a:xfrm>
-            <a:off x="457200" y="944109"/>
+            <a:off x="457200" y="771892"/>
             <a:ext cx="8229600" cy="1200288"/>
           </a:xfrm>
           <a:prstGeom prst="rect">
@@ -33354,7 +32563,7 @@
         </p:blipFill>
         <p:spPr>
           <a:xfrm>
-            <a:off x="4626428" y="2287630"/>
+            <a:off x="4529449" y="2287630"/>
             <a:ext cx="3131160" cy="511210"/>
           </a:xfrm>
           <a:prstGeom prst="rect">
@@ -33414,7 +32623,7 @@
         </p:blipFill>
         <p:spPr>
           <a:xfrm>
-            <a:off x="4626428" y="3047441"/>
+            <a:off x="4529449" y="3047441"/>
             <a:ext cx="3131160" cy="545158"/>
           </a:xfrm>
           <a:prstGeom prst="rect">
@@ -33436,16 +32645,15 @@
           </p:cNvPicPr>
           <p:nvPr/>
         </p:nvPicPr>
-        <p:blipFill>
+        <p:blipFill rotWithShape="1">
           <a:blip r:embed="rId6"/>
-          <a:stretch>
-            <a:fillRect/>
-          </a:stretch>
+          <a:srcRect t="4543" b="-657"/>
+          <a:stretch/>
         </p:blipFill>
         <p:spPr>
           <a:xfrm>
-            <a:off x="4626428" y="3841200"/>
-            <a:ext cx="3131160" cy="524190"/>
+            <a:off x="4529449" y="3862813"/>
+            <a:ext cx="3131160" cy="503828"/>
           </a:xfrm>
           <a:prstGeom prst="rect">
             <a:avLst/>
@@ -33530,8 +32738,8 @@
         </p:nvSpPr>
         <p:spPr>
           <a:xfrm>
-            <a:off x="7951808" y="2430684"/>
-            <a:ext cx="405114" cy="307777"/>
+            <a:off x="7668659" y="2435141"/>
+            <a:ext cx="949737" cy="261610"/>
           </a:xfrm>
           <a:prstGeom prst="rect">
             <a:avLst/>
@@ -33545,90 +32753,26 @@
           <a:lstStyle/>
           <a:p>
             <a:r>
-              <a:rPr lang="en-US" altLang="zh-CN" b="1" dirty="0">
+              <a:rPr lang="en-US" altLang="zh-CN" sz="1100" b="1" dirty="0">
+                <a:solidFill>
+                  <a:schemeClr val="tx1"/>
+                </a:solidFill>
+              </a:rPr>
+              <a:t>Payoff: </a:t>
+            </a:r>
+            <a:r>
+              <a:rPr lang="en-US" altLang="zh-CN" sz="1100" b="1" dirty="0">
                 <a:solidFill>
                   <a:srgbClr val="FF0000"/>
                 </a:solidFill>
               </a:rPr>
               <a:t>22</a:t>
             </a:r>
-            <a:endParaRPr lang="zh-CN" altLang="en-US" b="1" dirty="0">
+            <a:endParaRPr lang="zh-CN" altLang="en-US" sz="1100" b="1" dirty="0">
               <a:solidFill>
                 <a:srgbClr val="FF0000"/>
               </a:solidFill>
             </a:endParaRPr>
-          </a:p>
-        </p:txBody>
-      </p:sp>
-      <p:sp>
-        <p:nvSpPr>
-          <p:cNvPr id="27" name="文本框 26">
-            <a:extLst>
-              <a:ext uri="{FF2B5EF4-FFF2-40B4-BE49-F238E27FC236}">
-                <a16:creationId xmlns:a16="http://schemas.microsoft.com/office/drawing/2014/main" id="{5630ACF3-C613-78BD-A6DD-7233A5A35EC3}"/>
-              </a:ext>
-            </a:extLst>
-          </p:cNvPr>
-          <p:cNvSpPr txBox="1"/>
-          <p:nvPr/>
-        </p:nvSpPr>
-        <p:spPr>
-          <a:xfrm>
-            <a:off x="7951808" y="3167361"/>
-            <a:ext cx="405114" cy="307777"/>
-          </a:xfrm>
-          <a:prstGeom prst="rect">
-            <a:avLst/>
-          </a:prstGeom>
-          <a:noFill/>
-        </p:spPr>
-        <p:txBody>
-          <a:bodyPr wrap="square" rtlCol="0">
-            <a:spAutoFit/>
-          </a:bodyPr>
-          <a:lstStyle/>
-          <a:p>
-            <a:r>
-              <a:rPr lang="en-US" altLang="zh-CN" dirty="0"/>
-              <a:t>17</a:t>
-            </a:r>
-            <a:endParaRPr lang="zh-CN" altLang="en-US" dirty="0"/>
-          </a:p>
-        </p:txBody>
-      </p:sp>
-      <p:sp>
-        <p:nvSpPr>
-          <p:cNvPr id="29" name="文本框 28">
-            <a:extLst>
-              <a:ext uri="{FF2B5EF4-FFF2-40B4-BE49-F238E27FC236}">
-                <a16:creationId xmlns:a16="http://schemas.microsoft.com/office/drawing/2014/main" id="{437FBA03-7D53-3398-5648-18196D7DED7C}"/>
-              </a:ext>
-            </a:extLst>
-          </p:cNvPr>
-          <p:cNvSpPr txBox="1"/>
-          <p:nvPr/>
-        </p:nvSpPr>
-        <p:spPr>
-          <a:xfrm>
-            <a:off x="7951808" y="3962549"/>
-            <a:ext cx="405114" cy="307777"/>
-          </a:xfrm>
-          <a:prstGeom prst="rect">
-            <a:avLst/>
-          </a:prstGeom>
-          <a:noFill/>
-        </p:spPr>
-        <p:txBody>
-          <a:bodyPr wrap="square" rtlCol="0">
-            <a:spAutoFit/>
-          </a:bodyPr>
-          <a:lstStyle/>
-          <a:p>
-            <a:r>
-              <a:rPr lang="en-US" altLang="zh-CN" dirty="0"/>
-              <a:t>12</a:t>
-            </a:r>
-            <a:endParaRPr lang="zh-CN" altLang="en-US" dirty="0"/>
           </a:p>
         </p:txBody>
       </p:sp>
@@ -33646,8 +32790,8 @@
         </p:nvSpPr>
         <p:spPr>
           <a:xfrm>
-            <a:off x="977404" y="3594287"/>
-            <a:ext cx="2764215" cy="307777"/>
+            <a:off x="1207931" y="3544411"/>
+            <a:ext cx="2499892" cy="318403"/>
           </a:xfrm>
           <a:prstGeom prst="rect">
             <a:avLst/>
@@ -33661,10 +32805,16 @@
           <a:lstStyle/>
           <a:p>
             <a:r>
-              <a:rPr lang="en-US" altLang="zh-CN" b="1" dirty="0"/>
+              <a:rPr lang="en-US" altLang="zh-CN" b="1" dirty="0">
+                <a:latin typeface="Times New Roman" panose="02020603050405020304" pitchFamily="18" charset="0"/>
+                <a:cs typeface="Times New Roman" panose="02020603050405020304" pitchFamily="18" charset="0"/>
+              </a:rPr>
               <a:t>Random cooperate and defect</a:t>
             </a:r>
-            <a:endParaRPr lang="zh-CN" altLang="en-US" b="1" dirty="0"/>
+            <a:endParaRPr lang="zh-CN" altLang="en-US" b="1" dirty="0">
+              <a:latin typeface="Times New Roman" panose="02020603050405020304" pitchFamily="18" charset="0"/>
+              <a:cs typeface="Times New Roman" panose="02020603050405020304" pitchFamily="18" charset="0"/>
+            </a:endParaRPr>
           </a:p>
         </p:txBody>
       </p:sp>
@@ -33682,7 +32832,7 @@
         </p:nvSpPr>
         <p:spPr>
           <a:xfrm>
-            <a:off x="5481354" y="2039587"/>
+            <a:off x="5491922" y="1984494"/>
             <a:ext cx="1534580" cy="307777"/>
           </a:xfrm>
           <a:prstGeom prst="rect">
@@ -33697,10 +32847,16 @@
           <a:lstStyle/>
           <a:p>
             <a:r>
-              <a:rPr lang="en-US" altLang="zh-CN" b="1" dirty="0"/>
+              <a:rPr lang="en-US" altLang="zh-CN" b="1" dirty="0">
+                <a:latin typeface="Times New Roman" panose="02020603050405020304" pitchFamily="18" charset="0"/>
+                <a:cs typeface="Times New Roman" panose="02020603050405020304" pitchFamily="18" charset="0"/>
+              </a:rPr>
               <a:t>Always defect</a:t>
             </a:r>
-            <a:endParaRPr lang="zh-CN" altLang="en-US" b="1" dirty="0"/>
+            <a:endParaRPr lang="zh-CN" altLang="en-US" b="1" dirty="0">
+              <a:latin typeface="Times New Roman" panose="02020603050405020304" pitchFamily="18" charset="0"/>
+              <a:cs typeface="Times New Roman" panose="02020603050405020304" pitchFamily="18" charset="0"/>
+            </a:endParaRPr>
           </a:p>
         </p:txBody>
       </p:sp>
@@ -33718,8 +32874,8 @@
         </p:nvSpPr>
         <p:spPr>
           <a:xfrm>
-            <a:off x="4809899" y="2800627"/>
-            <a:ext cx="2764215" cy="307777"/>
+            <a:off x="4872588" y="2797284"/>
+            <a:ext cx="2577453" cy="307777"/>
           </a:xfrm>
           <a:prstGeom prst="rect">
             <a:avLst/>
@@ -33733,10 +32889,16 @@
           <a:lstStyle/>
           <a:p>
             <a:r>
-              <a:rPr lang="en-US" altLang="zh-CN" b="1" dirty="0"/>
+              <a:rPr lang="en-US" altLang="zh-CN" b="1" dirty="0">
+                <a:latin typeface="Times New Roman" panose="02020603050405020304" pitchFamily="18" charset="0"/>
+                <a:cs typeface="Times New Roman" panose="02020603050405020304" pitchFamily="18" charset="0"/>
+              </a:rPr>
               <a:t>Start off cooperate then defect</a:t>
             </a:r>
-            <a:endParaRPr lang="zh-CN" altLang="en-US" b="1" dirty="0"/>
+            <a:endParaRPr lang="zh-CN" altLang="en-US" b="1" dirty="0">
+              <a:latin typeface="Times New Roman" panose="02020603050405020304" pitchFamily="18" charset="0"/>
+              <a:cs typeface="Times New Roman" panose="02020603050405020304" pitchFamily="18" charset="0"/>
+            </a:endParaRPr>
           </a:p>
         </p:txBody>
       </p:sp>
@@ -33754,7 +32916,7 @@
         </p:nvSpPr>
         <p:spPr>
           <a:xfrm>
-            <a:off x="5402383" y="3604913"/>
+            <a:off x="5305404" y="3604913"/>
             <a:ext cx="1692523" cy="307777"/>
           </a:xfrm>
           <a:prstGeom prst="rect">
@@ -33769,10 +32931,16 @@
           <a:lstStyle/>
           <a:p>
             <a:r>
-              <a:rPr lang="en-US" altLang="zh-CN" b="1" dirty="0"/>
+              <a:rPr lang="en-US" altLang="zh-CN" b="1" dirty="0">
+                <a:latin typeface="Times New Roman" panose="02020603050405020304" pitchFamily="18" charset="0"/>
+                <a:cs typeface="Times New Roman" panose="02020603050405020304" pitchFamily="18" charset="0"/>
+              </a:rPr>
               <a:t>Always cooperate</a:t>
             </a:r>
-            <a:endParaRPr lang="zh-CN" altLang="en-US" b="1" dirty="0"/>
+            <a:endParaRPr lang="zh-CN" altLang="en-US" b="1" dirty="0">
+              <a:latin typeface="Times New Roman" panose="02020603050405020304" pitchFamily="18" charset="0"/>
+              <a:cs typeface="Times New Roman" panose="02020603050405020304" pitchFamily="18" charset="0"/>
+            </a:endParaRPr>
           </a:p>
         </p:txBody>
       </p:sp>
@@ -33794,14 +32962,14 @@
         <p:spPr>
           <a:xfrm flipV="1">
             <a:off x="3925951" y="2543235"/>
-            <a:ext cx="700477" cy="781080"/>
+            <a:ext cx="603498" cy="781080"/>
           </a:xfrm>
           <a:prstGeom prst="straightConnector1">
             <a:avLst/>
           </a:prstGeom>
           <a:ln w="9525" cap="flat" cmpd="sng" algn="ctr">
             <a:solidFill>
-              <a:schemeClr val="accent1"/>
+              <a:schemeClr val="dk1"/>
             </a:solidFill>
             <a:prstDash val="solid"/>
             <a:round/>
@@ -33843,14 +33011,14 @@
         <p:spPr>
           <a:xfrm flipV="1">
             <a:off x="3925951" y="3320020"/>
-            <a:ext cx="700477" cy="4295"/>
+            <a:ext cx="603498" cy="4295"/>
           </a:xfrm>
           <a:prstGeom prst="straightConnector1">
             <a:avLst/>
           </a:prstGeom>
           <a:ln w="9525" cap="flat" cmpd="sng" algn="ctr">
             <a:solidFill>
-              <a:schemeClr val="accent1"/>
+              <a:schemeClr val="dk1"/>
             </a:solidFill>
             <a:prstDash val="solid"/>
             <a:round/>
@@ -33892,14 +33060,14 @@
         <p:spPr>
           <a:xfrm>
             <a:off x="3925951" y="3324315"/>
-            <a:ext cx="700477" cy="778980"/>
+            <a:ext cx="603498" cy="790412"/>
           </a:xfrm>
           <a:prstGeom prst="straightConnector1">
             <a:avLst/>
           </a:prstGeom>
           <a:ln w="9525" cap="flat" cmpd="sng" algn="ctr">
             <a:solidFill>
-              <a:schemeClr val="accent1"/>
+              <a:schemeClr val="dk1"/>
             </a:solidFill>
             <a:prstDash val="solid"/>
             <a:round/>
@@ -33922,6 +33090,94 @@
           </a:fontRef>
         </p:style>
       </p:cxnSp>
+      <p:sp>
+        <p:nvSpPr>
+          <p:cNvPr id="21" name="文本框 20">
+            <a:extLst>
+              <a:ext uri="{FF2B5EF4-FFF2-40B4-BE49-F238E27FC236}">
+                <a16:creationId xmlns:a16="http://schemas.microsoft.com/office/drawing/2014/main" id="{79FC3824-76AC-A0E2-739F-9B46F5047DDF}"/>
+              </a:ext>
+            </a:extLst>
+          </p:cNvPr>
+          <p:cNvSpPr txBox="1"/>
+          <p:nvPr/>
+        </p:nvSpPr>
+        <p:spPr>
+          <a:xfrm>
+            <a:off x="7668659" y="3215414"/>
+            <a:ext cx="949737" cy="261610"/>
+          </a:xfrm>
+          <a:prstGeom prst="rect">
+            <a:avLst/>
+          </a:prstGeom>
+          <a:noFill/>
+        </p:spPr>
+        <p:txBody>
+          <a:bodyPr wrap="square" rtlCol="0">
+            <a:spAutoFit/>
+          </a:bodyPr>
+          <a:lstStyle/>
+          <a:p>
+            <a:r>
+              <a:rPr lang="en-US" altLang="zh-CN" sz="1100" b="1" dirty="0">
+                <a:solidFill>
+                  <a:schemeClr val="tx1"/>
+                </a:solidFill>
+              </a:rPr>
+              <a:t>Payoff: 17</a:t>
+            </a:r>
+            <a:endParaRPr lang="zh-CN" altLang="en-US" sz="1100" b="1" dirty="0">
+              <a:solidFill>
+                <a:schemeClr val="tx1"/>
+              </a:solidFill>
+            </a:endParaRPr>
+          </a:p>
+        </p:txBody>
+      </p:sp>
+      <p:sp>
+        <p:nvSpPr>
+          <p:cNvPr id="25" name="文本框 24">
+            <a:extLst>
+              <a:ext uri="{FF2B5EF4-FFF2-40B4-BE49-F238E27FC236}">
+                <a16:creationId xmlns:a16="http://schemas.microsoft.com/office/drawing/2014/main" id="{43B33D8E-9B9B-E18A-83D4-9E24443BDC49}"/>
+              </a:ext>
+            </a:extLst>
+          </p:cNvPr>
+          <p:cNvSpPr txBox="1"/>
+          <p:nvPr/>
+        </p:nvSpPr>
+        <p:spPr>
+          <a:xfrm>
+            <a:off x="7668659" y="3986576"/>
+            <a:ext cx="949737" cy="261610"/>
+          </a:xfrm>
+          <a:prstGeom prst="rect">
+            <a:avLst/>
+          </a:prstGeom>
+          <a:noFill/>
+        </p:spPr>
+        <p:txBody>
+          <a:bodyPr wrap="square" rtlCol="0">
+            <a:spAutoFit/>
+          </a:bodyPr>
+          <a:lstStyle/>
+          <a:p>
+            <a:r>
+              <a:rPr lang="en-US" altLang="zh-CN" sz="1100" b="1" dirty="0">
+                <a:solidFill>
+                  <a:schemeClr val="tx1"/>
+                </a:solidFill>
+              </a:rPr>
+              <a:t>Payoff: 12</a:t>
+            </a:r>
+            <a:endParaRPr lang="zh-CN" altLang="en-US" sz="1100" b="1" dirty="0">
+              <a:solidFill>
+                <a:schemeClr val="tx1"/>
+              </a:solidFill>
+            </a:endParaRPr>
+          </a:p>
+        </p:txBody>
+      </p:sp>
     </p:spTree>
     <p:extLst>
       <p:ext uri="{BB962C8B-B14F-4D97-AF65-F5344CB8AC3E}">
@@ -33954,10 +33210,10 @@
       </p:grpSpPr>
       <p:pic>
         <p:nvPicPr>
-          <p:cNvPr id="6" name="图片 5">
+          <p:cNvPr id="3" name="图片 2">
             <a:extLst>
               <a:ext uri="{FF2B5EF4-FFF2-40B4-BE49-F238E27FC236}">
-                <a16:creationId xmlns:a16="http://schemas.microsoft.com/office/drawing/2014/main" id="{B60A8560-811C-B1A6-8E81-DE886389EED8}"/>
+                <a16:creationId xmlns:a16="http://schemas.microsoft.com/office/drawing/2014/main" id="{FECC2159-DCAC-C10F-3498-4FA562FC438C}"/>
               </a:ext>
             </a:extLst>
           </p:cNvPr>
@@ -33974,8 +33230,8 @@
         </p:blipFill>
         <p:spPr>
           <a:xfrm>
-            <a:off x="343215" y="825529"/>
-            <a:ext cx="5509467" cy="3492442"/>
+            <a:off x="498619" y="825528"/>
+            <a:ext cx="5354063" cy="3393931"/>
           </a:xfrm>
           <a:prstGeom prst="rect">
             <a:avLst/>
@@ -34254,7 +33510,7 @@
                   <a:schemeClr val="dk1"/>
                 </a:solidFill>
               </a:rPr>
-              <a:t>Scored on the total points accumulated through the tournament. </a:t>
+              <a:t>Scored is the total points accumulated through the tournament. </a:t>
             </a:r>
           </a:p>
         </p:txBody>
@@ -34326,7 +33582,7 @@
         </p:nvSpPr>
         <p:spPr>
           <a:xfrm>
-            <a:off x="1671472" y="2905990"/>
+            <a:off x="1142662" y="2861922"/>
             <a:ext cx="159328" cy="381000"/>
           </a:xfrm>
           <a:prstGeom prst="rect">
@@ -34380,7 +33636,7 @@
         </p:nvSpPr>
         <p:spPr>
           <a:xfrm>
-            <a:off x="5171587" y="2905990"/>
+            <a:off x="5137287" y="2861922"/>
             <a:ext cx="159328" cy="498762"/>
           </a:xfrm>
           <a:prstGeom prst="rect">
@@ -34417,6 +33673,42 @@
           <a:p>
             <a:pPr algn="ctr"/>
             <a:endParaRPr lang="zh-CN" altLang="en-US"/>
+          </a:p>
+        </p:txBody>
+      </p:sp>
+      <p:sp>
+        <p:nvSpPr>
+          <p:cNvPr id="2" name="文本框 1">
+            <a:extLst>
+              <a:ext uri="{FF2B5EF4-FFF2-40B4-BE49-F238E27FC236}">
+                <a16:creationId xmlns:a16="http://schemas.microsoft.com/office/drawing/2014/main" id="{356C6003-8F84-C6B4-8EEC-549EBF083AF7}"/>
+              </a:ext>
+            </a:extLst>
+          </p:cNvPr>
+          <p:cNvSpPr txBox="1"/>
+          <p:nvPr/>
+        </p:nvSpPr>
+        <p:spPr>
+          <a:xfrm>
+            <a:off x="1653120" y="4215979"/>
+            <a:ext cx="4425812" cy="261610"/>
+          </a:xfrm>
+          <a:prstGeom prst="rect">
+            <a:avLst/>
+          </a:prstGeom>
+          <a:noFill/>
+        </p:spPr>
+        <p:txBody>
+          <a:bodyPr wrap="square" rtlCol="0">
+            <a:spAutoFit/>
+          </a:bodyPr>
+          <a:lstStyle/>
+          <a:p>
+            <a:r>
+              <a:rPr lang="en-US" altLang="zh-CN" sz="1100" dirty="0"/>
+              <a:t>Our reproduced results versus the reported ones</a:t>
+            </a:r>
+            <a:endParaRPr lang="zh-CN" altLang="en-US" sz="1100" dirty="0"/>
           </a:p>
         </p:txBody>
       </p:sp>
@@ -36443,6 +35735,75 @@
           </a:prstGeom>
         </p:spPr>
       </p:pic>
+      <p:sp>
+        <p:nvSpPr>
+          <p:cNvPr id="13" name="文本框 12">
+            <a:extLst>
+              <a:ext uri="{FF2B5EF4-FFF2-40B4-BE49-F238E27FC236}">
+                <a16:creationId xmlns:a16="http://schemas.microsoft.com/office/drawing/2014/main" id="{6D2133AF-4A7E-2F0B-8817-5B016FF2BFF7}"/>
+              </a:ext>
+            </a:extLst>
+          </p:cNvPr>
+          <p:cNvSpPr txBox="1"/>
+          <p:nvPr/>
+        </p:nvSpPr>
+        <p:spPr>
+          <a:xfrm>
+            <a:off x="2646652" y="2832072"/>
+            <a:ext cx="801445" cy="261610"/>
+          </a:xfrm>
+          <a:prstGeom prst="rect">
+            <a:avLst/>
+          </a:prstGeom>
+          <a:noFill/>
+        </p:spPr>
+        <p:txBody>
+          <a:bodyPr wrap="square">
+            <a:spAutoFit/>
+          </a:bodyPr>
+          <a:lstStyle/>
+          <a:p>
+            <a:pPr marL="0" marR="0" lvl="0" indent="0" algn="l" rtl="0">
+              <a:lnSpc>
+                <a:spcPct val="100000"/>
+              </a:lnSpc>
+              <a:spcBef>
+                <a:spcPts val="0"/>
+              </a:spcBef>
+              <a:spcAft>
+                <a:spcPts val="0"/>
+              </a:spcAft>
+              <a:buClr>
+                <a:srgbClr val="502984"/>
+              </a:buClr>
+              <a:buSzPts val="3200"/>
+              <a:buFont typeface="Times New Roman"/>
+              <a:buNone/>
+            </a:pPr>
+            <a:r>
+              <a:rPr lang="en-US" altLang="zh-CN" sz="1100" b="1" i="0" u="none" strike="noStrike" cap="none" dirty="0">
+                <a:solidFill>
+                  <a:schemeClr val="tx1"/>
+                </a:solidFill>
+                <a:latin typeface="Times New Roman" panose="02020603050405020304" pitchFamily="18" charset="0"/>
+                <a:ea typeface="Comfortaa"/>
+                <a:cs typeface="Times New Roman" panose="02020603050405020304" pitchFamily="18" charset="0"/>
+                <a:sym typeface="Comfortaa"/>
+              </a:rPr>
+              <a:t>Opponent</a:t>
+            </a:r>
+            <a:endParaRPr lang="en-US" altLang="zh-CN" sz="100" b="1" i="0" u="none" strike="noStrike" cap="none" dirty="0">
+              <a:solidFill>
+                <a:schemeClr val="tx1"/>
+              </a:solidFill>
+              <a:latin typeface="Times New Roman" panose="02020603050405020304" pitchFamily="18" charset="0"/>
+              <a:ea typeface="Comfortaa"/>
+              <a:cs typeface="Times New Roman" panose="02020603050405020304" pitchFamily="18" charset="0"/>
+              <a:sym typeface="Comfortaa"/>
+            </a:endParaRPr>
+          </a:p>
+        </p:txBody>
+      </p:sp>
     </p:spTree>
     <p:extLst>
       <p:ext uri="{BB962C8B-B14F-4D97-AF65-F5344CB8AC3E}">
@@ -36616,13 +35977,13 @@
           <p:nvPr>
             <p:extLst>
               <p:ext uri="{D42A27DB-BD31-4B8C-83A1-F6EECF244321}">
-                <p14:modId xmlns:p14="http://schemas.microsoft.com/office/powerpoint/2010/main" val="1466326688"/>
+                <p14:modId xmlns:p14="http://schemas.microsoft.com/office/powerpoint/2010/main" val="3913472612"/>
               </p:ext>
             </p:extLst>
           </p:nvPr>
         </p:nvGraphicFramePr>
         <p:xfrm>
-          <a:off x="3448097" y="1615970"/>
+          <a:off x="3448097" y="1551575"/>
           <a:ext cx="4304262" cy="1219200"/>
         </p:xfrm>
         <a:graphic>
@@ -38141,7 +37502,7 @@
         </p:nvSpPr>
         <p:spPr>
           <a:xfrm>
-            <a:off x="2646652" y="1681390"/>
+            <a:off x="2646652" y="1643569"/>
             <a:ext cx="801445" cy="430887"/>
           </a:xfrm>
           <a:prstGeom prst="rect">
@@ -38290,13 +37651,13 @@
           <p:nvPr>
             <p:extLst>
               <p:ext uri="{D42A27DB-BD31-4B8C-83A1-F6EECF244321}">
-                <p14:modId xmlns:p14="http://schemas.microsoft.com/office/powerpoint/2010/main" val="483930462"/>
+                <p14:modId xmlns:p14="http://schemas.microsoft.com/office/powerpoint/2010/main" val="1238087464"/>
               </p:ext>
             </p:extLst>
           </p:nvPr>
         </p:nvGraphicFramePr>
         <p:xfrm>
-          <a:off x="3448097" y="2958632"/>
+          <a:off x="3448097" y="2919995"/>
           <a:ext cx="4304262" cy="1219200"/>
         </p:xfrm>
         <a:graphic>
@@ -39815,7 +39176,7 @@
         </p:nvSpPr>
         <p:spPr>
           <a:xfrm>
-            <a:off x="2646652" y="3024052"/>
+            <a:off x="2646650" y="2986267"/>
             <a:ext cx="801445" cy="430887"/>
           </a:xfrm>
           <a:prstGeom prst="rect">
@@ -39926,8 +39287,8 @@
         </p:nvSpPr>
         <p:spPr>
           <a:xfrm>
-            <a:off x="2646652" y="4178938"/>
-            <a:ext cx="5491891" cy="375552"/>
+            <a:off x="2432340" y="4338587"/>
+            <a:ext cx="6497348" cy="377026"/>
           </a:xfrm>
           <a:prstGeom prst="rect">
             <a:avLst/>
@@ -39957,6 +39318,22 @@
               <a:buFont typeface="Arial" panose="020B0604020202020204" pitchFamily="34" charset="0"/>
               <a:buChar char="•"/>
             </a:pPr>
+            <a:r>
+              <a:rPr lang="en-US" altLang="zh-CN" sz="1400" b="1" dirty="0">
+                <a:solidFill>
+                  <a:schemeClr val="dk1"/>
+                </a:solidFill>
+              </a:rPr>
+              <a:t>Oppositely</a:t>
+            </a:r>
+            <a:r>
+              <a:rPr lang="zh-CN" altLang="en-US" sz="1400" b="1" dirty="0">
+                <a:solidFill>
+                  <a:schemeClr val="dk1"/>
+                </a:solidFill>
+              </a:rPr>
+              <a:t>，</a:t>
+            </a:r>
             <a:r>
               <a:rPr lang="en-US" altLang="zh-CN" sz="1400" b="1" dirty="0">
                 <a:solidFill>
@@ -39971,7 +39348,7 @@
                   <a:schemeClr val="dk1"/>
                 </a:solidFill>
               </a:rPr>
-              <a:t>can only win or tie, but the payoff is lower(bad)</a:t>
+              <a:t>can only win or tie, but the payoff is lower (bad)</a:t>
             </a:r>
           </a:p>
         </p:txBody>
@@ -40006,6 +39383,270 @@
           </a:prstGeom>
         </p:spPr>
       </p:pic>
+      <p:sp>
+        <p:nvSpPr>
+          <p:cNvPr id="2" name="矩形 1">
+            <a:extLst>
+              <a:ext uri="{FF2B5EF4-FFF2-40B4-BE49-F238E27FC236}">
+                <a16:creationId xmlns:a16="http://schemas.microsoft.com/office/drawing/2014/main" id="{2AF7ED5B-DD77-C74F-236F-B9A1EB32D8BE}"/>
+              </a:ext>
+            </a:extLst>
+          </p:cNvPr>
+          <p:cNvSpPr/>
+          <p:nvPr/>
+        </p:nvSpPr>
+        <p:spPr>
+          <a:xfrm>
+            <a:off x="2646653" y="825529"/>
+            <a:ext cx="6068722" cy="3447110"/>
+          </a:xfrm>
+          <a:prstGeom prst="rect">
+            <a:avLst/>
+          </a:prstGeom>
+          <a:noFill/>
+          <a:ln w="38100" cap="flat" cmpd="sng" algn="ctr">
+            <a:solidFill>
+              <a:schemeClr val="accent4"/>
+            </a:solidFill>
+            <a:prstDash val="sysDash"/>
+            <a:round/>
+            <a:headEnd type="none" w="med" len="med"/>
+            <a:tailEnd type="none" w="med" len="med"/>
+          </a:ln>
+        </p:spPr>
+        <p:style>
+          <a:lnRef idx="0">
+            <a:scrgbClr r="0" g="0" b="0"/>
+          </a:lnRef>
+          <a:fillRef idx="0">
+            <a:scrgbClr r="0" g="0" b="0"/>
+          </a:fillRef>
+          <a:effectRef idx="0">
+            <a:scrgbClr r="0" g="0" b="0"/>
+          </a:effectRef>
+          <a:fontRef idx="minor">
+            <a:schemeClr val="accent4"/>
+          </a:fontRef>
+        </p:style>
+        <p:txBody>
+          <a:bodyPr rtlCol="0" anchor="ctr"/>
+          <a:lstStyle/>
+          <a:p>
+            <a:pPr algn="ctr"/>
+            <a:endParaRPr lang="zh-CN" altLang="en-US"/>
+          </a:p>
+        </p:txBody>
+      </p:sp>
+      <p:sp>
+        <p:nvSpPr>
+          <p:cNvPr id="5" name="文本框 4">
+            <a:extLst>
+              <a:ext uri="{FF2B5EF4-FFF2-40B4-BE49-F238E27FC236}">
+                <a16:creationId xmlns:a16="http://schemas.microsoft.com/office/drawing/2014/main" id="{84F1A113-2BC0-6083-0894-7E41A557B68A}"/>
+              </a:ext>
+            </a:extLst>
+          </p:cNvPr>
+          <p:cNvSpPr txBox="1"/>
+          <p:nvPr/>
+        </p:nvSpPr>
+        <p:spPr>
+          <a:xfrm>
+            <a:off x="7194765" y="1983568"/>
+            <a:ext cx="1359038" cy="307777"/>
+          </a:xfrm>
+          <a:prstGeom prst="rect">
+            <a:avLst/>
+          </a:prstGeom>
+          <a:noFill/>
+        </p:spPr>
+        <p:txBody>
+          <a:bodyPr wrap="square" rtlCol="0">
+            <a:spAutoFit/>
+          </a:bodyPr>
+          <a:lstStyle/>
+          <a:p>
+            <a:r>
+              <a:rPr lang="en-US" altLang="zh-CN" b="1" dirty="0"/>
+              <a:t>Tie Situation</a:t>
+            </a:r>
+            <a:endParaRPr lang="zh-CN" altLang="en-US" b="1" dirty="0"/>
+          </a:p>
+        </p:txBody>
+      </p:sp>
+      <p:sp>
+        <p:nvSpPr>
+          <p:cNvPr id="17" name="文本框 16">
+            <a:extLst>
+              <a:ext uri="{FF2B5EF4-FFF2-40B4-BE49-F238E27FC236}">
+                <a16:creationId xmlns:a16="http://schemas.microsoft.com/office/drawing/2014/main" id="{AA8E90F1-173E-BCD5-ABDF-AC6CC484D209}"/>
+              </a:ext>
+            </a:extLst>
+          </p:cNvPr>
+          <p:cNvSpPr txBox="1"/>
+          <p:nvPr/>
+        </p:nvSpPr>
+        <p:spPr>
+          <a:xfrm>
+            <a:off x="7194765" y="3375706"/>
+            <a:ext cx="1520610" cy="307777"/>
+          </a:xfrm>
+          <a:prstGeom prst="rect">
+            <a:avLst/>
+          </a:prstGeom>
+          <a:noFill/>
+        </p:spPr>
+        <p:txBody>
+          <a:bodyPr wrap="square" rtlCol="0">
+            <a:spAutoFit/>
+          </a:bodyPr>
+          <a:lstStyle/>
+          <a:p>
+            <a:r>
+              <a:rPr lang="en-US" altLang="zh-CN" b="1" dirty="0"/>
+              <a:t>Loss Situation</a:t>
+            </a:r>
+            <a:endParaRPr lang="zh-CN" altLang="en-US" b="1" dirty="0"/>
+          </a:p>
+        </p:txBody>
+      </p:sp>
+      <p:sp>
+        <p:nvSpPr>
+          <p:cNvPr id="19" name="文本框 18">
+            <a:extLst>
+              <a:ext uri="{FF2B5EF4-FFF2-40B4-BE49-F238E27FC236}">
+                <a16:creationId xmlns:a16="http://schemas.microsoft.com/office/drawing/2014/main" id="{701DD8F7-9A51-6E47-E994-BE9A368043D6}"/>
+              </a:ext>
+            </a:extLst>
+          </p:cNvPr>
+          <p:cNvSpPr txBox="1"/>
+          <p:nvPr/>
+        </p:nvSpPr>
+        <p:spPr>
+          <a:xfrm>
+            <a:off x="2646652" y="2171958"/>
+            <a:ext cx="911195" cy="600164"/>
+          </a:xfrm>
+          <a:prstGeom prst="rect">
+            <a:avLst/>
+          </a:prstGeom>
+          <a:noFill/>
+        </p:spPr>
+        <p:txBody>
+          <a:bodyPr wrap="square">
+            <a:spAutoFit/>
+          </a:bodyPr>
+          <a:lstStyle/>
+          <a:p>
+            <a:pPr marL="0" marR="0" lvl="0" indent="0" algn="l" rtl="0">
+              <a:lnSpc>
+                <a:spcPct val="100000"/>
+              </a:lnSpc>
+              <a:spcBef>
+                <a:spcPts val="0"/>
+              </a:spcBef>
+              <a:spcAft>
+                <a:spcPts val="0"/>
+              </a:spcAft>
+              <a:buClr>
+                <a:srgbClr val="502984"/>
+              </a:buClr>
+              <a:buSzPts val="3200"/>
+              <a:buFont typeface="Times New Roman"/>
+              <a:buNone/>
+            </a:pPr>
+            <a:r>
+              <a:rPr lang="en-US" altLang="zh-CN" sz="1100" b="1" dirty="0">
+                <a:solidFill>
+                  <a:schemeClr val="tx1"/>
+                </a:solidFill>
+                <a:latin typeface="Times New Roman" panose="02020603050405020304" pitchFamily="18" charset="0"/>
+                <a:ea typeface="Comfortaa"/>
+                <a:cs typeface="Times New Roman" panose="02020603050405020304" pitchFamily="18" charset="0"/>
+                <a:sym typeface="Comfortaa"/>
+              </a:rPr>
+              <a:t>Defect at the middle of game</a:t>
+            </a:r>
+            <a:endParaRPr lang="en-US" altLang="zh-CN" sz="100" b="1" i="0" u="none" strike="noStrike" cap="none" dirty="0">
+              <a:solidFill>
+                <a:schemeClr val="tx1"/>
+              </a:solidFill>
+              <a:latin typeface="Times New Roman" panose="02020603050405020304" pitchFamily="18" charset="0"/>
+              <a:ea typeface="Comfortaa"/>
+              <a:cs typeface="Times New Roman" panose="02020603050405020304" pitchFamily="18" charset="0"/>
+              <a:sym typeface="Comfortaa"/>
+            </a:endParaRPr>
+          </a:p>
+        </p:txBody>
+      </p:sp>
+      <p:sp>
+        <p:nvSpPr>
+          <p:cNvPr id="20" name="文本框 19">
+            <a:extLst>
+              <a:ext uri="{FF2B5EF4-FFF2-40B4-BE49-F238E27FC236}">
+                <a16:creationId xmlns:a16="http://schemas.microsoft.com/office/drawing/2014/main" id="{441F8049-FCD0-4614-10F7-436A5DC2756A}"/>
+              </a:ext>
+            </a:extLst>
+          </p:cNvPr>
+          <p:cNvSpPr txBox="1"/>
+          <p:nvPr/>
+        </p:nvSpPr>
+        <p:spPr>
+          <a:xfrm>
+            <a:off x="2646651" y="3539581"/>
+            <a:ext cx="801445" cy="600164"/>
+          </a:xfrm>
+          <a:prstGeom prst="rect">
+            <a:avLst/>
+          </a:prstGeom>
+          <a:noFill/>
+        </p:spPr>
+        <p:txBody>
+          <a:bodyPr wrap="square">
+            <a:spAutoFit/>
+          </a:bodyPr>
+          <a:lstStyle/>
+          <a:p>
+            <a:pPr marL="0" marR="0" lvl="0" indent="0" algn="l" rtl="0">
+              <a:lnSpc>
+                <a:spcPct val="100000"/>
+              </a:lnSpc>
+              <a:spcBef>
+                <a:spcPts val="0"/>
+              </a:spcBef>
+              <a:spcAft>
+                <a:spcPts val="0"/>
+              </a:spcAft>
+              <a:buClr>
+                <a:srgbClr val="502984"/>
+              </a:buClr>
+              <a:buSzPts val="3200"/>
+              <a:buFont typeface="Times New Roman"/>
+              <a:buNone/>
+            </a:pPr>
+            <a:r>
+              <a:rPr lang="en-US" altLang="zh-CN" sz="1100" b="1" dirty="0">
+                <a:solidFill>
+                  <a:schemeClr val="tx1"/>
+                </a:solidFill>
+                <a:latin typeface="Times New Roman" panose="02020603050405020304" pitchFamily="18" charset="0"/>
+                <a:ea typeface="Comfortaa"/>
+                <a:cs typeface="Times New Roman" panose="02020603050405020304" pitchFamily="18" charset="0"/>
+                <a:sym typeface="Comfortaa"/>
+              </a:rPr>
+              <a:t>Defect at the end of the game</a:t>
+            </a:r>
+            <a:endParaRPr lang="en-US" altLang="zh-CN" sz="100" b="1" i="0" u="none" strike="noStrike" cap="none" dirty="0">
+              <a:solidFill>
+                <a:schemeClr val="tx1"/>
+              </a:solidFill>
+              <a:latin typeface="Times New Roman" panose="02020603050405020304" pitchFamily="18" charset="0"/>
+              <a:ea typeface="Comfortaa"/>
+              <a:cs typeface="Times New Roman" panose="02020603050405020304" pitchFamily="18" charset="0"/>
+              <a:sym typeface="Comfortaa"/>
+            </a:endParaRPr>
+          </a:p>
+        </p:txBody>
+      </p:sp>
     </p:spTree>
     <p:extLst>
       <p:ext uri="{BB962C8B-B14F-4D97-AF65-F5344CB8AC3E}">
@@ -40265,7 +39906,7 @@
                   <a:schemeClr val="dk1"/>
                 </a:solidFill>
               </a:rPr>
-              <a:t>Never the first to defect, but once the other defected it never cooperate again</a:t>
+              <a:t>Never the first to defect, but when the other side does, it never cooperate again</a:t>
             </a:r>
           </a:p>
         </p:txBody>
@@ -41877,7 +41518,7 @@
         </p:nvSpPr>
         <p:spPr>
           <a:xfrm>
-            <a:off x="2538805" y="2177585"/>
+            <a:off x="2566515" y="2171807"/>
             <a:ext cx="909292" cy="261610"/>
           </a:xfrm>
           <a:prstGeom prst="rect">
@@ -41962,6 +41603,75 @@
           </a:prstGeom>
         </p:spPr>
       </p:pic>
+      <p:sp>
+        <p:nvSpPr>
+          <p:cNvPr id="13" name="文本框 12">
+            <a:extLst>
+              <a:ext uri="{FF2B5EF4-FFF2-40B4-BE49-F238E27FC236}">
+                <a16:creationId xmlns:a16="http://schemas.microsoft.com/office/drawing/2014/main" id="{1D25F5DB-05CB-09D8-1651-7C619E2562A3}"/>
+              </a:ext>
+            </a:extLst>
+          </p:cNvPr>
+          <p:cNvSpPr txBox="1"/>
+          <p:nvPr/>
+        </p:nvSpPr>
+        <p:spPr>
+          <a:xfrm>
+            <a:off x="2585911" y="2676246"/>
+            <a:ext cx="842790" cy="600164"/>
+          </a:xfrm>
+          <a:prstGeom prst="rect">
+            <a:avLst/>
+          </a:prstGeom>
+          <a:noFill/>
+        </p:spPr>
+        <p:txBody>
+          <a:bodyPr wrap="square">
+            <a:spAutoFit/>
+          </a:bodyPr>
+          <a:lstStyle/>
+          <a:p>
+            <a:pPr marL="0" marR="0" lvl="0" indent="0" algn="r" rtl="0">
+              <a:lnSpc>
+                <a:spcPct val="100000"/>
+              </a:lnSpc>
+              <a:spcBef>
+                <a:spcPts val="0"/>
+              </a:spcBef>
+              <a:spcAft>
+                <a:spcPts val="0"/>
+              </a:spcAft>
+              <a:buClr>
+                <a:srgbClr val="502984"/>
+              </a:buClr>
+              <a:buSzPts val="3200"/>
+              <a:buFont typeface="Times New Roman"/>
+              <a:buNone/>
+            </a:pPr>
+            <a:r>
+              <a:rPr lang="en-US" altLang="zh-CN" sz="1100" b="1" dirty="0">
+                <a:solidFill>
+                  <a:schemeClr val="tx1"/>
+                </a:solidFill>
+                <a:latin typeface="Times New Roman" panose="02020603050405020304" pitchFamily="18" charset="0"/>
+                <a:ea typeface="Comfortaa"/>
+                <a:cs typeface="Times New Roman" panose="02020603050405020304" pitchFamily="18" charset="0"/>
+                <a:sym typeface="Comfortaa"/>
+              </a:rPr>
+              <a:t>Opponent defects at round 2</a:t>
+            </a:r>
+            <a:endParaRPr lang="en-US" altLang="zh-CN" sz="100" b="1" i="0" u="none" strike="noStrike" cap="none" dirty="0">
+              <a:solidFill>
+                <a:schemeClr val="tx1"/>
+              </a:solidFill>
+              <a:latin typeface="Times New Roman" panose="02020603050405020304" pitchFamily="18" charset="0"/>
+              <a:ea typeface="Comfortaa"/>
+              <a:cs typeface="Times New Roman" panose="02020603050405020304" pitchFamily="18" charset="0"/>
+              <a:sym typeface="Comfortaa"/>
+            </a:endParaRPr>
+          </a:p>
+        </p:txBody>
+      </p:sp>
     </p:spTree>
     <p:extLst>
       <p:ext uri="{BB962C8B-B14F-4D97-AF65-F5344CB8AC3E}">
@@ -43785,7 +43495,7 @@
         </p:nvSpPr>
         <p:spPr>
           <a:xfrm>
-            <a:off x="2435021" y="1666960"/>
+            <a:off x="2421944" y="1698033"/>
             <a:ext cx="909292" cy="430887"/>
           </a:xfrm>
           <a:prstGeom prst="rect">
@@ -45530,7 +45240,7 @@
                   <a:schemeClr val="dk1"/>
                 </a:solidFill>
               </a:rPr>
-              <a:t>starts out cooperating but tries defecting to say how opponent react. If the opponent punishes, it cooperates to apologize, and never defect again.</a:t>
+              <a:t>starts out cooperating but tries defecting to see how opponent react. If the opponent punishes, it cooperates to apologize, and never defect again.</a:t>
             </a:r>
           </a:p>
         </p:txBody>
@@ -45666,6 +45376,75 @@
                 <a:schemeClr val="tx1"/>
               </a:solidFill>
               <a:latin typeface="+mj-lt"/>
+              <a:ea typeface="Comfortaa"/>
+              <a:cs typeface="Times New Roman" panose="02020603050405020304" pitchFamily="18" charset="0"/>
+              <a:sym typeface="Comfortaa"/>
+            </a:endParaRPr>
+          </a:p>
+        </p:txBody>
+      </p:sp>
+      <p:sp>
+        <p:nvSpPr>
+          <p:cNvPr id="16" name="文本框 15">
+            <a:extLst>
+              <a:ext uri="{FF2B5EF4-FFF2-40B4-BE49-F238E27FC236}">
+                <a16:creationId xmlns:a16="http://schemas.microsoft.com/office/drawing/2014/main" id="{1FC4019C-1B1C-05D8-0A88-18A490A3240C}"/>
+              </a:ext>
+            </a:extLst>
+          </p:cNvPr>
+          <p:cNvSpPr txBox="1"/>
+          <p:nvPr/>
+        </p:nvSpPr>
+        <p:spPr>
+          <a:xfrm>
+            <a:off x="2435021" y="2206035"/>
+            <a:ext cx="909292" cy="600164"/>
+          </a:xfrm>
+          <a:prstGeom prst="rect">
+            <a:avLst/>
+          </a:prstGeom>
+          <a:noFill/>
+        </p:spPr>
+        <p:txBody>
+          <a:bodyPr wrap="square">
+            <a:spAutoFit/>
+          </a:bodyPr>
+          <a:lstStyle/>
+          <a:p>
+            <a:pPr marL="0" marR="0" lvl="0" indent="0" algn="l" rtl="0">
+              <a:lnSpc>
+                <a:spcPct val="100000"/>
+              </a:lnSpc>
+              <a:spcBef>
+                <a:spcPts val="0"/>
+              </a:spcBef>
+              <a:spcAft>
+                <a:spcPts val="0"/>
+              </a:spcAft>
+              <a:buClr>
+                <a:srgbClr val="502984"/>
+              </a:buClr>
+              <a:buSzPts val="3200"/>
+              <a:buFont typeface="Times New Roman"/>
+              <a:buNone/>
+            </a:pPr>
+            <a:r>
+              <a:rPr lang="en-US" altLang="zh-CN" sz="1100" b="1" i="0" u="none" strike="noStrike" cap="none" dirty="0">
+                <a:solidFill>
+                  <a:schemeClr val="tx1"/>
+                </a:solidFill>
+                <a:latin typeface="Times New Roman" panose="02020603050405020304" pitchFamily="18" charset="0"/>
+                <a:ea typeface="Comfortaa"/>
+                <a:cs typeface="Times New Roman" panose="02020603050405020304" pitchFamily="18" charset="0"/>
+                <a:sym typeface="Comfortaa"/>
+              </a:rPr>
+              <a:t>Opponent defects at round 2</a:t>
+            </a:r>
+            <a:endParaRPr lang="en-US" altLang="zh-CN" sz="100" b="1" i="0" u="none" strike="noStrike" cap="none" dirty="0">
+              <a:solidFill>
+                <a:schemeClr val="tx1"/>
+              </a:solidFill>
+              <a:latin typeface="Times New Roman" panose="02020603050405020304" pitchFamily="18" charset="0"/>
               <a:ea typeface="Comfortaa"/>
               <a:cs typeface="Times New Roman" panose="02020603050405020304" pitchFamily="18" charset="0"/>
               <a:sym typeface="Comfortaa"/>
